--- a/ToegepasteAnalogeElektronica/PowerPoint/SmithKaartOefening5.pptx
+++ b/ToegepasteAnalogeElektronica/PowerPoint/SmithKaartOefening5.pptx
@@ -698,7 +698,7 @@
           <a:p>
             <a:fld id="{8F591CCF-F6FD-734B-854A-5BC033593B1E}" type="datetimeFigureOut">
               <a:rPr lang="nl-NL" smtClean="0"/>
-              <a:t>20-9-2025</a:t>
+              <a:t>21-9-2025</a:t>
             </a:fld>
             <a:endParaRPr lang="nl-NL"/>
           </a:p>
@@ -863,7 +863,7 @@
           <a:p>
             <a:fld id="{23C66214-DB21-4647-B5DA-0D17CA592867}" type="datetimeFigureOut">
               <a:rPr lang="nl-NL" smtClean="0"/>
-              <a:t>20-9-2025</a:t>
+              <a:t>21-9-2025</a:t>
             </a:fld>
             <a:endParaRPr lang="nl-NL"/>
           </a:p>
@@ -1474,7 +1474,7 @@
           <a:p>
             <a:fld id="{D15822B7-9EF6-9542-AF10-CD505E021A84}" type="datetime1">
               <a:rPr lang="nl-BE" smtClean="0"/>
-              <a:t>20/09/2025</a:t>
+              <a:t>21/09/2025</a:t>
             </a:fld>
             <a:endParaRPr lang="nl-NL"/>
           </a:p>
@@ -1724,7 +1724,7 @@
           <a:p>
             <a:fld id="{D15822B7-9EF6-9542-AF10-CD505E021A84}" type="datetime1">
               <a:rPr lang="nl-BE" smtClean="0"/>
-              <a:t>20/09/2025</a:t>
+              <a:t>21/09/2025</a:t>
             </a:fld>
             <a:endParaRPr lang="nl-NL"/>
           </a:p>
@@ -2007,7 +2007,7 @@
           <a:p>
             <a:fld id="{F52CA13D-CC20-034F-8D4D-5C3038626ED9}" type="datetime1">
               <a:rPr lang="nl-BE" smtClean="0"/>
-              <a:t>20/09/2025</a:t>
+              <a:t>21/09/2025</a:t>
             </a:fld>
             <a:endParaRPr lang="nl-NL"/>
           </a:p>
@@ -2287,8 +2287,8 @@
         </p:nvSpPr>
         <p:spPr>
           <a:xfrm>
-            <a:off x="576000" y="2232000"/>
-            <a:ext cx="11006400" cy="3820646"/>
+            <a:off x="576000" y="800401"/>
+            <a:ext cx="11006400" cy="5252245"/>
           </a:xfrm>
         </p:spPr>
         <p:txBody>
@@ -2359,7 +2359,7 @@
           <a:p>
             <a:fld id="{F52CA13D-CC20-034F-8D4D-5C3038626ED9}" type="datetime1">
               <a:rPr lang="nl-BE" smtClean="0"/>
-              <a:t>20/09/2025</a:t>
+              <a:t>21/09/2025</a:t>
             </a:fld>
             <a:endParaRPr lang="nl-NL"/>
           </a:p>
@@ -2477,7 +2477,7 @@
         </p:nvSpPr>
         <p:spPr>
           <a:xfrm>
-            <a:off x="576000" y="576001"/>
+            <a:off x="576000" y="4501"/>
             <a:ext cx="11041200" cy="648000"/>
           </a:xfrm>
         </p:spPr>
@@ -2537,8 +2537,8 @@
         </p:nvGrpSpPr>
         <p:grpSpPr>
           <a:xfrm>
-            <a:off x="125506" y="1312858"/>
-            <a:ext cx="11821095" cy="4739788"/>
+            <a:off x="125506" y="731855"/>
+            <a:ext cx="11821095" cy="5320791"/>
             <a:chOff x="0" y="-241102"/>
             <a:chExt cx="23088432" cy="12605757"/>
           </a:xfrm>
@@ -3483,8 +3483,8 @@
         </p:nvSpPr>
         <p:spPr>
           <a:xfrm>
-            <a:off x="245399" y="1810310"/>
-            <a:ext cx="11605942" cy="4175637"/>
+            <a:off x="245399" y="1280788"/>
+            <a:ext cx="11605942" cy="4705159"/>
           </a:xfrm>
           <a:noFill/>
         </p:spPr>
@@ -3592,7 +3592,7 @@
           <a:p>
             <a:fld id="{F52CA13D-CC20-034F-8D4D-5C3038626ED9}" type="datetime1">
               <a:rPr lang="nl-BE" smtClean="0"/>
-              <a:t>20/09/2025</a:t>
+              <a:t>21/09/2025</a:t>
             </a:fld>
             <a:endParaRPr lang="nl-NL"/>
           </a:p>
@@ -3710,7 +3710,7 @@
         </p:nvSpPr>
         <p:spPr>
           <a:xfrm>
-            <a:off x="576000" y="576000"/>
+            <a:off x="576000" y="4500"/>
             <a:ext cx="11041200" cy="579455"/>
           </a:xfrm>
         </p:spPr>
@@ -3813,7 +3813,7 @@
           <a:p>
             <a:fld id="{F52CA13D-CC20-034F-8D4D-5C3038626ED9}" type="datetime1">
               <a:rPr lang="nl-BE" smtClean="0"/>
-              <a:t>20/09/2025</a:t>
+              <a:t>21/09/2025</a:t>
             </a:fld>
             <a:endParaRPr lang="nl-NL"/>
           </a:p>
@@ -3931,7 +3931,7 @@
         </p:nvSpPr>
         <p:spPr>
           <a:xfrm>
-            <a:off x="576000" y="576001"/>
+            <a:off x="576000" y="4501"/>
             <a:ext cx="11041200" cy="648000"/>
           </a:xfrm>
         </p:spPr>
@@ -4024,8 +4024,8 @@
         </p:nvSpPr>
         <p:spPr>
           <a:xfrm>
-            <a:off x="576000" y="1688400"/>
-            <a:ext cx="11006400" cy="4364246"/>
+            <a:off x="576000" y="811831"/>
+            <a:ext cx="11006400" cy="5240815"/>
           </a:xfrm>
         </p:spPr>
         <p:txBody>
@@ -4104,7 +4104,7 @@
           <a:p>
             <a:fld id="{F52CA13D-CC20-034F-8D4D-5C3038626ED9}" type="datetime1">
               <a:rPr lang="nl-BE" smtClean="0"/>
-              <a:t>20/09/2025</a:t>
+              <a:t>21/09/2025</a:t>
             </a:fld>
             <a:endParaRPr lang="nl-NL"/>
           </a:p>
@@ -4222,7 +4222,7 @@
         </p:nvSpPr>
         <p:spPr>
           <a:xfrm>
-            <a:off x="576000" y="576000"/>
+            <a:off x="576000" y="15930"/>
             <a:ext cx="11041200" cy="648001"/>
           </a:xfrm>
         </p:spPr>
@@ -4231,10 +4231,10 @@
           <a:lstStyle/>
           <a:p>
             <a:r>
-              <a:rPr lang="en-US"/>
+              <a:rPr lang="en-US" dirty="0"/>
               <a:t>Click to edit Master title style</a:t>
             </a:r>
-            <a:endParaRPr lang="en-GB"/>
+            <a:endParaRPr lang="en-GB" dirty="0"/>
           </a:p>
         </p:txBody>
       </p:sp>
@@ -4286,8 +4286,8 @@
         </p:nvSpPr>
         <p:spPr>
           <a:xfrm>
-            <a:off x="576000" y="1531620"/>
-            <a:ext cx="11006400" cy="4521026"/>
+            <a:off x="576000" y="868680"/>
+            <a:ext cx="11006400" cy="5183966"/>
           </a:xfrm>
         </p:spPr>
         <p:txBody>
@@ -4358,7 +4358,7 @@
           <a:p>
             <a:fld id="{F52CA13D-CC20-034F-8D4D-5C3038626ED9}" type="datetime1">
               <a:rPr lang="nl-BE" smtClean="0"/>
-              <a:t>20/09/2025</a:t>
+              <a:t>21/09/2025</a:t>
             </a:fld>
             <a:endParaRPr lang="nl-NL"/>
           </a:p>
@@ -4476,7 +4476,7 @@
         </p:nvSpPr>
         <p:spPr>
           <a:xfrm>
-            <a:off x="576000" y="576001"/>
+            <a:off x="576000" y="15931"/>
             <a:ext cx="11041200" cy="650366"/>
           </a:xfrm>
         </p:spPr>
@@ -4571,7 +4571,7 @@
           <a:p>
             <a:fld id="{D15822B7-9EF6-9542-AF10-CD505E021A84}" type="datetime1">
               <a:rPr lang="nl-BE" smtClean="0"/>
-              <a:t>20/09/2025</a:t>
+              <a:t>21/09/2025</a:t>
             </a:fld>
             <a:endParaRPr lang="nl-NL"/>
           </a:p>
@@ -4637,8 +4637,8 @@
         </p:nvSpPr>
         <p:spPr>
           <a:xfrm>
-            <a:off x="576000" y="2232000"/>
-            <a:ext cx="11006402" cy="3820646"/>
+            <a:off x="576000" y="708660"/>
+            <a:ext cx="11006402" cy="5343986"/>
           </a:xfrm>
         </p:spPr>
         <p:txBody>
@@ -4699,7 +4699,7 @@
         </p:nvSpPr>
         <p:spPr>
           <a:xfrm>
-            <a:off x="576000" y="576001"/>
+            <a:off x="576000" y="15931"/>
             <a:ext cx="11041200" cy="578430"/>
           </a:xfrm>
         </p:spPr>
@@ -4708,10 +4708,10 @@
           <a:lstStyle/>
           <a:p>
             <a:r>
-              <a:rPr lang="en-US"/>
+              <a:rPr lang="en-US" dirty="0"/>
               <a:t>Click to edit Master title style</a:t>
             </a:r>
-            <a:endParaRPr lang="en-GB"/>
+            <a:endParaRPr lang="en-GB" dirty="0"/>
           </a:p>
         </p:txBody>
       </p:sp>
@@ -4762,7 +4762,7 @@
           <a:p>
             <a:fld id="{D15822B7-9EF6-9542-AF10-CD505E021A84}" type="datetime1">
               <a:rPr lang="nl-BE" smtClean="0"/>
-              <a:t>20/09/2025</a:t>
+              <a:t>21/09/2025</a:t>
             </a:fld>
             <a:endParaRPr lang="nl-NL"/>
           </a:p>
@@ -4828,8 +4828,8 @@
         </p:nvSpPr>
         <p:spPr>
           <a:xfrm>
-            <a:off x="576000" y="2232000"/>
-            <a:ext cx="11006402" cy="3820646"/>
+            <a:off x="576000" y="765810"/>
+            <a:ext cx="11006402" cy="5286836"/>
           </a:xfrm>
         </p:spPr>
         <p:txBody>
@@ -4890,7 +4890,7 @@
         </p:nvSpPr>
         <p:spPr>
           <a:xfrm>
-            <a:off x="576000" y="576001"/>
+            <a:off x="576000" y="0"/>
             <a:ext cx="11041200" cy="647010"/>
           </a:xfrm>
         </p:spPr>
@@ -5120,7 +5120,7 @@
           <a:p>
             <a:fld id="{0C33DDE8-63FF-C642-9F3A-0B773DD34821}" type="datetime1">
               <a:rPr lang="nl-BE" smtClean="0"/>
-              <a:t>20/09/2025</a:t>
+              <a:t>21/09/2025</a:t>
             </a:fld>
             <a:endParaRPr lang="nl-NL"/>
           </a:p>
@@ -8314,6 +8314,26 @@
 </file>
 
 <file path=customXml/item1.xml><?xml version="1.0" encoding="utf-8"?>
+<p:properties xmlns:p="http://schemas.microsoft.com/office/2006/metadata/properties" xmlns:xsi="http://www.w3.org/2001/XMLSchema-instance" xmlns:pc="http://schemas.microsoft.com/office/infopath/2007/PartnerControls">
+  <documentManagement>
+    <lcf76f155ced4ddcb4097134ff3c332f xmlns="81d41a3b-f33d-4db6-b532-757106a7a2ae">
+      <Terms xmlns="http://schemas.microsoft.com/office/infopath/2007/PartnerControls"/>
+    </lcf76f155ced4ddcb4097134ff3c332f>
+    <TaxCatchAll xmlns="bf25a9bf-a811-4965-9d0a-b88059080fed" xsi:nil="true"/>
+  </documentManagement>
+</p:properties>
+</file>
+
+<file path=customXml/item2.xml><?xml version="1.0" encoding="utf-8"?>
+<?mso-contentType ?>
+<FormTemplates xmlns="http://schemas.microsoft.com/sharepoint/v3/contenttype/forms">
+  <Display>DocumentLibraryForm</Display>
+  <Edit>DocumentLibraryForm</Edit>
+  <New>DocumentLibraryForm</New>
+</FormTemplates>
+</file>
+
+<file path=customXml/item3.xml><?xml version="1.0" encoding="utf-8"?>
 <ct:contentTypeSchema xmlns:ct="http://schemas.microsoft.com/office/2006/metadata/contentType" xmlns:ma="http://schemas.microsoft.com/office/2006/metadata/properties/metaAttributes" ct:_="" ma:_="" ma:contentTypeName="Document" ma:contentTypeID="0x010100B8C495A181F81B4C9DE5AD85CD0F70D4" ma:contentTypeVersion="18" ma:contentTypeDescription="Een nieuw document maken." ma:contentTypeScope="" ma:versionID="6ba28a59cba4a02a693681f32745d77b">
   <xsd:schema xmlns:xsd="http://www.w3.org/2001/XMLSchema" xmlns:xs="http://www.w3.org/2001/XMLSchema" xmlns:p="http://schemas.microsoft.com/office/2006/metadata/properties" xmlns:ns2="81d41a3b-f33d-4db6-b532-757106a7a2ae" xmlns:ns3="bf25a9bf-a811-4965-9d0a-b88059080fed" targetNamespace="http://schemas.microsoft.com/office/2006/metadata/properties" ma:root="true" ma:fieldsID="b996b4a4c0d83f5cfec71b22aba921d2" ns2:_="" ns3:_="">
     <xsd:import namespace="81d41a3b-f33d-4db6-b532-757106a7a2ae"/>
@@ -8568,27 +8588,32 @@
 </ct:contentTypeSchema>
 </file>
 
-<file path=customXml/item2.xml><?xml version="1.0" encoding="utf-8"?>
-<?mso-contentType ?>
-<FormTemplates xmlns="http://schemas.microsoft.com/sharepoint/v3/contenttype/forms">
-  <Display>DocumentLibraryForm</Display>
-  <Edit>DocumentLibraryForm</Edit>
-  <New>DocumentLibraryForm</New>
-</FormTemplates>
+<file path=customXml/itemProps1.xml><?xml version="1.0" encoding="utf-8"?>
+<ds:datastoreItem xmlns:ds="http://schemas.openxmlformats.org/officeDocument/2006/customXml" ds:itemID="{5EE9034D-0B43-4AB0-9535-9A62DB37A999}">
+  <ds:schemaRefs>
+    <ds:schemaRef ds:uri="http://www.w3.org/XML/1998/namespace"/>
+    <ds:schemaRef ds:uri="81d41a3b-f33d-4db6-b532-757106a7a2ae"/>
+    <ds:schemaRef ds:uri="http://purl.org/dc/dcmitype/"/>
+    <ds:schemaRef ds:uri="http://purl.org/dc/elements/1.1/"/>
+    <ds:schemaRef ds:uri="http://schemas.microsoft.com/office/2006/documentManagement/types"/>
+    <ds:schemaRef ds:uri="bf25a9bf-a811-4965-9d0a-b88059080fed"/>
+    <ds:schemaRef ds:uri="http://purl.org/dc/terms/"/>
+    <ds:schemaRef ds:uri="http://schemas.microsoft.com/office/infopath/2007/PartnerControls"/>
+    <ds:schemaRef ds:uri="http://schemas.openxmlformats.org/package/2006/metadata/core-properties"/>
+    <ds:schemaRef ds:uri="http://schemas.microsoft.com/office/2006/metadata/properties"/>
+  </ds:schemaRefs>
+</ds:datastoreItem>
 </file>
 
-<file path=customXml/item3.xml><?xml version="1.0" encoding="utf-8"?>
-<p:properties xmlns:p="http://schemas.microsoft.com/office/2006/metadata/properties" xmlns:xsi="http://www.w3.org/2001/XMLSchema-instance" xmlns:pc="http://schemas.microsoft.com/office/infopath/2007/PartnerControls">
-  <documentManagement>
-    <lcf76f155ced4ddcb4097134ff3c332f xmlns="81d41a3b-f33d-4db6-b532-757106a7a2ae">
-      <Terms xmlns="http://schemas.microsoft.com/office/infopath/2007/PartnerControls"/>
-    </lcf76f155ced4ddcb4097134ff3c332f>
-    <TaxCatchAll xmlns="bf25a9bf-a811-4965-9d0a-b88059080fed" xsi:nil="true"/>
-  </documentManagement>
-</p:properties>
+<file path=customXml/itemProps2.xml><?xml version="1.0" encoding="utf-8"?>
+<ds:datastoreItem xmlns:ds="http://schemas.openxmlformats.org/officeDocument/2006/customXml" ds:itemID="{263A7949-1B93-457F-8888-53CC8A016F77}">
+  <ds:schemaRefs>
+    <ds:schemaRef ds:uri="http://schemas.microsoft.com/sharepoint/v3/contenttype/forms"/>
+  </ds:schemaRefs>
+</ds:datastoreItem>
 </file>
 
-<file path=customXml/itemProps1.xml><?xml version="1.0" encoding="utf-8"?>
+<file path=customXml/itemProps3.xml><?xml version="1.0" encoding="utf-8"?>
 <ds:datastoreItem xmlns:ds="http://schemas.openxmlformats.org/officeDocument/2006/customXml" ds:itemID="{2A270F01-48F1-4A41-8E26-ACAC66896963}">
   <ds:schemaRefs>
     <ds:schemaRef ds:uri="http://schemas.microsoft.com/office/2006/metadata/contentType"/>
@@ -8605,29 +8630,4 @@
     <ds:schemaRef ds:uri="http://schemas.microsoft.com/internal/obd"/>
   </ds:schemaRefs>
 </ds:datastoreItem>
-</file>
-
-<file path=customXml/itemProps2.xml><?xml version="1.0" encoding="utf-8"?>
-<ds:datastoreItem xmlns:ds="http://schemas.openxmlformats.org/officeDocument/2006/customXml" ds:itemID="{263A7949-1B93-457F-8888-53CC8A016F77}">
-  <ds:schemaRefs>
-    <ds:schemaRef ds:uri="http://schemas.microsoft.com/sharepoint/v3/contenttype/forms"/>
-  </ds:schemaRefs>
-</ds:datastoreItem>
-</file>
-
-<file path=customXml/itemProps3.xml><?xml version="1.0" encoding="utf-8"?>
-<ds:datastoreItem xmlns:ds="http://schemas.openxmlformats.org/officeDocument/2006/customXml" ds:itemID="{5EE9034D-0B43-4AB0-9535-9A62DB37A999}">
-  <ds:schemaRefs>
-    <ds:schemaRef ds:uri="http://www.w3.org/XML/1998/namespace"/>
-    <ds:schemaRef ds:uri="81d41a3b-f33d-4db6-b532-757106a7a2ae"/>
-    <ds:schemaRef ds:uri="http://purl.org/dc/dcmitype/"/>
-    <ds:schemaRef ds:uri="http://purl.org/dc/elements/1.1/"/>
-    <ds:schemaRef ds:uri="http://schemas.microsoft.com/office/2006/documentManagement/types"/>
-    <ds:schemaRef ds:uri="bf25a9bf-a811-4965-9d0a-b88059080fed"/>
-    <ds:schemaRef ds:uri="http://purl.org/dc/terms/"/>
-    <ds:schemaRef ds:uri="http://schemas.microsoft.com/office/infopath/2007/PartnerControls"/>
-    <ds:schemaRef ds:uri="http://schemas.openxmlformats.org/package/2006/metadata/core-properties"/>
-    <ds:schemaRef ds:uri="http://schemas.microsoft.com/office/2006/metadata/properties"/>
-  </ds:schemaRefs>
-</ds:datastoreItem>
 </file>
--- a/ToegepasteAnalogeElektronica/PowerPoint/SmithKaartOefening5.pptx
+++ b/ToegepasteAnalogeElektronica/PowerPoint/SmithKaartOefening5.pptx
@@ -5709,6 +5709,24 @@
           <a:bodyPr/>
           <a:lstStyle/>
           <a:p/>
+          <a:p>
+            <a:pPr/>
+            <a:r>
+              <a:t>### Oplossing 4: Bijplaatsen van een spoel in parallel</a:t>
+            </a:r>
+          </a:p>
+          <a:p>
+            <a:pPr/>
+          </a:p>
+          <a:p>
+            <a:pPr/>
+            <a:r>
+              <a:t>\frac{Z_0}{Z_L}=\frac{1}{2.2}</a:t>
+            </a:r>
+            <a:r>
+              <a:t> op de Smith kaart en we zoeken waar we de y=1 cirkel snijden in het bovenste deel van de kaart.</a:t>
+            </a:r>
+          </a:p>
         </p:txBody>
       </p:sp>
       <p:sp>
@@ -5726,56 +5744,6 @@
           <a:bodyPr/>
           <a:lstStyle/>
           <a:p/>
-        </p:txBody>
-      </p:sp>
-      <p:sp>
-        <p:nvSpPr>
-          <p:cNvPr id="4" name="TextBox 3"/>
-          <p:cNvSpPr txBox="1"/>
-          <p:nvPr/>
-        </p:nvSpPr>
-        <p:spPr>
-          <a:xfrm>
-            <a:off x="914400" y="2084831"/>
-            <a:ext cx="9144000" cy="1828800"/>
-          </a:xfrm>
-          <a:prstGeom prst="rect">
-            <a:avLst/>
-          </a:prstGeom>
-          <a:noFill/>
-        </p:spPr>
-        <p:txBody>
-          <a:bodyPr wrap="square">
-            <a:noAutofit/>
-          </a:bodyPr>
-          <a:lstStyle/>
-          <a:p>
-            <a:r>
-              <a:rPr sz="3000" b="0" i="0">
-                <a:latin typeface="Calibri"/>
-              </a:rPr>
-              <a:t>### Oplossing 4: Bijplaatsen van een spoel in parallel</a:t>
-            </a:r>
-            <a:endParaRPr sz="3000" b="0" i="0">
-              <a:latin typeface="Calibri"/>
-            </a:endParaRPr>
-          </a:p>
-          <a:p>
-            <a:endParaRPr sz="3000" b="0" i="0">
-              <a:latin typeface="Calibri"/>
-            </a:endParaRPr>
-          </a:p>
-          <a:p>
-            <a:r>
-              <a:rPr sz="3000" b="0" i="0">
-                <a:latin typeface="Calibri"/>
-              </a:rPr>
-              <a:t>We plaatsen $\frac{Z_0}{Z_L}=\frac{1}{2.2}$ op de Smith kaart en we zoeken waar we de y=1 cirkel snijden in het bovenste deel van de kaart.</a:t>
-            </a:r>
-            <a:endParaRPr sz="3000" b="0" i="0">
-              <a:latin typeface="Calibri"/>
-            </a:endParaRPr>
-          </a:p>
         </p:txBody>
       </p:sp>
     </p:spTree>
@@ -5849,62 +5817,6 @@
           </a:prstGeom>
         </p:spPr>
       </p:pic>
-      <p:sp>
-        <p:nvSpPr>
-          <p:cNvPr id="4" name="TextBox 3"/>
-          <p:cNvSpPr txBox="1"/>
-          <p:nvPr/>
-        </p:nvSpPr>
-        <p:spPr>
-          <a:xfrm>
-            <a:off x="914400" y="4187951"/>
-            <a:ext cx="9144000" cy="1828800"/>
-          </a:xfrm>
-          <a:prstGeom prst="rect">
-            <a:avLst/>
-          </a:prstGeom>
-          <a:noFill/>
-        </p:spPr>
-        <p:txBody>
-          <a:bodyPr wrap="square">
-            <a:noAutofit/>
-          </a:bodyPr>
-          <a:lstStyle/>
-          <a:p>
-            <a:r>
-              <a:rPr sz="3000" b="0" i="0">
-                <a:latin typeface="Calibri"/>
-              </a:rPr>
-              <a:t>&lt;p class="alert alert-success"&gt;</a:t>
-            </a:r>
-            <a:endParaRPr sz="3000" b="0" i="0">
-              <a:latin typeface="Calibri"/>
-            </a:endParaRPr>
-          </a:p>
-          <a:p>
-            <a:r>
-              <a:rPr sz="3000" b="0" i="0">
-                <a:latin typeface="Calibri"/>
-              </a:rPr>
-              <a:t>De optimale inductantiewaarde in parallel wordt dus  16.4 nH  de nodige lengte van de coax tussen de antenne en de aanpassing is 3.89 cm </a:t>
-            </a:r>
-            <a:endParaRPr sz="3000" b="0" i="0">
-              <a:latin typeface="Calibri"/>
-            </a:endParaRPr>
-          </a:p>
-          <a:p>
-            <a:r>
-              <a:rPr sz="3000" b="0" i="0">
-                <a:latin typeface="Calibri"/>
-              </a:rPr>
-              <a:t>&lt;/p&gt;</a:t>
-            </a:r>
-            <a:endParaRPr sz="3000" b="0" i="0">
-              <a:latin typeface="Calibri"/>
-            </a:endParaRPr>
-          </a:p>
-        </p:txBody>
-      </p:sp>
     </p:spTree>
   </p:cSld>
   <p:clrMapOvr>
@@ -6009,6 +5921,21 @@
           <a:bodyPr/>
           <a:lstStyle/>
           <a:p/>
+          <a:p>
+            <a:pPr/>
+            <a:r>
+              <a:t>### Oplossing 5: Oplossing 3 waarbij de condensator vervangen is door een open transmissielijn</a:t>
+            </a:r>
+          </a:p>
+          <a:p>
+            <a:pPr/>
+          </a:p>
+          <a:p>
+            <a:pPr/>
+            <a:r>
+              <a:t>De y = 1 - j 0.85 compenseren we door +j 0.85 vertrekkende vanuit g=0.</a:t>
+            </a:r>
+          </a:p>
         </p:txBody>
       </p:sp>
       <p:sp>
@@ -6026,56 +5953,6 @@
           <a:bodyPr/>
           <a:lstStyle/>
           <a:p/>
-        </p:txBody>
-      </p:sp>
-      <p:sp>
-        <p:nvSpPr>
-          <p:cNvPr id="4" name="TextBox 3"/>
-          <p:cNvSpPr txBox="1"/>
-          <p:nvPr/>
-        </p:nvSpPr>
-        <p:spPr>
-          <a:xfrm>
-            <a:off x="914400" y="2084831"/>
-            <a:ext cx="9144000" cy="1828800"/>
-          </a:xfrm>
-          <a:prstGeom prst="rect">
-            <a:avLst/>
-          </a:prstGeom>
-          <a:noFill/>
-        </p:spPr>
-        <p:txBody>
-          <a:bodyPr wrap="square">
-            <a:noAutofit/>
-          </a:bodyPr>
-          <a:lstStyle/>
-          <a:p>
-            <a:r>
-              <a:rPr sz="3000" b="0" i="0">
-                <a:latin typeface="Calibri"/>
-              </a:rPr>
-              <a:t>### Oplossing 5: Oplossing 3 waarbij de condensator vervangen is door een open transmissielijn</a:t>
-            </a:r>
-            <a:endParaRPr sz="3000" b="0" i="0">
-              <a:latin typeface="Calibri"/>
-            </a:endParaRPr>
-          </a:p>
-          <a:p>
-            <a:endParaRPr sz="3000" b="0" i="0">
-              <a:latin typeface="Calibri"/>
-            </a:endParaRPr>
-          </a:p>
-          <a:p>
-            <a:r>
-              <a:rPr sz="3000" b="0" i="0">
-                <a:latin typeface="Calibri"/>
-              </a:rPr>
-              <a:t>De y = 1 - j 0.85 compenseren we door +j 0.85 vertrekkende vanuit g=0.</a:t>
-            </a:r>
-            <a:endParaRPr sz="3000" b="0" i="0">
-              <a:latin typeface="Calibri"/>
-            </a:endParaRPr>
-          </a:p>
         </p:txBody>
       </p:sp>
     </p:spTree>
@@ -6253,6 +6130,24 @@
           <a:bodyPr/>
           <a:lstStyle/>
           <a:p/>
+          <a:p>
+            <a:pPr/>
+            <a:r>
+              <a:t>### Oplossing 6: Oplossing 3 waarbij de condensator vervangen is door een kortgesloten transmissielijn</a:t>
+            </a:r>
+          </a:p>
+          <a:p>
+            <a:pPr/>
+          </a:p>
+          <a:p>
+            <a:pPr/>
+            <a:r>
+              <a:t>\infty</a:t>
+            </a:r>
+            <a:r>
+              <a:t>.</a:t>
+            </a:r>
+          </a:p>
         </p:txBody>
       </p:sp>
       <p:sp>
@@ -6270,56 +6165,6 @@
           <a:bodyPr/>
           <a:lstStyle/>
           <a:p/>
-        </p:txBody>
-      </p:sp>
-      <p:sp>
-        <p:nvSpPr>
-          <p:cNvPr id="4" name="TextBox 3"/>
-          <p:cNvSpPr txBox="1"/>
-          <p:nvPr/>
-        </p:nvSpPr>
-        <p:spPr>
-          <a:xfrm>
-            <a:off x="914400" y="2084831"/>
-            <a:ext cx="9144000" cy="1828800"/>
-          </a:xfrm>
-          <a:prstGeom prst="rect">
-            <a:avLst/>
-          </a:prstGeom>
-          <a:noFill/>
-        </p:spPr>
-        <p:txBody>
-          <a:bodyPr wrap="square">
-            <a:noAutofit/>
-          </a:bodyPr>
-          <a:lstStyle/>
-          <a:p>
-            <a:r>
-              <a:rPr sz="3000" b="0" i="0">
-                <a:latin typeface="Calibri"/>
-              </a:rPr>
-              <a:t>### Oplossing 6: Oplossing 3 waarbij de condensator vervangen is door een kortgesloten transmissielijn</a:t>
-            </a:r>
-            <a:endParaRPr sz="3000" b="0" i="0">
-              <a:latin typeface="Calibri"/>
-            </a:endParaRPr>
-          </a:p>
-          <a:p>
-            <a:endParaRPr sz="3000" b="0" i="0">
-              <a:latin typeface="Calibri"/>
-            </a:endParaRPr>
-          </a:p>
-          <a:p>
-            <a:r>
-              <a:rPr sz="3000" b="0" i="0">
-                <a:latin typeface="Calibri"/>
-              </a:rPr>
-              <a:t>De y = 1 - j 0.85 compenseren we door +j 0.85 vertrekkende vanuit g=$\infty$.</a:t>
-            </a:r>
-            <a:endParaRPr sz="3000" b="0" i="0">
-              <a:latin typeface="Calibri"/>
-            </a:endParaRPr>
-          </a:p>
         </p:txBody>
       </p:sp>
     </p:spTree>
@@ -6426,6 +6271,24 @@
           <a:bodyPr/>
           <a:lstStyle/>
           <a:p/>
+          <a:p>
+            <a:pPr/>
+            <a:r>
+              <a:t>&lt;p class="alert alert-success"&gt;</a:t>
+            </a:r>
+          </a:p>
+          <a:p>
+            <a:pPr/>
+            <a:r>
+              <a:t>Het stukje kortgesloten coax dat we moeten voorzien ter vervanging van de condensator is dus: 8.96 cm</a:t>
+            </a:r>
+          </a:p>
+          <a:p>
+            <a:pPr/>
+            <a:r>
+              <a:t>&lt;/p&gt;</a:t>
+            </a:r>
+          </a:p>
         </p:txBody>
       </p:sp>
       <p:sp>
@@ -6443,62 +6306,6 @@
           <a:bodyPr/>
           <a:lstStyle/>
           <a:p/>
-        </p:txBody>
-      </p:sp>
-      <p:sp>
-        <p:nvSpPr>
-          <p:cNvPr id="4" name="TextBox 3"/>
-          <p:cNvSpPr txBox="1"/>
-          <p:nvPr/>
-        </p:nvSpPr>
-        <p:spPr>
-          <a:xfrm>
-            <a:off x="914400" y="2084831"/>
-            <a:ext cx="9144000" cy="1828800"/>
-          </a:xfrm>
-          <a:prstGeom prst="rect">
-            <a:avLst/>
-          </a:prstGeom>
-          <a:noFill/>
-        </p:spPr>
-        <p:txBody>
-          <a:bodyPr wrap="square">
-            <a:noAutofit/>
-          </a:bodyPr>
-          <a:lstStyle/>
-          <a:p>
-            <a:r>
-              <a:rPr sz="3000" b="0" i="0">
-                <a:latin typeface="Calibri"/>
-              </a:rPr>
-              <a:t>&lt;p class="alert alert-success"&gt;</a:t>
-            </a:r>
-            <a:endParaRPr sz="3000" b="0" i="0">
-              <a:latin typeface="Calibri"/>
-            </a:endParaRPr>
-          </a:p>
-          <a:p>
-            <a:r>
-              <a:rPr sz="3000" b="0" i="0">
-                <a:latin typeface="Calibri"/>
-              </a:rPr>
-              <a:t>Het stukje kortgesloten coax dat we moeten voorzien ter vervanging van de condensator is dus: 8.96 cm</a:t>
-            </a:r>
-            <a:endParaRPr sz="3000" b="0" i="0">
-              <a:latin typeface="Calibri"/>
-            </a:endParaRPr>
-          </a:p>
-          <a:p>
-            <a:r>
-              <a:rPr sz="3000" b="0" i="0">
-                <a:latin typeface="Calibri"/>
-              </a:rPr>
-              <a:t>&lt;/p&gt;</a:t>
-            </a:r>
-            <a:endParaRPr sz="3000" b="0" i="0">
-              <a:latin typeface="Calibri"/>
-            </a:endParaRPr>
-          </a:p>
         </p:txBody>
       </p:sp>
     </p:spTree>
@@ -6747,6 +6554,24 @@
           <a:bodyPr/>
           <a:lstStyle/>
           <a:p/>
+          <a:p>
+            <a:pPr/>
+            <a:r>
+              <a:t>### Oplossing 8: Oplossing 4 waarbij het spoel vervangen is door een kortgesloten transmissielijn</a:t>
+            </a:r>
+          </a:p>
+          <a:p>
+            <a:pPr/>
+          </a:p>
+          <a:p>
+            <a:pPr/>
+            <a:r>
+              <a:t>\infty</a:t>
+            </a:r>
+            <a:r>
+              <a:t>.</a:t>
+            </a:r>
+          </a:p>
         </p:txBody>
       </p:sp>
       <p:sp>
@@ -6764,56 +6589,6 @@
           <a:bodyPr/>
           <a:lstStyle/>
           <a:p/>
-        </p:txBody>
-      </p:sp>
-      <p:sp>
-        <p:nvSpPr>
-          <p:cNvPr id="4" name="TextBox 3"/>
-          <p:cNvSpPr txBox="1"/>
-          <p:nvPr/>
-        </p:nvSpPr>
-        <p:spPr>
-          <a:xfrm>
-            <a:off x="914400" y="2084831"/>
-            <a:ext cx="9144000" cy="1828800"/>
-          </a:xfrm>
-          <a:prstGeom prst="rect">
-            <a:avLst/>
-          </a:prstGeom>
-          <a:noFill/>
-        </p:spPr>
-        <p:txBody>
-          <a:bodyPr wrap="square">
-            <a:noAutofit/>
-          </a:bodyPr>
-          <a:lstStyle/>
-          <a:p>
-            <a:r>
-              <a:rPr sz="3000" b="0" i="0">
-                <a:latin typeface="Calibri"/>
-              </a:rPr>
-              <a:t>### Oplossing 8: Oplossing 4 waarbij het spoel vervangen is door een kortgesloten transmissielijn</a:t>
-            </a:r>
-            <a:endParaRPr sz="3000" b="0" i="0">
-              <a:latin typeface="Calibri"/>
-            </a:endParaRPr>
-          </a:p>
-          <a:p>
-            <a:endParaRPr sz="3000" b="0" i="0">
-              <a:latin typeface="Calibri"/>
-            </a:endParaRPr>
-          </a:p>
-          <a:p>
-            <a:r>
-              <a:rPr sz="3000" b="0" i="0">
-                <a:latin typeface="Calibri"/>
-              </a:rPr>
-              <a:t>De y = 1 + j 0.85 compenseren we door -j 0.85 vertrekkende vanuit g=$\infty$.</a:t>
-            </a:r>
-            <a:endParaRPr sz="3000" b="0" i="0">
-              <a:latin typeface="Calibri"/>
-            </a:endParaRPr>
-          </a:p>
         </p:txBody>
       </p:sp>
     </p:spTree>
@@ -7098,6 +6873,24 @@
           <a:bodyPr/>
           <a:lstStyle/>
           <a:p/>
+          <a:p>
+            <a:pPr/>
+            <a:r>
+              <a:t>### Oplossing 2: Bijplaatsen van een inductantie in serie</a:t>
+            </a:r>
+          </a:p>
+          <a:p>
+            <a:pPr/>
+          </a:p>
+          <a:p>
+            <a:pPr/>
+            <a:r>
+              <a:t>\frac{Z_L}{Z_0}=2.2</a:t>
+            </a:r>
+            <a:r>
+              <a:t> op de Smith kaart en we zoeken waar we de r=1 cirkel snijden in het onderste deel van de kaart.</a:t>
+            </a:r>
+          </a:p>
         </p:txBody>
       </p:sp>
       <p:sp>
@@ -7115,56 +6908,6 @@
           <a:bodyPr/>
           <a:lstStyle/>
           <a:p/>
-        </p:txBody>
-      </p:sp>
-      <p:sp>
-        <p:nvSpPr>
-          <p:cNvPr id="4" name="TextBox 3"/>
-          <p:cNvSpPr txBox="1"/>
-          <p:nvPr/>
-        </p:nvSpPr>
-        <p:spPr>
-          <a:xfrm>
-            <a:off x="914400" y="2084831"/>
-            <a:ext cx="9144000" cy="1828800"/>
-          </a:xfrm>
-          <a:prstGeom prst="rect">
-            <a:avLst/>
-          </a:prstGeom>
-          <a:noFill/>
-        </p:spPr>
-        <p:txBody>
-          <a:bodyPr wrap="square">
-            <a:noAutofit/>
-          </a:bodyPr>
-          <a:lstStyle/>
-          <a:p>
-            <a:r>
-              <a:rPr sz="3000" b="0" i="0">
-                <a:latin typeface="Calibri"/>
-              </a:rPr>
-              <a:t>### Oplossing 2: Bijplaatsen van een inductantie in serie</a:t>
-            </a:r>
-            <a:endParaRPr sz="3000" b="0" i="0">
-              <a:latin typeface="Calibri"/>
-            </a:endParaRPr>
-          </a:p>
-          <a:p>
-            <a:endParaRPr sz="3000" b="0" i="0">
-              <a:latin typeface="Calibri"/>
-            </a:endParaRPr>
-          </a:p>
-          <a:p>
-            <a:r>
-              <a:rPr sz="3000" b="0" i="0">
-                <a:latin typeface="Calibri"/>
-              </a:rPr>
-              <a:t>We plaatsen $\frac{Z_L}{Z_0}=2.2$ op de Smith kaart en we zoeken waar we de r=1 cirkel snijden in het onderste deel van de kaart.</a:t>
-            </a:r>
-            <a:endParaRPr sz="3000" b="0" i="0">
-              <a:latin typeface="Calibri"/>
-            </a:endParaRPr>
-          </a:p>
         </p:txBody>
       </p:sp>
     </p:spTree>

--- a/ToegepasteAnalogeElektronica/PowerPoint/SmithKaartOefening5.pptx
+++ b/ToegepasteAnalogeElektronica/PowerPoint/SmithKaartOefening5.pptx
@@ -5721,6 +5721,9 @@
           <a:p>
             <a:pPr/>
             <a:r>
+              <a:t>We plaatsen </a:t>
+            </a:r>
+            <a:r>
               <a:t>\frac{Z_0}{Z_L}=\frac{1}{2.2}</a:t>
             </a:r>
             <a:r>
@@ -5809,8 +5812,8 @@
         </p:blipFill>
         <p:spPr>
           <a:xfrm>
-            <a:off x="3581400" y="1179576"/>
-            <a:ext cx="5029200" cy="5029200"/>
+            <a:off x="3307080" y="566928"/>
+            <a:ext cx="5577840" cy="5577840"/>
           </a:xfrm>
           <a:prstGeom prst="rect">
             <a:avLst/>
@@ -5880,8 +5883,8 @@
         </p:blipFill>
         <p:spPr>
           <a:xfrm>
-            <a:off x="218965" y="1179576"/>
-            <a:ext cx="11754069" cy="5029200"/>
+            <a:off x="0" y="566928"/>
+            <a:ext cx="12192000" cy="5577840"/>
           </a:xfrm>
           <a:prstGeom prst="rect">
             <a:avLst/>
@@ -6018,8 +6021,8 @@
         </p:blipFill>
         <p:spPr>
           <a:xfrm>
-            <a:off x="3581400" y="1179576"/>
-            <a:ext cx="5029200" cy="5029200"/>
+            <a:off x="3307080" y="566928"/>
+            <a:ext cx="5577840" cy="5577840"/>
           </a:xfrm>
           <a:prstGeom prst="rect">
             <a:avLst/>
@@ -6089,8 +6092,8 @@
         </p:blipFill>
         <p:spPr>
           <a:xfrm>
-            <a:off x="1083235" y="1179576"/>
-            <a:ext cx="10025529" cy="5029200"/>
+            <a:off x="536388" y="566928"/>
+            <a:ext cx="11119224" cy="5577840"/>
           </a:xfrm>
           <a:prstGeom prst="rect">
             <a:avLst/>
@@ -6142,6 +6145,9 @@
           <a:p>
             <a:pPr/>
             <a:r>
+              <a:t>De y = 1 - j 0.85 compenseren we door +j 0.85 vertrekkende vanuit g=</a:t>
+            </a:r>
+            <a:r>
               <a:t>\infty</a:t>
             </a:r>
             <a:r>
@@ -6230,8 +6236,8 @@
         </p:blipFill>
         <p:spPr>
           <a:xfrm>
-            <a:off x="3581400" y="1179576"/>
-            <a:ext cx="5029200" cy="5029200"/>
+            <a:off x="3307080" y="566928"/>
+            <a:ext cx="5577840" cy="5577840"/>
           </a:xfrm>
           <a:prstGeom prst="rect">
             <a:avLst/>
@@ -6371,8 +6377,8 @@
         </p:blipFill>
         <p:spPr>
           <a:xfrm>
-            <a:off x="3581400" y="1179576"/>
-            <a:ext cx="5029200" cy="5029200"/>
+            <a:off x="3307080" y="566928"/>
+            <a:ext cx="5577840" cy="5577840"/>
           </a:xfrm>
           <a:prstGeom prst="rect">
             <a:avLst/>
@@ -6442,8 +6448,8 @@
         </p:blipFill>
         <p:spPr>
           <a:xfrm>
-            <a:off x="3581400" y="1179576"/>
-            <a:ext cx="5029200" cy="5029200"/>
+            <a:off x="3307080" y="566928"/>
+            <a:ext cx="5577840" cy="5577840"/>
           </a:xfrm>
           <a:prstGeom prst="rect">
             <a:avLst/>
@@ -6513,8 +6519,8 @@
         </p:blipFill>
         <p:spPr>
           <a:xfrm>
-            <a:off x="1083235" y="1179576"/>
-            <a:ext cx="10025529" cy="5029200"/>
+            <a:off x="536388" y="566928"/>
+            <a:ext cx="11119224" cy="5577840"/>
           </a:xfrm>
           <a:prstGeom prst="rect">
             <a:avLst/>
@@ -6566,6 +6572,9 @@
           <a:p>
             <a:pPr/>
             <a:r>
+              <a:t>De y = 1 + j 0.85 compenseren we door -j 0.85 vertrekkende vanuit g=</a:t>
+            </a:r>
+            <a:r>
               <a:t>\infty</a:t>
             </a:r>
             <a:r>
@@ -6654,8 +6663,8 @@
         </p:blipFill>
         <p:spPr>
           <a:xfrm>
-            <a:off x="3581400" y="1179576"/>
-            <a:ext cx="5029200" cy="5029200"/>
+            <a:off x="3307080" y="566928"/>
+            <a:ext cx="5577840" cy="5577840"/>
           </a:xfrm>
           <a:prstGeom prst="rect">
             <a:avLst/>
@@ -6725,8 +6734,8 @@
         </p:blipFill>
         <p:spPr>
           <a:xfrm>
-            <a:off x="1083235" y="1179576"/>
-            <a:ext cx="10025529" cy="5029200"/>
+            <a:off x="536388" y="566928"/>
+            <a:ext cx="11119224" cy="5577840"/>
           </a:xfrm>
           <a:prstGeom prst="rect">
             <a:avLst/>
@@ -6832,8 +6841,8 @@
         </p:blipFill>
         <p:spPr>
           <a:xfrm>
-            <a:off x="0" y="1179576"/>
-            <a:ext cx="12192000" cy="5029200"/>
+            <a:off x="0" y="566928"/>
+            <a:ext cx="12192000" cy="5577840"/>
           </a:xfrm>
           <a:prstGeom prst="rect">
             <a:avLst/>
@@ -6885,6 +6894,9 @@
           <a:p>
             <a:pPr/>
             <a:r>
+              <a:t>We plaatsen </a:t>
+            </a:r>
+            <a:r>
               <a:t>\frac{Z_L}{Z_0}=2.2</a:t>
             </a:r>
             <a:r>
@@ -6973,8 +6985,8 @@
         </p:blipFill>
         <p:spPr>
           <a:xfrm>
-            <a:off x="3581400" y="1179576"/>
-            <a:ext cx="5029200" cy="5029200"/>
+            <a:off x="3307080" y="566928"/>
+            <a:ext cx="5577840" cy="5577840"/>
           </a:xfrm>
           <a:prstGeom prst="rect">
             <a:avLst/>
@@ -7044,8 +7056,8 @@
         </p:blipFill>
         <p:spPr>
           <a:xfrm>
-            <a:off x="0" y="1179576"/>
-            <a:ext cx="12192000" cy="5029200"/>
+            <a:off x="0" y="566928"/>
+            <a:ext cx="12192000" cy="5577840"/>
           </a:xfrm>
           <a:prstGeom prst="rect">
             <a:avLst/>
@@ -7115,8 +7127,8 @@
         </p:blipFill>
         <p:spPr>
           <a:xfrm>
-            <a:off x="3581400" y="1179576"/>
-            <a:ext cx="5029200" cy="5029200"/>
+            <a:off x="3307080" y="566928"/>
+            <a:ext cx="5577840" cy="5577840"/>
           </a:xfrm>
           <a:prstGeom prst="rect">
             <a:avLst/>
@@ -7186,8 +7198,8 @@
         </p:blipFill>
         <p:spPr>
           <a:xfrm>
-            <a:off x="3581400" y="1179576"/>
-            <a:ext cx="5029200" cy="5029200"/>
+            <a:off x="3307080" y="566928"/>
+            <a:ext cx="5577840" cy="5577840"/>
           </a:xfrm>
           <a:prstGeom prst="rect">
             <a:avLst/>
@@ -7257,8 +7269,8 @@
         </p:blipFill>
         <p:spPr>
           <a:xfrm>
-            <a:off x="218965" y="1179576"/>
-            <a:ext cx="11754069" cy="5029200"/>
+            <a:off x="0" y="566928"/>
+            <a:ext cx="12192000" cy="5577840"/>
           </a:xfrm>
           <a:prstGeom prst="rect">
             <a:avLst/>

--- a/ToegepasteAnalogeElektronica/PowerPoint/SmithKaartOefening5.pptx
+++ b/ToegepasteAnalogeElektronica/PowerPoint/SmithKaartOefening5.pptx
@@ -1,6 +1,6 @@
 
 <file path=ppt/presentation.xml><?xml version="1.0" encoding="utf-8"?>
-<p:presentation xmlns:a="http://schemas.openxmlformats.org/drawingml/2006/main" xmlns:r="http://schemas.openxmlformats.org/officeDocument/2006/relationships" xmlns:p="http://schemas.openxmlformats.org/presentationml/2006/main" saveSubsetFonts="1" autoCompressPictures="0">
+<p:presentation xmlns:a="http://schemas.openxmlformats.org/drawingml/2006/main" xmlns:r="http://schemas.openxmlformats.org/officeDocument/2006/relationships" xmlns:p="http://schemas.openxmlformats.org/presentationml/2006/main" showSpecialPlsOnTitleSld="0" saveSubsetFonts="1" autoCompressPictures="0">
   <p:sldMasterIdLst>
     <p:sldMasterId id="2147483648" r:id="rId4"/>
   </p:sldMasterIdLst>
@@ -698,7 +698,7 @@
           <a:p>
             <a:fld id="{8F591CCF-F6FD-734B-854A-5BC033593B1E}" type="datetimeFigureOut">
               <a:rPr lang="nl-NL" smtClean="0"/>
-              <a:t>21-9-2025</a:t>
+              <a:t>28-9-2025</a:t>
             </a:fld>
             <a:endParaRPr lang="nl-NL"/>
           </a:p>
@@ -863,7 +863,7 @@
           <a:p>
             <a:fld id="{23C66214-DB21-4647-B5DA-0D17CA592867}" type="datetimeFigureOut">
               <a:rPr lang="nl-NL" smtClean="0"/>
-              <a:t>21-9-2025</a:t>
+              <a:t>28-9-2025</a:t>
             </a:fld>
             <a:endParaRPr lang="nl-NL"/>
           </a:p>
@@ -1472,9 +1472,9 @@
           <a:bodyPr/>
           <a:lstStyle/>
           <a:p>
-            <a:fld id="{D15822B7-9EF6-9542-AF10-CD505E021A84}" type="datetime1">
+            <a:fld id="{39E7E716-59E8-42BC-97BF-DDA9E59ADEE7}" type="datetime1">
               <a:rPr lang="nl-BE" smtClean="0"/>
-              <a:t>21/09/2025</a:t>
+              <a:t>28/09/2025</a:t>
             </a:fld>
             <a:endParaRPr lang="nl-NL"/>
           </a:p>
@@ -1506,7 +1506,7 @@
           <a:bodyPr/>
           <a:lstStyle/>
           <a:p>
-            <a:endParaRPr lang="nl-NL"/>
+            <a:endParaRPr lang="nl-NL" dirty="0"/>
           </a:p>
         </p:txBody>
       </p:sp>
@@ -1722,9 +1722,9 @@
           <a:bodyPr/>
           <a:lstStyle/>
           <a:p>
-            <a:fld id="{D15822B7-9EF6-9542-AF10-CD505E021A84}" type="datetime1">
+            <a:fld id="{68285E84-F3E9-4DE0-AF5C-DC32311C51B6}" type="datetime1">
               <a:rPr lang="nl-BE" smtClean="0"/>
-              <a:t>21/09/2025</a:t>
+              <a:t>28/09/2025</a:t>
             </a:fld>
             <a:endParaRPr lang="nl-NL"/>
           </a:p>
@@ -2005,9 +2005,9 @@
           <a:bodyPr/>
           <a:lstStyle/>
           <a:p>
-            <a:fld id="{F52CA13D-CC20-034F-8D4D-5C3038626ED9}" type="datetime1">
+            <a:fld id="{86D712DB-13D1-48DF-8D74-EA2A0D6A1295}" type="datetime1">
               <a:rPr lang="nl-BE" smtClean="0"/>
-              <a:t>21/09/2025</a:t>
+              <a:t>28/09/2025</a:t>
             </a:fld>
             <a:endParaRPr lang="nl-NL"/>
           </a:p>
@@ -2357,9 +2357,9 @@
           <a:bodyPr/>
           <a:lstStyle/>
           <a:p>
-            <a:fld id="{F52CA13D-CC20-034F-8D4D-5C3038626ED9}" type="datetime1">
+            <a:fld id="{EE55F63B-E5C2-47C9-B767-96A09BC63624}" type="datetime1">
               <a:rPr lang="nl-BE" smtClean="0"/>
-              <a:t>21/09/2025</a:t>
+              <a:t>28/09/2025</a:t>
             </a:fld>
             <a:endParaRPr lang="nl-NL"/>
           </a:p>
@@ -3590,9 +3590,9 @@
           <a:bodyPr/>
           <a:lstStyle/>
           <a:p>
-            <a:fld id="{F52CA13D-CC20-034F-8D4D-5C3038626ED9}" type="datetime1">
+            <a:fld id="{0445AAF3-F212-43BB-932B-DD1A31841819}" type="datetime1">
               <a:rPr lang="nl-BE" smtClean="0"/>
-              <a:t>21/09/2025</a:t>
+              <a:t>28/09/2025</a:t>
             </a:fld>
             <a:endParaRPr lang="nl-NL"/>
           </a:p>
@@ -3811,9 +3811,9 @@
           <a:bodyPr/>
           <a:lstStyle/>
           <a:p>
-            <a:fld id="{F52CA13D-CC20-034F-8D4D-5C3038626ED9}" type="datetime1">
+            <a:fld id="{215EBCC0-C3A3-417F-962F-876AE60FF46F}" type="datetime1">
               <a:rPr lang="nl-BE" smtClean="0"/>
-              <a:t>21/09/2025</a:t>
+              <a:t>28/09/2025</a:t>
             </a:fld>
             <a:endParaRPr lang="nl-NL"/>
           </a:p>
@@ -4102,9 +4102,9 @@
           <a:bodyPr/>
           <a:lstStyle/>
           <a:p>
-            <a:fld id="{F52CA13D-CC20-034F-8D4D-5C3038626ED9}" type="datetime1">
+            <a:fld id="{5087A35E-C6EC-4A6C-A286-9B263B20AC20}" type="datetime1">
               <a:rPr lang="nl-BE" smtClean="0"/>
-              <a:t>21/09/2025</a:t>
+              <a:t>28/09/2025</a:t>
             </a:fld>
             <a:endParaRPr lang="nl-NL"/>
           </a:p>
@@ -4356,9 +4356,9 @@
           <a:bodyPr/>
           <a:lstStyle/>
           <a:p>
-            <a:fld id="{F52CA13D-CC20-034F-8D4D-5C3038626ED9}" type="datetime1">
+            <a:fld id="{4B9B00E3-DE57-4EA4-A886-8AA88F9577D7}" type="datetime1">
               <a:rPr lang="nl-BE" smtClean="0"/>
-              <a:t>21/09/2025</a:t>
+              <a:t>28/09/2025</a:t>
             </a:fld>
             <a:endParaRPr lang="nl-NL"/>
           </a:p>
@@ -4569,9 +4569,9 @@
           <a:bodyPr/>
           <a:lstStyle/>
           <a:p>
-            <a:fld id="{D15822B7-9EF6-9542-AF10-CD505E021A84}" type="datetime1">
+            <a:fld id="{1631A466-BC4F-407D-A3EA-76F6655478F0}" type="datetime1">
               <a:rPr lang="nl-BE" smtClean="0"/>
-              <a:t>21/09/2025</a:t>
+              <a:t>28/09/2025</a:t>
             </a:fld>
             <a:endParaRPr lang="nl-NL"/>
           </a:p>
@@ -4760,9 +4760,9 @@
           <a:bodyPr/>
           <a:lstStyle/>
           <a:p>
-            <a:fld id="{D15822B7-9EF6-9542-AF10-CD505E021A84}" type="datetime1">
+            <a:fld id="{7CF5F32B-E94B-420F-86D9-59A9E32E05E1}" type="datetime1">
               <a:rPr lang="nl-BE" smtClean="0"/>
-              <a:t>21/09/2025</a:t>
+              <a:t>28/09/2025</a:t>
             </a:fld>
             <a:endParaRPr lang="nl-NL"/>
           </a:p>
@@ -5118,9 +5118,9 @@
             </a:lvl1pPr>
           </a:lstStyle>
           <a:p>
-            <a:fld id="{0C33DDE8-63FF-C642-9F3A-0B773DD34821}" type="datetime1">
+            <a:fld id="{341CC9F9-C2CE-4031-804C-1F2576E1A82A}" type="datetime1">
               <a:rPr lang="nl-BE" smtClean="0"/>
-              <a:t>21/09/2025</a:t>
+              <a:t>28/09/2025</a:t>
             </a:fld>
             <a:endParaRPr lang="nl-NL"/>
           </a:p>
@@ -5256,7 +5256,7 @@
     <p:sldLayoutId id="2147483670" r:id="rId12"/>
     <p:sldLayoutId id="2147483651" r:id="rId13"/>
   </p:sldLayoutIdLst>
-  <p:hf hdr="0" ftr="0" dt="0"/>
+  <p:hf hdr="0" dt="0"/>
   <p:txStyles>
     <p:titleStyle>
       <a:lvl1pPr algn="l" defTabSz="914400" rtl="0" eaLnBrk="1" latinLnBrk="0" hangingPunct="1">
@@ -8069,26 +8069,6 @@
 </file>
 
 <file path=customXml/item1.xml><?xml version="1.0" encoding="utf-8"?>
-<p:properties xmlns:p="http://schemas.microsoft.com/office/2006/metadata/properties" xmlns:xsi="http://www.w3.org/2001/XMLSchema-instance" xmlns:pc="http://schemas.microsoft.com/office/infopath/2007/PartnerControls">
-  <documentManagement>
-    <lcf76f155ced4ddcb4097134ff3c332f xmlns="81d41a3b-f33d-4db6-b532-757106a7a2ae">
-      <Terms xmlns="http://schemas.microsoft.com/office/infopath/2007/PartnerControls"/>
-    </lcf76f155ced4ddcb4097134ff3c332f>
-    <TaxCatchAll xmlns="bf25a9bf-a811-4965-9d0a-b88059080fed" xsi:nil="true"/>
-  </documentManagement>
-</p:properties>
-</file>
-
-<file path=customXml/item2.xml><?xml version="1.0" encoding="utf-8"?>
-<?mso-contentType ?>
-<FormTemplates xmlns="http://schemas.microsoft.com/sharepoint/v3/contenttype/forms">
-  <Display>DocumentLibraryForm</Display>
-  <Edit>DocumentLibraryForm</Edit>
-  <New>DocumentLibraryForm</New>
-</FormTemplates>
-</file>
-
-<file path=customXml/item3.xml><?xml version="1.0" encoding="utf-8"?>
 <ct:contentTypeSchema xmlns:ct="http://schemas.microsoft.com/office/2006/metadata/contentType" xmlns:ma="http://schemas.microsoft.com/office/2006/metadata/properties/metaAttributes" ct:_="" ma:_="" ma:contentTypeName="Document" ma:contentTypeID="0x010100B8C495A181F81B4C9DE5AD85CD0F70D4" ma:contentTypeVersion="18" ma:contentTypeDescription="Een nieuw document maken." ma:contentTypeScope="" ma:versionID="6ba28a59cba4a02a693681f32745d77b">
   <xsd:schema xmlns:xsd="http://www.w3.org/2001/XMLSchema" xmlns:xs="http://www.w3.org/2001/XMLSchema" xmlns:p="http://schemas.microsoft.com/office/2006/metadata/properties" xmlns:ns2="81d41a3b-f33d-4db6-b532-757106a7a2ae" xmlns:ns3="bf25a9bf-a811-4965-9d0a-b88059080fed" targetNamespace="http://schemas.microsoft.com/office/2006/metadata/properties" ma:root="true" ma:fieldsID="b996b4a4c0d83f5cfec71b22aba921d2" ns2:_="" ns3:_="">
     <xsd:import namespace="81d41a3b-f33d-4db6-b532-757106a7a2ae"/>
@@ -8343,32 +8323,27 @@
 </ct:contentTypeSchema>
 </file>
 
-<file path=customXml/itemProps1.xml><?xml version="1.0" encoding="utf-8"?>
-<ds:datastoreItem xmlns:ds="http://schemas.openxmlformats.org/officeDocument/2006/customXml" ds:itemID="{5EE9034D-0B43-4AB0-9535-9A62DB37A999}">
-  <ds:schemaRefs>
-    <ds:schemaRef ds:uri="http://www.w3.org/XML/1998/namespace"/>
-    <ds:schemaRef ds:uri="81d41a3b-f33d-4db6-b532-757106a7a2ae"/>
-    <ds:schemaRef ds:uri="http://purl.org/dc/dcmitype/"/>
-    <ds:schemaRef ds:uri="http://purl.org/dc/elements/1.1/"/>
-    <ds:schemaRef ds:uri="http://schemas.microsoft.com/office/2006/documentManagement/types"/>
-    <ds:schemaRef ds:uri="bf25a9bf-a811-4965-9d0a-b88059080fed"/>
-    <ds:schemaRef ds:uri="http://purl.org/dc/terms/"/>
-    <ds:schemaRef ds:uri="http://schemas.microsoft.com/office/infopath/2007/PartnerControls"/>
-    <ds:schemaRef ds:uri="http://schemas.openxmlformats.org/package/2006/metadata/core-properties"/>
-    <ds:schemaRef ds:uri="http://schemas.microsoft.com/office/2006/metadata/properties"/>
-  </ds:schemaRefs>
-</ds:datastoreItem>
+<file path=customXml/item2.xml><?xml version="1.0" encoding="utf-8"?>
+<?mso-contentType ?>
+<FormTemplates xmlns="http://schemas.microsoft.com/sharepoint/v3/contenttype/forms">
+  <Display>DocumentLibraryForm</Display>
+  <Edit>DocumentLibraryForm</Edit>
+  <New>DocumentLibraryForm</New>
+</FormTemplates>
 </file>
 
-<file path=customXml/itemProps2.xml><?xml version="1.0" encoding="utf-8"?>
-<ds:datastoreItem xmlns:ds="http://schemas.openxmlformats.org/officeDocument/2006/customXml" ds:itemID="{263A7949-1B93-457F-8888-53CC8A016F77}">
-  <ds:schemaRefs>
-    <ds:schemaRef ds:uri="http://schemas.microsoft.com/sharepoint/v3/contenttype/forms"/>
-  </ds:schemaRefs>
-</ds:datastoreItem>
+<file path=customXml/item3.xml><?xml version="1.0" encoding="utf-8"?>
+<p:properties xmlns:p="http://schemas.microsoft.com/office/2006/metadata/properties" xmlns:xsi="http://www.w3.org/2001/XMLSchema-instance" xmlns:pc="http://schemas.microsoft.com/office/infopath/2007/PartnerControls">
+  <documentManagement>
+    <lcf76f155ced4ddcb4097134ff3c332f xmlns="81d41a3b-f33d-4db6-b532-757106a7a2ae">
+      <Terms xmlns="http://schemas.microsoft.com/office/infopath/2007/PartnerControls"/>
+    </lcf76f155ced4ddcb4097134ff3c332f>
+    <TaxCatchAll xmlns="bf25a9bf-a811-4965-9d0a-b88059080fed" xsi:nil="true"/>
+  </documentManagement>
+</p:properties>
 </file>
 
-<file path=customXml/itemProps3.xml><?xml version="1.0" encoding="utf-8"?>
+<file path=customXml/itemProps1.xml><?xml version="1.0" encoding="utf-8"?>
 <ds:datastoreItem xmlns:ds="http://schemas.openxmlformats.org/officeDocument/2006/customXml" ds:itemID="{2A270F01-48F1-4A41-8E26-ACAC66896963}">
   <ds:schemaRefs>
     <ds:schemaRef ds:uri="http://schemas.microsoft.com/office/2006/metadata/contentType"/>
@@ -8385,4 +8360,29 @@
     <ds:schemaRef ds:uri="http://schemas.microsoft.com/internal/obd"/>
   </ds:schemaRefs>
 </ds:datastoreItem>
+</file>
+
+<file path=customXml/itemProps2.xml><?xml version="1.0" encoding="utf-8"?>
+<ds:datastoreItem xmlns:ds="http://schemas.openxmlformats.org/officeDocument/2006/customXml" ds:itemID="{263A7949-1B93-457F-8888-53CC8A016F77}">
+  <ds:schemaRefs>
+    <ds:schemaRef ds:uri="http://schemas.microsoft.com/sharepoint/v3/contenttype/forms"/>
+  </ds:schemaRefs>
+</ds:datastoreItem>
+</file>
+
+<file path=customXml/itemProps3.xml><?xml version="1.0" encoding="utf-8"?>
+<ds:datastoreItem xmlns:ds="http://schemas.openxmlformats.org/officeDocument/2006/customXml" ds:itemID="{5EE9034D-0B43-4AB0-9535-9A62DB37A999}">
+  <ds:schemaRefs>
+    <ds:schemaRef ds:uri="http://www.w3.org/XML/1998/namespace"/>
+    <ds:schemaRef ds:uri="81d41a3b-f33d-4db6-b532-757106a7a2ae"/>
+    <ds:schemaRef ds:uri="http://purl.org/dc/dcmitype/"/>
+    <ds:schemaRef ds:uri="http://purl.org/dc/elements/1.1/"/>
+    <ds:schemaRef ds:uri="http://schemas.microsoft.com/office/2006/documentManagement/types"/>
+    <ds:schemaRef ds:uri="bf25a9bf-a811-4965-9d0a-b88059080fed"/>
+    <ds:schemaRef ds:uri="http://purl.org/dc/terms/"/>
+    <ds:schemaRef ds:uri="http://schemas.microsoft.com/office/infopath/2007/PartnerControls"/>
+    <ds:schemaRef ds:uri="http://schemas.openxmlformats.org/package/2006/metadata/core-properties"/>
+    <ds:schemaRef ds:uri="http://schemas.microsoft.com/office/2006/metadata/properties"/>
+  </ds:schemaRefs>
+</ds:datastoreItem>
 </file>
--- a/ToegepasteAnalogeElektronica/PowerPoint/SmithKaartOefening5.pptx
+++ b/ToegepasteAnalogeElektronica/PowerPoint/SmithKaartOefening5.pptx
@@ -5724,7 +5724,7 @@
               <a:t>We plaatsen </a:t>
             </a:r>
             <a:r>
-              <a:t>\frac{Z_0}{Z_L}=\frac{1}{2.2}</a:t>
+              <a:t>\frac{Z₀}{Z_L}=\frac{1}{2.2}</a:t>
             </a:r>
             <a:r>
               <a:t> op de Smith kaart en we zoeken waar we de y=1 cirkel snijden in het bovenste deel van de kaart.</a:t>
@@ -6148,7 +6148,7 @@
               <a:t>De y = 1 - j 0.85 compenseren we door +j 0.85 vertrekkende vanuit g=</a:t>
             </a:r>
             <a:r>
-              <a:t>\infty</a:t>
+              <a:t>∞</a:t>
             </a:r>
             <a:r>
               <a:t>.</a:t>
@@ -6575,7 +6575,7 @@
               <a:t>De y = 1 + j 0.85 compenseren we door -j 0.85 vertrekkende vanuit g=</a:t>
             </a:r>
             <a:r>
-              <a:t>\infty</a:t>
+              <a:t>∞</a:t>
             </a:r>
             <a:r>
               <a:t>.</a:t>
@@ -6897,7 +6897,7 @@
               <a:t>We plaatsen </a:t>
             </a:r>
             <a:r>
-              <a:t>\frac{Z_L}{Z_0}=2.2</a:t>
+              <a:t>\frac{Z_L}{Z₀}=2.2</a:t>
             </a:r>
             <a:r>
               <a:t> op de Smith kaart en we zoeken waar we de r=1 cirkel snijden in het onderste deel van de kaart.</a:t>

--- a/ToegepasteAnalogeElektronica/PowerPoint/SmithKaartOefening5.pptx
+++ b/ToegepasteAnalogeElektronica/PowerPoint/SmithKaartOefening5.pptx
@@ -36,6 +36,18 @@
     <p:sldId id="278" r:id="rId35"/>
     <p:sldId id="279" r:id="rId36"/>
     <p:sldId id="280" r:id="rId37"/>
+    <p:sldId id="281" r:id="rId38"/>
+    <p:sldId id="282" r:id="rId39"/>
+    <p:sldId id="283" r:id="rId40"/>
+    <p:sldId id="284" r:id="rId41"/>
+    <p:sldId id="285" r:id="rId42"/>
+    <p:sldId id="286" r:id="rId43"/>
+    <p:sldId id="287" r:id="rId44"/>
+    <p:sldId id="288" r:id="rId45"/>
+    <p:sldId id="289" r:id="rId46"/>
+    <p:sldId id="290" r:id="rId47"/>
+    <p:sldId id="291" r:id="rId48"/>
+    <p:sldId id="292" r:id="rId49"/>
   </p:sldIdLst>
   <p:sldSz cx="12192000" cy="6858000"/>
   <p:notesSz cx="6858000" cy="9144000"/>
@@ -5696,59 +5708,57 @@
       <p:grpSpPr/>
       <p:sp>
         <p:nvSpPr>
-          <p:cNvPr id="2" name="Content Placeholder 1"/>
-          <p:cNvSpPr>
-            <a:spLocks noGrp="1"/>
-          </p:cNvSpPr>
-          <p:nvPr>
-            <p:ph idx="1"/>
+          <p:cNvPr id="2" name="Title 1"/>
+          <p:cNvSpPr>
+            <a:spLocks noGrp="1"/>
+          </p:cNvSpPr>
+          <p:nvPr>
+            <p:ph type="title"/>
           </p:nvPr>
         </p:nvSpPr>
         <p:spPr/>
         <p:txBody>
-          <a:bodyPr/>
-          <a:lstStyle/>
-          <a:p/>
-          <a:p>
-            <a:pPr/>
-            <a:r>
-              <a:t>### Oplossing 4: Bijplaatsen van een spoel in parallel</a:t>
-            </a:r>
-          </a:p>
-          <a:p>
-            <a:pPr/>
-          </a:p>
-          <a:p>
-            <a:pPr/>
-            <a:r>
-              <a:t>We plaatsen </a:t>
-            </a:r>
-            <a:r>
-              <a:t>\frac{Z₀}{Z_L}=\frac{1}{2.2}</a:t>
-            </a:r>
-            <a:r>
-              <a:t> op de Smith kaart en we zoeken waar we de y=1 cirkel snijden in het bovenste deel van de kaart.</a:t>
-            </a:r>
-          </a:p>
-        </p:txBody>
-      </p:sp>
-      <p:sp>
-        <p:nvSpPr>
-          <p:cNvPr id="3" name="Title 2"/>
-          <p:cNvSpPr>
-            <a:spLocks noGrp="1"/>
-          </p:cNvSpPr>
-          <p:nvPr>
-            <p:ph type="title"/>
-          </p:nvPr>
-        </p:nvSpPr>
-        <p:spPr/>
-        <p:txBody>
-          <a:bodyPr/>
-          <a:lstStyle/>
-          <a:p/>
-        </p:txBody>
-      </p:sp>
+          <a:bodyPr wrap="square">
+            <a:noAutofit/>
+          </a:bodyPr>
+          <a:lstStyle/>
+          <a:p>
+            <a:r>
+              <a:rPr sz="3200" b="1" i="0">
+                <a:latin typeface="Arial"/>
+              </a:rPr>
+              <a:t>Smith kaart van de derde oplossing als admitantie</a:t>
+            </a:r>
+            <a:endParaRPr sz="3200" b="1" i="0">
+              <a:latin typeface="Arial"/>
+            </a:endParaRPr>
+          </a:p>
+        </p:txBody>
+      </p:sp>
+      <p:pic>
+        <p:nvPicPr>
+          <p:cNvPr id="3" name="Picture 2" descr="image.png"/>
+          <p:cNvPicPr>
+            <a:picLocks noChangeAspect="1"/>
+          </p:cNvPicPr>
+          <p:nvPr/>
+        </p:nvPicPr>
+        <p:blipFill>
+          <a:blip r:embed="rId2"/>
+          <a:stretch>
+            <a:fillRect/>
+          </a:stretch>
+        </p:blipFill>
+        <p:spPr>
+          <a:xfrm>
+            <a:off x="3261360" y="566928"/>
+            <a:ext cx="5669280" cy="5669280"/>
+          </a:xfrm>
+          <a:prstGeom prst="rect">
+            <a:avLst/>
+          </a:prstGeom>
+        </p:spPr>
+      </p:pic>
     </p:spTree>
   </p:cSld>
   <p:clrMapOvr>
@@ -5769,12 +5779,12 @@
       <p:grpSpPr/>
       <p:sp>
         <p:nvSpPr>
-          <p:cNvPr id="2" name="Title 1"/>
-          <p:cNvSpPr>
-            <a:spLocks noGrp="1"/>
-          </p:cNvSpPr>
-          <p:nvPr>
-            <p:ph type="title"/>
+          <p:cNvPr id="2" name="Content Placeholder 1"/>
+          <p:cNvSpPr>
+            <a:spLocks noGrp="1"/>
+          </p:cNvSpPr>
+          <p:nvPr>
+            <p:ph idx="1"/>
           </p:nvPr>
         </p:nvSpPr>
         <p:spPr/>
@@ -5784,11 +5794,149 @@
           </a:bodyPr>
           <a:lstStyle/>
           <a:p>
+            <a:pPr>
+              <a:lnSpc>
+                <a:spcPts val="2400"/>
+              </a:lnSpc>
+              <a:defRPr>
+                <a:solidFill>
+                  <a:srgbClr val="000000"/>
+                </a:solidFill>
+              </a:defRPr>
+            </a:pPr>
+            <a:r>
+              <a:rPr sz="2400" b="0" i="0">
+                <a:latin typeface="Courier"/>
+              </a:rPr>
+              <a:t>hoek    admittantie (Siemens)     lengte coax (cm)</a:t>
+            </a:r>
+            <a:endParaRPr sz="2400" b="0" i="0">
+              <a:latin typeface="Courier"/>
+            </a:endParaRPr>
+          </a:p>
+          <a:p>
+            <a:pPr>
+              <a:lnSpc>
+                <a:spcPts val="2400"/>
+              </a:lnSpc>
+              <a:defRPr>
+                <a:solidFill>
+                  <a:srgbClr val="000000"/>
+                </a:solidFill>
+              </a:defRPr>
+            </a:pPr>
+            <a:r>
+              <a:rPr sz="2400" b="0" i="0">
+                <a:latin typeface="Courier"/>
+              </a:rPr>
+              <a:t> 245    Y= 20.87-16.51j mS     lengte=8.51 cm</a:t>
+            </a:r>
+            <a:endParaRPr sz="2400" b="0" i="0">
+              <a:latin typeface="Courier"/>
+            </a:endParaRPr>
+          </a:p>
+          <a:p>
+            <a:pPr>
+              <a:lnSpc>
+                <a:spcPts val="2400"/>
+              </a:lnSpc>
+              <a:defRPr>
+                <a:solidFill>
+                  <a:srgbClr val="000000"/>
+                </a:solidFill>
+              </a:defRPr>
+            </a:pPr>
+            <a:r>
+              <a:rPr sz="2400" b="0" i="0">
+                <a:latin typeface="Courier"/>
+              </a:rPr>
+              <a:t> 246    Y= 20.57-16.40j mS     lengte=8.54 cm</a:t>
+            </a:r>
+            <a:endParaRPr sz="2400" b="0" i="0">
+              <a:latin typeface="Courier"/>
+            </a:endParaRPr>
+          </a:p>
+          <a:p>
+            <a:pPr>
+              <a:lnSpc>
+                <a:spcPts val="2400"/>
+              </a:lnSpc>
+              <a:defRPr>
+                <a:solidFill>
+                  <a:srgbClr val="000000"/>
+                </a:solidFill>
+              </a:defRPr>
+            </a:pPr>
+            <a:r>
+              <a:rPr sz="2400" b="0" i="0">
+                <a:latin typeface="Courier"/>
+              </a:rPr>
+              <a:t> 247    Y= 20.28-16.29j mS     lengte=8.58 cm</a:t>
+            </a:r>
+            <a:endParaRPr sz="2400" b="0" i="0">
+              <a:latin typeface="Courier"/>
+            </a:endParaRPr>
+          </a:p>
+          <a:p>
+            <a:pPr>
+              <a:lnSpc>
+                <a:spcPts val="2400"/>
+              </a:lnSpc>
+              <a:defRPr>
+                <a:solidFill>
+                  <a:srgbClr val="000000"/>
+                </a:solidFill>
+              </a:defRPr>
+            </a:pPr>
+            <a:r>
+              <a:rPr sz="2400" b="0" i="0">
+                <a:latin typeface="Courier"/>
+              </a:rPr>
+              <a:t> 248    Y= 19.99-16.18j mS     lengte=8.61 cm</a:t>
+            </a:r>
+            <a:endParaRPr sz="2400" b="0" i="0">
+              <a:latin typeface="Courier"/>
+            </a:endParaRPr>
+          </a:p>
+          <a:p>
+            <a:pPr>
+              <a:lnSpc>
+                <a:spcPts val="2400"/>
+              </a:lnSpc>
+              <a:defRPr>
+                <a:solidFill>
+                  <a:srgbClr val="000000"/>
+                </a:solidFill>
+              </a:defRPr>
+            </a:pPr>
+            <a:endParaRPr sz="2400" b="0" i="0">
+              <a:latin typeface="Courier"/>
+            </a:endParaRPr>
+          </a:p>
+        </p:txBody>
+      </p:sp>
+      <p:sp>
+        <p:nvSpPr>
+          <p:cNvPr id="3" name="Title 2"/>
+          <p:cNvSpPr>
+            <a:spLocks noGrp="1"/>
+          </p:cNvSpPr>
+          <p:nvPr>
+            <p:ph type="title"/>
+          </p:nvPr>
+        </p:nvSpPr>
+        <p:spPr/>
+        <p:txBody>
+          <a:bodyPr wrap="square">
+            <a:noAutofit/>
+          </a:bodyPr>
+          <a:lstStyle/>
+          <a:p>
             <a:r>
               <a:rPr sz="3200" b="1" i="0">
                 <a:latin typeface="Arial"/>
               </a:rPr>
-              <a:t>Smith kaart van de vierde oplossing</a:t>
+              <a:t>Berekening admittantie voor verschillende lengtes</a:t>
             </a:r>
             <a:endParaRPr sz="3200" b="1" i="0">
               <a:latin typeface="Arial"/>
@@ -5796,30 +5944,6 @@
           </a:p>
         </p:txBody>
       </p:sp>
-      <p:pic>
-        <p:nvPicPr>
-          <p:cNvPr id="3" name="Picture 2" descr="image.png"/>
-          <p:cNvPicPr>
-            <a:picLocks noChangeAspect="1"/>
-          </p:cNvPicPr>
-          <p:nvPr/>
-        </p:nvPicPr>
-        <p:blipFill>
-          <a:blip r:embed="rId2"/>
-          <a:stretch>
-            <a:fillRect/>
-          </a:stretch>
-        </p:blipFill>
-        <p:spPr>
-          <a:xfrm>
-            <a:off x="3307080" y="566928"/>
-            <a:ext cx="5577840" cy="5577840"/>
-          </a:xfrm>
-          <a:prstGeom prst="rect">
-            <a:avLst/>
-          </a:prstGeom>
-        </p:spPr>
-      </p:pic>
     </p:spTree>
   </p:cSld>
   <p:clrMapOvr>
@@ -5859,7 +5983,7 @@
               <a:rPr sz="3200" b="1" i="0">
                 <a:latin typeface="Arial"/>
               </a:rPr>
-              <a:t>Circuit van de vierde oplossing</a:t>
+              <a:t>Circuit van de derde oplossing</a:t>
             </a:r>
             <a:endParaRPr sz="3200" b="1" i="0">
               <a:latin typeface="Arial"/>
@@ -5884,7 +6008,7 @@
         <p:spPr>
           <a:xfrm>
             <a:off x="0" y="566928"/>
-            <a:ext cx="12192000" cy="5577840"/>
+            <a:ext cx="12192000" cy="5669280"/>
           </a:xfrm>
           <a:prstGeom prst="rect">
             <a:avLst/>
@@ -5924,10 +6048,51 @@
           <a:bodyPr/>
           <a:lstStyle/>
           <a:p/>
+        </p:txBody>
+      </p:sp>
+      <p:sp>
+        <p:nvSpPr>
+          <p:cNvPr id="3" name="Title 2"/>
+          <p:cNvSpPr>
+            <a:spLocks noGrp="1"/>
+          </p:cNvSpPr>
+          <p:nvPr>
+            <p:ph type="title"/>
+          </p:nvPr>
+        </p:nvSpPr>
+        <p:spPr/>
+        <p:txBody>
+          <a:bodyPr/>
+          <a:lstStyle/>
+          <a:p/>
+        </p:txBody>
+      </p:sp>
+      <p:sp>
+        <p:nvSpPr>
+          <p:cNvPr id="2" name="Content Placeholder 1"/>
+          <p:cNvSpPr>
+            <a:spLocks noGrp="1"/>
+          </p:cNvSpPr>
+          <p:nvPr>
+            <p:ph idx="1"/>
+          </p:nvPr>
+        </p:nvSpPr>
+        <p:spPr>
+          <a:xfrm>
+            <a:off x="914400" y="566928"/>
+            <a:ext cx="10820400" cy="5669280"/>
+          </a:xfrm>
+        </p:spPr>
+        <p:txBody>
+          <a:bodyPr>
+            <a:spAutoFit/>
+          </a:bodyPr>
+          <a:lstStyle/>
+          <a:p/>
           <a:p>
             <a:pPr/>
             <a:r>
-              <a:t>### Oplossing 5: Oplossing 3 waarbij de condensator vervangen is door een open transmissielijn</a:t>
+              <a:t>### Oplossing 4: Bijplaatsen van een spoel in parallel</a:t>
             </a:r>
           </a:p>
           <a:p>
@@ -5936,26 +6101,15 @@
           <a:p>
             <a:pPr/>
             <a:r>
-              <a:t>De y = 1 - j 0.85 compenseren we door +j 0.85 vertrekkende vanuit g=0.</a:t>
-            </a:r>
-          </a:p>
-        </p:txBody>
-      </p:sp>
-      <p:sp>
-        <p:nvSpPr>
-          <p:cNvPr id="3" name="Title 2"/>
-          <p:cNvSpPr>
-            <a:spLocks noGrp="1"/>
-          </p:cNvSpPr>
-          <p:nvPr>
-            <p:ph type="title"/>
-          </p:nvPr>
-        </p:nvSpPr>
-        <p:spPr/>
-        <p:txBody>
-          <a:bodyPr/>
-          <a:lstStyle/>
-          <a:p/>
+              <a:t>We plaatsen </a:t>
+            </a:r>
+            <a:r>
+              <a:t>\frac{Z₀}{Z_L}=\frac{1}{2.2}</a:t>
+            </a:r>
+            <a:r>
+              <a:t> op de Smith kaart en we zoeken waar we de y=1 cirkel snijden in het bovenste deel van de kaart.</a:t>
+            </a:r>
+          </a:p>
         </p:txBody>
       </p:sp>
     </p:spTree>
@@ -5997,7 +6151,7 @@
               <a:rPr sz="3200" b="1" i="0">
                 <a:latin typeface="Arial"/>
               </a:rPr>
-              <a:t>Smith kaart van de vijfde oplossing</a:t>
+              <a:t>Smith kaart van de vierde oplossing</a:t>
             </a:r>
             <a:endParaRPr sz="3200" b="1" i="0">
               <a:latin typeface="Arial"/>
@@ -6021,8 +6175,8 @@
         </p:blipFill>
         <p:spPr>
           <a:xfrm>
-            <a:off x="3307080" y="566928"/>
-            <a:ext cx="5577840" cy="5577840"/>
+            <a:off x="3261360" y="566928"/>
+            <a:ext cx="5669280" cy="5669280"/>
           </a:xfrm>
           <a:prstGeom prst="rect">
             <a:avLst/>
@@ -6049,12 +6203,12 @@
       <p:grpSpPr/>
       <p:sp>
         <p:nvSpPr>
-          <p:cNvPr id="2" name="Title 1"/>
-          <p:cNvSpPr>
-            <a:spLocks noGrp="1"/>
-          </p:cNvSpPr>
-          <p:nvPr>
-            <p:ph type="title"/>
+          <p:cNvPr id="2" name="Content Placeholder 1"/>
+          <p:cNvSpPr>
+            <a:spLocks noGrp="1"/>
+          </p:cNvSpPr>
+          <p:nvPr>
+            <p:ph idx="1"/>
           </p:nvPr>
         </p:nvSpPr>
         <p:spPr/>
@@ -6064,42 +6218,165 @@
           </a:bodyPr>
           <a:lstStyle/>
           <a:p>
-            <a:r>
-              <a:rPr sz="3200" b="1" i="0">
-                <a:latin typeface="Arial"/>
+            <a:pPr>
+              <a:lnSpc>
+                <a:spcPts val="2400"/>
+              </a:lnSpc>
+              <a:defRPr>
+                <a:solidFill>
+                  <a:srgbClr val="000000"/>
+                </a:solidFill>
+              </a:defRPr>
+            </a:pPr>
+            <a:r>
+              <a:rPr sz="2400" b="0" i="0">
+                <a:latin typeface="Courier"/>
               </a:rPr>
-              <a:t>Circuit van de vijfde oplossing</a:t>
-            </a:r>
-            <a:endParaRPr sz="3200" b="1" i="0">
-              <a:latin typeface="Arial"/>
+              <a:t>hoek    admittantie (Siemens)     lengte coax (cm)</a:t>
+            </a:r>
+            <a:endParaRPr sz="2400" b="0" i="0">
+              <a:latin typeface="Courier"/>
             </a:endParaRPr>
           </a:p>
-        </p:txBody>
-      </p:sp>
-      <p:pic>
-        <p:nvPicPr>
-          <p:cNvPr id="3" name="Picture 2" descr="image.png"/>
-          <p:cNvPicPr>
-            <a:picLocks noChangeAspect="1"/>
-          </p:cNvPicPr>
-          <p:nvPr/>
-        </p:nvPicPr>
-        <p:blipFill>
-          <a:blip r:embed="rId2"/>
-          <a:stretch>
-            <a:fillRect/>
-          </a:stretch>
-        </p:blipFill>
-        <p:spPr>
-          <a:xfrm>
-            <a:off x="536388" y="566928"/>
-            <a:ext cx="11119224" cy="5577840"/>
-          </a:xfrm>
-          <a:prstGeom prst="rect">
-            <a:avLst/>
-          </a:prstGeom>
-        </p:spPr>
-      </p:pic>
+          <a:p>
+            <a:pPr>
+              <a:lnSpc>
+                <a:spcPts val="2400"/>
+              </a:lnSpc>
+              <a:defRPr>
+                <a:solidFill>
+                  <a:srgbClr val="000000"/>
+                </a:solidFill>
+              </a:defRPr>
+            </a:pPr>
+            <a:r>
+              <a:rPr sz="2400" b="0" i="0">
+                <a:latin typeface="Courier"/>
+              </a:rPr>
+              <a:t> 110    Y= 19.44+15.94j mS     lengte=3.82 cm</a:t>
+            </a:r>
+            <a:endParaRPr sz="2400" b="0" i="0">
+              <a:latin typeface="Courier"/>
+            </a:endParaRPr>
+          </a:p>
+          <a:p>
+            <a:pPr>
+              <a:lnSpc>
+                <a:spcPts val="2400"/>
+              </a:lnSpc>
+              <a:defRPr>
+                <a:solidFill>
+                  <a:srgbClr val="000000"/>
+                </a:solidFill>
+              </a:defRPr>
+            </a:pPr>
+            <a:r>
+              <a:rPr sz="2400" b="0" i="0">
+                <a:latin typeface="Courier"/>
+              </a:rPr>
+              <a:t> 111    Y= 19.71+16.06j mS     lengte=3.85 cm</a:t>
+            </a:r>
+            <a:endParaRPr sz="2400" b="0" i="0">
+              <a:latin typeface="Courier"/>
+            </a:endParaRPr>
+          </a:p>
+          <a:p>
+            <a:pPr>
+              <a:lnSpc>
+                <a:spcPts val="2400"/>
+              </a:lnSpc>
+              <a:defRPr>
+                <a:solidFill>
+                  <a:srgbClr val="000000"/>
+                </a:solidFill>
+              </a:defRPr>
+            </a:pPr>
+            <a:r>
+              <a:rPr sz="2400" b="0" i="0">
+                <a:latin typeface="Courier"/>
+              </a:rPr>
+              <a:t> 112    Y= 19.99+16.18j mS     lengte=3.89 cm</a:t>
+            </a:r>
+            <a:endParaRPr sz="2400" b="0" i="0">
+              <a:latin typeface="Courier"/>
+            </a:endParaRPr>
+          </a:p>
+          <a:p>
+            <a:pPr>
+              <a:lnSpc>
+                <a:spcPts val="2400"/>
+              </a:lnSpc>
+              <a:defRPr>
+                <a:solidFill>
+                  <a:srgbClr val="000000"/>
+                </a:solidFill>
+              </a:defRPr>
+            </a:pPr>
+            <a:r>
+              <a:rPr sz="2400" b="0" i="0">
+                <a:latin typeface="Courier"/>
+              </a:rPr>
+              <a:t> 113    Y= 20.28+16.29j mS     lengte=3.92 cm</a:t>
+            </a:r>
+            <a:endParaRPr sz="2400" b="0" i="0">
+              <a:latin typeface="Courier"/>
+            </a:endParaRPr>
+          </a:p>
+          <a:p>
+            <a:pPr>
+              <a:lnSpc>
+                <a:spcPts val="2400"/>
+              </a:lnSpc>
+              <a:defRPr>
+                <a:solidFill>
+                  <a:srgbClr val="000000"/>
+                </a:solidFill>
+              </a:defRPr>
+            </a:pPr>
+            <a:r>
+              <a:rPr sz="2400" b="0" i="0">
+                <a:latin typeface="Courier"/>
+              </a:rPr>
+              <a:t> 114    Y= 20.57+16.40j mS     lengte=3.96 cm</a:t>
+            </a:r>
+            <a:endParaRPr sz="2400" b="0" i="0">
+              <a:latin typeface="Courier"/>
+            </a:endParaRPr>
+          </a:p>
+          <a:p>
+            <a:pPr>
+              <a:lnSpc>
+                <a:spcPts val="2400"/>
+              </a:lnSpc>
+              <a:defRPr>
+                <a:solidFill>
+                  <a:srgbClr val="000000"/>
+                </a:solidFill>
+              </a:defRPr>
+            </a:pPr>
+            <a:endParaRPr sz="2400" b="0" i="0">
+              <a:latin typeface="Courier"/>
+            </a:endParaRPr>
+          </a:p>
+        </p:txBody>
+      </p:sp>
+      <p:sp>
+        <p:nvSpPr>
+          <p:cNvPr id="3" name="Title 2"/>
+          <p:cNvSpPr>
+            <a:spLocks noGrp="1"/>
+          </p:cNvSpPr>
+          <p:nvPr>
+            <p:ph type="title"/>
+          </p:nvPr>
+        </p:nvSpPr>
+        <p:spPr/>
+        <p:txBody>
+          <a:bodyPr/>
+          <a:lstStyle/>
+          <a:p/>
+        </p:txBody>
+      </p:sp>
     </p:spTree>
   </p:cSld>
   <p:clrMapOvr>
@@ -6120,59 +6397,57 @@
       <p:grpSpPr/>
       <p:sp>
         <p:nvSpPr>
-          <p:cNvPr id="2" name="Content Placeholder 1"/>
-          <p:cNvSpPr>
-            <a:spLocks noGrp="1"/>
-          </p:cNvSpPr>
-          <p:nvPr>
-            <p:ph idx="1"/>
+          <p:cNvPr id="2" name="Title 1"/>
+          <p:cNvSpPr>
+            <a:spLocks noGrp="1"/>
+          </p:cNvSpPr>
+          <p:nvPr>
+            <p:ph type="title"/>
           </p:nvPr>
         </p:nvSpPr>
         <p:spPr/>
         <p:txBody>
-          <a:bodyPr/>
-          <a:lstStyle/>
-          <a:p/>
-          <a:p>
-            <a:pPr/>
-            <a:r>
-              <a:t>### Oplossing 6: Oplossing 3 waarbij de condensator vervangen is door een kortgesloten transmissielijn</a:t>
-            </a:r>
-          </a:p>
-          <a:p>
-            <a:pPr/>
-          </a:p>
-          <a:p>
-            <a:pPr/>
-            <a:r>
-              <a:t>De y = 1 - j 0.85 compenseren we door +j 0.85 vertrekkende vanuit g=</a:t>
-            </a:r>
-            <a:r>
-              <a:t>∞</a:t>
-            </a:r>
-            <a:r>
-              <a:t>.</a:t>
-            </a:r>
-          </a:p>
-        </p:txBody>
-      </p:sp>
-      <p:sp>
-        <p:nvSpPr>
-          <p:cNvPr id="3" name="Title 2"/>
-          <p:cNvSpPr>
-            <a:spLocks noGrp="1"/>
-          </p:cNvSpPr>
-          <p:nvPr>
-            <p:ph type="title"/>
-          </p:nvPr>
-        </p:nvSpPr>
-        <p:spPr/>
-        <p:txBody>
-          <a:bodyPr/>
-          <a:lstStyle/>
-          <a:p/>
-        </p:txBody>
-      </p:sp>
+          <a:bodyPr wrap="square">
+            <a:noAutofit/>
+          </a:bodyPr>
+          <a:lstStyle/>
+          <a:p>
+            <a:r>
+              <a:rPr sz="3200" b="1" i="0">
+                <a:latin typeface="Arial"/>
+              </a:rPr>
+              <a:t>Circuit van de vierde oplossing</a:t>
+            </a:r>
+            <a:endParaRPr sz="3200" b="1" i="0">
+              <a:latin typeface="Arial"/>
+            </a:endParaRPr>
+          </a:p>
+        </p:txBody>
+      </p:sp>
+      <p:pic>
+        <p:nvPicPr>
+          <p:cNvPr id="3" name="Picture 2" descr="image.png"/>
+          <p:cNvPicPr>
+            <a:picLocks noChangeAspect="1"/>
+          </p:cNvPicPr>
+          <p:nvPr/>
+        </p:nvPicPr>
+        <p:blipFill>
+          <a:blip r:embed="rId2"/>
+          <a:stretch>
+            <a:fillRect/>
+          </a:stretch>
+        </p:blipFill>
+        <p:spPr>
+          <a:xfrm>
+            <a:off x="0" y="566928"/>
+            <a:ext cx="12192000" cy="5669280"/>
+          </a:xfrm>
+          <a:prstGeom prst="rect">
+            <a:avLst/>
+          </a:prstGeom>
+        </p:spPr>
+      </p:pic>
     </p:spTree>
   </p:cSld>
   <p:clrMapOvr>
@@ -6193,7 +6468,24 @@
       <p:grpSpPr/>
       <p:sp>
         <p:nvSpPr>
-          <p:cNvPr id="2" name="Title 1"/>
+          <p:cNvPr id="2" name="Content Placeholder 1"/>
+          <p:cNvSpPr>
+            <a:spLocks noGrp="1"/>
+          </p:cNvSpPr>
+          <p:nvPr>
+            <p:ph idx="1"/>
+          </p:nvPr>
+        </p:nvSpPr>
+        <p:spPr/>
+        <p:txBody>
+          <a:bodyPr/>
+          <a:lstStyle/>
+          <a:p/>
+        </p:txBody>
+      </p:sp>
+      <p:sp>
+        <p:nvSpPr>
+          <p:cNvPr id="3" name="Title 2"/>
           <p:cNvSpPr>
             <a:spLocks noGrp="1"/>
           </p:cNvSpPr>
@@ -6203,47 +6495,50 @@
         </p:nvSpPr>
         <p:spPr/>
         <p:txBody>
-          <a:bodyPr wrap="square">
-            <a:noAutofit/>
-          </a:bodyPr>
-          <a:lstStyle/>
-          <a:p>
-            <a:r>
-              <a:rPr sz="3200" b="1" i="0">
-                <a:latin typeface="Arial"/>
-              </a:rPr>
-              <a:t>Smith kaart van de zesde oplossing</a:t>
-            </a:r>
-            <a:endParaRPr sz="3200" b="1" i="0">
-              <a:latin typeface="Arial"/>
-            </a:endParaRPr>
-          </a:p>
-        </p:txBody>
-      </p:sp>
-      <p:pic>
-        <p:nvPicPr>
-          <p:cNvPr id="3" name="Picture 2" descr="image.png"/>
-          <p:cNvPicPr>
-            <a:picLocks noChangeAspect="1"/>
-          </p:cNvPicPr>
-          <p:nvPr/>
-        </p:nvPicPr>
-        <p:blipFill>
-          <a:blip r:embed="rId2"/>
-          <a:stretch>
-            <a:fillRect/>
-          </a:stretch>
-        </p:blipFill>
+          <a:bodyPr/>
+          <a:lstStyle/>
+          <a:p/>
+        </p:txBody>
+      </p:sp>
+      <p:sp>
+        <p:nvSpPr>
+          <p:cNvPr id="2" name="Content Placeholder 1"/>
+          <p:cNvSpPr>
+            <a:spLocks noGrp="1"/>
+          </p:cNvSpPr>
+          <p:nvPr>
+            <p:ph idx="1"/>
+          </p:nvPr>
+        </p:nvSpPr>
         <p:spPr>
           <a:xfrm>
-            <a:off x="3307080" y="566928"/>
-            <a:ext cx="5577840" cy="5577840"/>
+            <a:off x="914400" y="566928"/>
+            <a:ext cx="10820400" cy="5669280"/>
           </a:xfrm>
-          <a:prstGeom prst="rect">
-            <a:avLst/>
-          </a:prstGeom>
         </p:spPr>
-      </p:pic>
+        <p:txBody>
+          <a:bodyPr>
+            <a:spAutoFit/>
+          </a:bodyPr>
+          <a:lstStyle/>
+          <a:p/>
+          <a:p>
+            <a:pPr/>
+            <a:r>
+              <a:t>### Oplossing 5: Oplossing 3 waarbij de condensator vervangen is door een open transmissielijn</a:t>
+            </a:r>
+          </a:p>
+          <a:p>
+            <a:pPr/>
+          </a:p>
+          <a:p>
+            <a:pPr/>
+            <a:r>
+              <a:t>De y = 1 - j 0.85 compenseren we door +j 0.85 vertrekkende vanuit g=0.</a:t>
+            </a:r>
+          </a:p>
+        </p:txBody>
+      </p:sp>
     </p:spTree>
   </p:cSld>
   <p:clrMapOvr>
@@ -6264,56 +6559,57 @@
       <p:grpSpPr/>
       <p:sp>
         <p:nvSpPr>
-          <p:cNvPr id="2" name="Content Placeholder 1"/>
-          <p:cNvSpPr>
-            <a:spLocks noGrp="1"/>
-          </p:cNvSpPr>
-          <p:nvPr>
-            <p:ph idx="1"/>
+          <p:cNvPr id="2" name="Title 1"/>
+          <p:cNvSpPr>
+            <a:spLocks noGrp="1"/>
+          </p:cNvSpPr>
+          <p:nvPr>
+            <p:ph type="title"/>
           </p:nvPr>
         </p:nvSpPr>
         <p:spPr/>
         <p:txBody>
-          <a:bodyPr/>
-          <a:lstStyle/>
-          <a:p/>
-          <a:p>
-            <a:pPr/>
-            <a:r>
-              <a:t>&lt;p class="alert alert-success"&gt;</a:t>
-            </a:r>
-          </a:p>
-          <a:p>
-            <a:pPr/>
-            <a:r>
-              <a:t>Het stukje kortgesloten coax dat we moeten voorzien ter vervanging van de condensator is dus: 8.96 cm</a:t>
-            </a:r>
-          </a:p>
-          <a:p>
-            <a:pPr/>
-            <a:r>
-              <a:t>&lt;/p&gt;</a:t>
-            </a:r>
-          </a:p>
-        </p:txBody>
-      </p:sp>
-      <p:sp>
-        <p:nvSpPr>
-          <p:cNvPr id="3" name="Title 2"/>
-          <p:cNvSpPr>
-            <a:spLocks noGrp="1"/>
-          </p:cNvSpPr>
-          <p:nvPr>
-            <p:ph type="title"/>
-          </p:nvPr>
-        </p:nvSpPr>
-        <p:spPr/>
-        <p:txBody>
-          <a:bodyPr/>
-          <a:lstStyle/>
-          <a:p/>
-        </p:txBody>
-      </p:sp>
+          <a:bodyPr wrap="square">
+            <a:noAutofit/>
+          </a:bodyPr>
+          <a:lstStyle/>
+          <a:p>
+            <a:r>
+              <a:rPr sz="3200" b="1" i="0">
+                <a:latin typeface="Arial"/>
+              </a:rPr>
+              <a:t>Smith kaart van de vijfde oplossing</a:t>
+            </a:r>
+            <a:endParaRPr sz="3200" b="1" i="0">
+              <a:latin typeface="Arial"/>
+            </a:endParaRPr>
+          </a:p>
+        </p:txBody>
+      </p:sp>
+      <p:pic>
+        <p:nvPicPr>
+          <p:cNvPr id="3" name="Picture 2" descr="image.png"/>
+          <p:cNvPicPr>
+            <a:picLocks noChangeAspect="1"/>
+          </p:cNvPicPr>
+          <p:nvPr/>
+        </p:nvPicPr>
+        <p:blipFill>
+          <a:blip r:embed="rId2"/>
+          <a:stretch>
+            <a:fillRect/>
+          </a:stretch>
+        </p:blipFill>
+        <p:spPr>
+          <a:xfrm>
+            <a:off x="3261360" y="566928"/>
+            <a:ext cx="5669280" cy="5669280"/>
+          </a:xfrm>
+          <a:prstGeom prst="rect">
+            <a:avLst/>
+          </a:prstGeom>
+        </p:spPr>
+      </p:pic>
     </p:spTree>
   </p:cSld>
   <p:clrMapOvr>
@@ -6334,12 +6630,12 @@
       <p:grpSpPr/>
       <p:sp>
         <p:nvSpPr>
-          <p:cNvPr id="2" name="Title 1"/>
-          <p:cNvSpPr>
-            <a:spLocks noGrp="1"/>
-          </p:cNvSpPr>
-          <p:nvPr>
-            <p:ph type="title"/>
+          <p:cNvPr id="2" name="Content Placeholder 1"/>
+          <p:cNvSpPr>
+            <a:spLocks noGrp="1"/>
+          </p:cNvSpPr>
+          <p:nvPr>
+            <p:ph idx="1"/>
           </p:nvPr>
         </p:nvSpPr>
         <p:spPr/>
@@ -6349,42 +6645,165 @@
           </a:bodyPr>
           <a:lstStyle/>
           <a:p>
-            <a:r>
-              <a:rPr sz="3200" b="1" i="0">
-                <a:latin typeface="Arial"/>
+            <a:pPr>
+              <a:lnSpc>
+                <a:spcPts val="2400"/>
+              </a:lnSpc>
+              <a:defRPr>
+                <a:solidFill>
+                  <a:srgbClr val="000000"/>
+                </a:solidFill>
+              </a:defRPr>
+            </a:pPr>
+            <a:r>
+              <a:rPr sz="2400" b="0" i="0">
+                <a:latin typeface="Courier"/>
               </a:rPr>
-              <a:t>Smith kaart van de zevende oplossing</a:t>
-            </a:r>
-            <a:endParaRPr sz="3200" b="1" i="0">
-              <a:latin typeface="Arial"/>
+              <a:t>hoek    admittantie (Siemens)     lengte coax (cm)</a:t>
+            </a:r>
+            <a:endParaRPr sz="2400" b="0" i="0">
+              <a:latin typeface="Courier"/>
             </a:endParaRPr>
           </a:p>
-        </p:txBody>
-      </p:sp>
-      <p:pic>
-        <p:nvPicPr>
-          <p:cNvPr id="3" name="Picture 2" descr="image.png"/>
-          <p:cNvPicPr>
-            <a:picLocks noChangeAspect="1"/>
-          </p:cNvPicPr>
-          <p:nvPr/>
-        </p:nvPicPr>
-        <p:blipFill>
-          <a:blip r:embed="rId2"/>
-          <a:stretch>
-            <a:fillRect/>
-          </a:stretch>
-        </p:blipFill>
-        <p:spPr>
-          <a:xfrm>
-            <a:off x="3307080" y="566928"/>
-            <a:ext cx="5577840" cy="5577840"/>
-          </a:xfrm>
-          <a:prstGeom prst="rect">
-            <a:avLst/>
-          </a:prstGeom>
-        </p:spPr>
-      </p:pic>
+          <a:p>
+            <a:pPr>
+              <a:lnSpc>
+                <a:spcPts val="2400"/>
+              </a:lnSpc>
+              <a:defRPr>
+                <a:solidFill>
+                  <a:srgbClr val="000000"/>
+                </a:solidFill>
+              </a:defRPr>
+            </a:pPr>
+            <a:r>
+              <a:rPr sz="2400" b="0" i="0">
+                <a:latin typeface="Courier"/>
+              </a:rPr>
+              <a:t> 245    Y= 20.87-16.51j mS     lengte=8.51 cm</a:t>
+            </a:r>
+            <a:endParaRPr sz="2400" b="0" i="0">
+              <a:latin typeface="Courier"/>
+            </a:endParaRPr>
+          </a:p>
+          <a:p>
+            <a:pPr>
+              <a:lnSpc>
+                <a:spcPts val="2400"/>
+              </a:lnSpc>
+              <a:defRPr>
+                <a:solidFill>
+                  <a:srgbClr val="000000"/>
+                </a:solidFill>
+              </a:defRPr>
+            </a:pPr>
+            <a:r>
+              <a:rPr sz="2400" b="0" i="0">
+                <a:latin typeface="Courier"/>
+              </a:rPr>
+              <a:t> 246    Y= 20.57-16.40j mS     lengte=8.54 cm</a:t>
+            </a:r>
+            <a:endParaRPr sz="2400" b="0" i="0">
+              <a:latin typeface="Courier"/>
+            </a:endParaRPr>
+          </a:p>
+          <a:p>
+            <a:pPr>
+              <a:lnSpc>
+                <a:spcPts val="2400"/>
+              </a:lnSpc>
+              <a:defRPr>
+                <a:solidFill>
+                  <a:srgbClr val="000000"/>
+                </a:solidFill>
+              </a:defRPr>
+            </a:pPr>
+            <a:r>
+              <a:rPr sz="2400" b="0" i="0">
+                <a:latin typeface="Courier"/>
+              </a:rPr>
+              <a:t> 247    Y= 20.28-16.29j mS     lengte=8.58 cm</a:t>
+            </a:r>
+            <a:endParaRPr sz="2400" b="0" i="0">
+              <a:latin typeface="Courier"/>
+            </a:endParaRPr>
+          </a:p>
+          <a:p>
+            <a:pPr>
+              <a:lnSpc>
+                <a:spcPts val="2400"/>
+              </a:lnSpc>
+              <a:defRPr>
+                <a:solidFill>
+                  <a:srgbClr val="000000"/>
+                </a:solidFill>
+              </a:defRPr>
+            </a:pPr>
+            <a:r>
+              <a:rPr sz="2400" b="0" i="0">
+                <a:latin typeface="Courier"/>
+              </a:rPr>
+              <a:t> 248    Y= 19.99-16.18j mS     lengte=8.61 cm</a:t>
+            </a:r>
+            <a:endParaRPr sz="2400" b="0" i="0">
+              <a:latin typeface="Courier"/>
+            </a:endParaRPr>
+          </a:p>
+          <a:p>
+            <a:pPr>
+              <a:lnSpc>
+                <a:spcPts val="2400"/>
+              </a:lnSpc>
+              <a:defRPr>
+                <a:solidFill>
+                  <a:srgbClr val="000000"/>
+                </a:solidFill>
+              </a:defRPr>
+            </a:pPr>
+            <a:r>
+              <a:rPr sz="2400" b="0" i="0">
+                <a:latin typeface="Courier"/>
+              </a:rPr>
+              <a:t> 249    Y= 19.71-16.06j mS     lengte=8.65 cm</a:t>
+            </a:r>
+            <a:endParaRPr sz="2400" b="0" i="0">
+              <a:latin typeface="Courier"/>
+            </a:endParaRPr>
+          </a:p>
+          <a:p>
+            <a:pPr>
+              <a:lnSpc>
+                <a:spcPts val="2400"/>
+              </a:lnSpc>
+              <a:defRPr>
+                <a:solidFill>
+                  <a:srgbClr val="000000"/>
+                </a:solidFill>
+              </a:defRPr>
+            </a:pPr>
+            <a:endParaRPr sz="2400" b="0" i="0">
+              <a:latin typeface="Courier"/>
+            </a:endParaRPr>
+          </a:p>
+        </p:txBody>
+      </p:sp>
+      <p:sp>
+        <p:nvSpPr>
+          <p:cNvPr id="3" name="Title 2"/>
+          <p:cNvSpPr>
+            <a:spLocks noGrp="1"/>
+          </p:cNvSpPr>
+          <p:nvPr>
+            <p:ph type="title"/>
+          </p:nvPr>
+        </p:nvSpPr>
+        <p:spPr/>
+        <p:txBody>
+          <a:bodyPr/>
+          <a:lstStyle/>
+          <a:p/>
+        </p:txBody>
+      </p:sp>
     </p:spTree>
   </p:cSld>
   <p:clrMapOvr>
@@ -6448,8 +6867,8 @@
         </p:blipFill>
         <p:spPr>
           <a:xfrm>
-            <a:off x="3307080" y="566928"/>
-            <a:ext cx="5577840" cy="5577840"/>
+            <a:off x="3261360" y="566928"/>
+            <a:ext cx="5669280" cy="5669280"/>
           </a:xfrm>
           <a:prstGeom prst="rect">
             <a:avLst/>
@@ -6476,12 +6895,12 @@
       <p:grpSpPr/>
       <p:sp>
         <p:nvSpPr>
-          <p:cNvPr id="2" name="Title 1"/>
-          <p:cNvSpPr>
-            <a:spLocks noGrp="1"/>
-          </p:cNvSpPr>
-          <p:nvPr>
-            <p:ph type="title"/>
+          <p:cNvPr id="2" name="Content Placeholder 1"/>
+          <p:cNvSpPr>
+            <a:spLocks noGrp="1"/>
+          </p:cNvSpPr>
+          <p:nvPr>
+            <p:ph idx="1"/>
           </p:nvPr>
         </p:nvSpPr>
         <p:spPr/>
@@ -6491,42 +6910,165 @@
           </a:bodyPr>
           <a:lstStyle/>
           <a:p>
-            <a:r>
-              <a:rPr sz="3200" b="1" i="0">
-                <a:latin typeface="Arial"/>
+            <a:pPr>
+              <a:lnSpc>
+                <a:spcPts val="2400"/>
+              </a:lnSpc>
+              <a:defRPr>
+                <a:solidFill>
+                  <a:srgbClr val="000000"/>
+                </a:solidFill>
+              </a:defRPr>
+            </a:pPr>
+            <a:r>
+              <a:rPr sz="2400" b="0" i="0">
+                <a:latin typeface="Courier"/>
               </a:rPr>
-              <a:t>Circuit van de zevende oplossing</a:t>
-            </a:r>
-            <a:endParaRPr sz="3200" b="1" i="0">
-              <a:latin typeface="Arial"/>
+              <a:t>hoek    admittantie (Siemens)     lengte coax (cm)</a:t>
+            </a:r>
+            <a:endParaRPr sz="2400" b="0" i="0">
+              <a:latin typeface="Courier"/>
             </a:endParaRPr>
           </a:p>
-        </p:txBody>
-      </p:sp>
-      <p:pic>
-        <p:nvPicPr>
-          <p:cNvPr id="3" name="Picture 2" descr="image.png"/>
-          <p:cNvPicPr>
-            <a:picLocks noChangeAspect="1"/>
-          </p:cNvPicPr>
-          <p:nvPr/>
-        </p:nvPicPr>
-        <p:blipFill>
-          <a:blip r:embed="rId2"/>
-          <a:stretch>
-            <a:fillRect/>
-          </a:stretch>
-        </p:blipFill>
-        <p:spPr>
-          <a:xfrm>
-            <a:off x="536388" y="566928"/>
-            <a:ext cx="11119224" cy="5577840"/>
-          </a:xfrm>
-          <a:prstGeom prst="rect">
-            <a:avLst/>
-          </a:prstGeom>
-        </p:spPr>
-      </p:pic>
+          <a:p>
+            <a:pPr>
+              <a:lnSpc>
+                <a:spcPts val="2400"/>
+              </a:lnSpc>
+              <a:defRPr>
+                <a:solidFill>
+                  <a:srgbClr val="000000"/>
+                </a:solidFill>
+              </a:defRPr>
+            </a:pPr>
+            <a:r>
+              <a:rPr sz="2400" b="0" i="0">
+                <a:latin typeface="Courier"/>
+              </a:rPr>
+              <a:t>  75       Y= +15.35j mS     lengte=2.60 cm</a:t>
+            </a:r>
+            <a:endParaRPr sz="2400" b="0" i="0">
+              <a:latin typeface="Courier"/>
+            </a:endParaRPr>
+          </a:p>
+          <a:p>
+            <a:pPr>
+              <a:lnSpc>
+                <a:spcPts val="2400"/>
+              </a:lnSpc>
+              <a:defRPr>
+                <a:solidFill>
+                  <a:srgbClr val="000000"/>
+                </a:solidFill>
+              </a:defRPr>
+            </a:pPr>
+            <a:r>
+              <a:rPr sz="2400" b="0" i="0">
+                <a:latin typeface="Courier"/>
+              </a:rPr>
+              <a:t>  76       Y= +15.63j mS     lengte=2.64 cm</a:t>
+            </a:r>
+            <a:endParaRPr sz="2400" b="0" i="0">
+              <a:latin typeface="Courier"/>
+            </a:endParaRPr>
+          </a:p>
+          <a:p>
+            <a:pPr>
+              <a:lnSpc>
+                <a:spcPts val="2400"/>
+              </a:lnSpc>
+              <a:defRPr>
+                <a:solidFill>
+                  <a:srgbClr val="000000"/>
+                </a:solidFill>
+              </a:defRPr>
+            </a:pPr>
+            <a:r>
+              <a:rPr sz="2400" b="0" i="0">
+                <a:latin typeface="Courier"/>
+              </a:rPr>
+              <a:t>  77       Y= +15.91j mS     lengte=2.67 cm</a:t>
+            </a:r>
+            <a:endParaRPr sz="2400" b="0" i="0">
+              <a:latin typeface="Courier"/>
+            </a:endParaRPr>
+          </a:p>
+          <a:p>
+            <a:pPr>
+              <a:lnSpc>
+                <a:spcPts val="2400"/>
+              </a:lnSpc>
+              <a:defRPr>
+                <a:solidFill>
+                  <a:srgbClr val="000000"/>
+                </a:solidFill>
+              </a:defRPr>
+            </a:pPr>
+            <a:r>
+              <a:rPr sz="2400" b="0" i="0">
+                <a:latin typeface="Courier"/>
+              </a:rPr>
+              <a:t>  78       Y= +16.20j mS     lengte=2.71 cm</a:t>
+            </a:r>
+            <a:endParaRPr sz="2400" b="0" i="0">
+              <a:latin typeface="Courier"/>
+            </a:endParaRPr>
+          </a:p>
+          <a:p>
+            <a:pPr>
+              <a:lnSpc>
+                <a:spcPts val="2400"/>
+              </a:lnSpc>
+              <a:defRPr>
+                <a:solidFill>
+                  <a:srgbClr val="000000"/>
+                </a:solidFill>
+              </a:defRPr>
+            </a:pPr>
+            <a:r>
+              <a:rPr sz="2400" b="0" i="0">
+                <a:latin typeface="Courier"/>
+              </a:rPr>
+              <a:t>  79       Y= +16.49j mS     lengte=2.74 cm</a:t>
+            </a:r>
+            <a:endParaRPr sz="2400" b="0" i="0">
+              <a:latin typeface="Courier"/>
+            </a:endParaRPr>
+          </a:p>
+          <a:p>
+            <a:pPr>
+              <a:lnSpc>
+                <a:spcPts val="2400"/>
+              </a:lnSpc>
+              <a:defRPr>
+                <a:solidFill>
+                  <a:srgbClr val="000000"/>
+                </a:solidFill>
+              </a:defRPr>
+            </a:pPr>
+            <a:endParaRPr sz="2400" b="0" i="0">
+              <a:latin typeface="Courier"/>
+            </a:endParaRPr>
+          </a:p>
+        </p:txBody>
+      </p:sp>
+      <p:sp>
+        <p:nvSpPr>
+          <p:cNvPr id="3" name="Title 2"/>
+          <p:cNvSpPr>
+            <a:spLocks noGrp="1"/>
+          </p:cNvSpPr>
+          <p:nvPr>
+            <p:ph type="title"/>
+          </p:nvPr>
+        </p:nvSpPr>
+        <p:spPr/>
+        <p:txBody>
+          <a:bodyPr/>
+          <a:lstStyle/>
+          <a:p/>
+        </p:txBody>
+      </p:sp>
     </p:spTree>
   </p:cSld>
   <p:clrMapOvr>
@@ -6547,59 +7089,57 @@
       <p:grpSpPr/>
       <p:sp>
         <p:nvSpPr>
-          <p:cNvPr id="2" name="Content Placeholder 1"/>
-          <p:cNvSpPr>
-            <a:spLocks noGrp="1"/>
-          </p:cNvSpPr>
-          <p:nvPr>
-            <p:ph idx="1"/>
+          <p:cNvPr id="2" name="Title 1"/>
+          <p:cNvSpPr>
+            <a:spLocks noGrp="1"/>
+          </p:cNvSpPr>
+          <p:nvPr>
+            <p:ph type="title"/>
           </p:nvPr>
         </p:nvSpPr>
         <p:spPr/>
         <p:txBody>
-          <a:bodyPr/>
-          <a:lstStyle/>
-          <a:p/>
-          <a:p>
-            <a:pPr/>
-            <a:r>
-              <a:t>### Oplossing 8: Oplossing 4 waarbij het spoel vervangen is door een kortgesloten transmissielijn</a:t>
-            </a:r>
-          </a:p>
-          <a:p>
-            <a:pPr/>
-          </a:p>
-          <a:p>
-            <a:pPr/>
-            <a:r>
-              <a:t>De y = 1 + j 0.85 compenseren we door -j 0.85 vertrekkende vanuit g=</a:t>
-            </a:r>
-            <a:r>
-              <a:t>∞</a:t>
-            </a:r>
-            <a:r>
-              <a:t>.</a:t>
-            </a:r>
-          </a:p>
-        </p:txBody>
-      </p:sp>
-      <p:sp>
-        <p:nvSpPr>
-          <p:cNvPr id="3" name="Title 2"/>
-          <p:cNvSpPr>
-            <a:spLocks noGrp="1"/>
-          </p:cNvSpPr>
-          <p:nvPr>
-            <p:ph type="title"/>
-          </p:nvPr>
-        </p:nvSpPr>
-        <p:spPr/>
-        <p:txBody>
-          <a:bodyPr/>
-          <a:lstStyle/>
-          <a:p/>
-        </p:txBody>
-      </p:sp>
+          <a:bodyPr wrap="square">
+            <a:noAutofit/>
+          </a:bodyPr>
+          <a:lstStyle/>
+          <a:p>
+            <a:r>
+              <a:rPr sz="3200" b="1" i="0">
+                <a:latin typeface="Arial"/>
+              </a:rPr>
+              <a:t>Circuit van de vijfde oplossing</a:t>
+            </a:r>
+            <a:endParaRPr sz="3200" b="1" i="0">
+              <a:latin typeface="Arial"/>
+            </a:endParaRPr>
+          </a:p>
+        </p:txBody>
+      </p:sp>
+      <p:pic>
+        <p:nvPicPr>
+          <p:cNvPr id="3" name="Picture 2" descr="image.png"/>
+          <p:cNvPicPr>
+            <a:picLocks noChangeAspect="1"/>
+          </p:cNvPicPr>
+          <p:nvPr/>
+        </p:nvPicPr>
+        <p:blipFill>
+          <a:blip r:embed="rId2"/>
+          <a:stretch>
+            <a:fillRect/>
+          </a:stretch>
+        </p:blipFill>
+        <p:spPr>
+          <a:xfrm>
+            <a:off x="445247" y="566928"/>
+            <a:ext cx="11301506" cy="5669280"/>
+          </a:xfrm>
+          <a:prstGeom prst="rect">
+            <a:avLst/>
+          </a:prstGeom>
+        </p:spPr>
+      </p:pic>
     </p:spTree>
   </p:cSld>
   <p:clrMapOvr>
@@ -6620,7 +7160,24 @@
       <p:grpSpPr/>
       <p:sp>
         <p:nvSpPr>
-          <p:cNvPr id="2" name="Title 1"/>
+          <p:cNvPr id="2" name="Content Placeholder 1"/>
+          <p:cNvSpPr>
+            <a:spLocks noGrp="1"/>
+          </p:cNvSpPr>
+          <p:nvPr>
+            <p:ph idx="1"/>
+          </p:nvPr>
+        </p:nvSpPr>
+        <p:spPr/>
+        <p:txBody>
+          <a:bodyPr/>
+          <a:lstStyle/>
+          <a:p/>
+        </p:txBody>
+      </p:sp>
+      <p:sp>
+        <p:nvSpPr>
+          <p:cNvPr id="3" name="Title 2"/>
           <p:cNvSpPr>
             <a:spLocks noGrp="1"/>
           </p:cNvSpPr>
@@ -6630,47 +7187,56 @@
         </p:nvSpPr>
         <p:spPr/>
         <p:txBody>
-          <a:bodyPr wrap="square">
-            <a:noAutofit/>
-          </a:bodyPr>
-          <a:lstStyle/>
-          <a:p>
-            <a:r>
-              <a:rPr sz="3200" b="1" i="0">
-                <a:latin typeface="Arial"/>
-              </a:rPr>
-              <a:t>Smith kaart van de achtste oplossing</a:t>
-            </a:r>
-            <a:endParaRPr sz="3200" b="1" i="0">
-              <a:latin typeface="Arial"/>
-            </a:endParaRPr>
-          </a:p>
-        </p:txBody>
-      </p:sp>
-      <p:pic>
-        <p:nvPicPr>
-          <p:cNvPr id="3" name="Picture 2" descr="image.png"/>
-          <p:cNvPicPr>
-            <a:picLocks noChangeAspect="1"/>
-          </p:cNvPicPr>
-          <p:nvPr/>
-        </p:nvPicPr>
-        <p:blipFill>
-          <a:blip r:embed="rId2"/>
-          <a:stretch>
-            <a:fillRect/>
-          </a:stretch>
-        </p:blipFill>
+          <a:bodyPr/>
+          <a:lstStyle/>
+          <a:p/>
+        </p:txBody>
+      </p:sp>
+      <p:sp>
+        <p:nvSpPr>
+          <p:cNvPr id="2" name="Content Placeholder 1"/>
+          <p:cNvSpPr>
+            <a:spLocks noGrp="1"/>
+          </p:cNvSpPr>
+          <p:nvPr>
+            <p:ph idx="1"/>
+          </p:nvPr>
+        </p:nvSpPr>
         <p:spPr>
           <a:xfrm>
-            <a:off x="3307080" y="566928"/>
-            <a:ext cx="5577840" cy="5577840"/>
+            <a:off x="914400" y="566928"/>
+            <a:ext cx="10820400" cy="5669280"/>
           </a:xfrm>
-          <a:prstGeom prst="rect">
-            <a:avLst/>
-          </a:prstGeom>
         </p:spPr>
-      </p:pic>
+        <p:txBody>
+          <a:bodyPr>
+            <a:spAutoFit/>
+          </a:bodyPr>
+          <a:lstStyle/>
+          <a:p/>
+          <a:p>
+            <a:pPr/>
+            <a:r>
+              <a:t>### Oplossing 6: Oplossing 3 waarbij de condensator vervangen is door een kortgesloten transmissielijn</a:t>
+            </a:r>
+          </a:p>
+          <a:p>
+            <a:pPr/>
+          </a:p>
+          <a:p>
+            <a:pPr/>
+            <a:r>
+              <a:t>De y = 1 - j 0.85 compenseren we door +j 0.85 vertrekkende vanuit g=</a:t>
+            </a:r>
+            <a:r>
+              <a:t>∞</a:t>
+            </a:r>
+            <a:r>
+              <a:t>.</a:t>
+            </a:r>
+          </a:p>
+        </p:txBody>
+      </p:sp>
     </p:spTree>
   </p:cSld>
   <p:clrMapOvr>
@@ -6710,7 +7276,7 @@
               <a:rPr sz="3200" b="1" i="0">
                 <a:latin typeface="Arial"/>
               </a:rPr>
-              <a:t>circuit van de achtste oplossing</a:t>
+              <a:t>Smith kaart van de zesde oplossing</a:t>
             </a:r>
             <a:endParaRPr sz="3200" b="1" i="0">
               <a:latin typeface="Arial"/>
@@ -6734,8 +7300,8 @@
         </p:blipFill>
         <p:spPr>
           <a:xfrm>
-            <a:off x="536388" y="566928"/>
-            <a:ext cx="11119224" cy="5577840"/>
+            <a:off x="3261360" y="566928"/>
+            <a:ext cx="5669280" cy="5669280"/>
           </a:xfrm>
           <a:prstGeom prst="rect">
             <a:avLst/>
@@ -6760,6 +7326,161 @@
         <p:nvPr/>
       </p:nvGrpSpPr>
       <p:grpSpPr/>
+      <p:sp>
+        <p:nvSpPr>
+          <p:cNvPr id="2" name="Content Placeholder 1"/>
+          <p:cNvSpPr>
+            <a:spLocks noGrp="1"/>
+          </p:cNvSpPr>
+          <p:nvPr>
+            <p:ph idx="1"/>
+          </p:nvPr>
+        </p:nvSpPr>
+        <p:spPr/>
+        <p:txBody>
+          <a:bodyPr wrap="square">
+            <a:noAutofit/>
+          </a:bodyPr>
+          <a:lstStyle/>
+          <a:p>
+            <a:pPr>
+              <a:lnSpc>
+                <a:spcPts val="2400"/>
+              </a:lnSpc>
+              <a:defRPr>
+                <a:solidFill>
+                  <a:srgbClr val="000000"/>
+                </a:solidFill>
+              </a:defRPr>
+            </a:pPr>
+            <a:r>
+              <a:rPr sz="2400" b="0" i="0">
+                <a:latin typeface="Courier"/>
+              </a:rPr>
+              <a:t>hoek    admitantie (Siemens)     lengte coax (cm)</a:t>
+            </a:r>
+            <a:endParaRPr sz="2400" b="0" i="0">
+              <a:latin typeface="Courier"/>
+            </a:endParaRPr>
+          </a:p>
+          <a:p>
+            <a:pPr>
+              <a:lnSpc>
+                <a:spcPts val="2400"/>
+              </a:lnSpc>
+              <a:defRPr>
+                <a:solidFill>
+                  <a:srgbClr val="000000"/>
+                </a:solidFill>
+              </a:defRPr>
+            </a:pPr>
+            <a:r>
+              <a:rPr sz="2400" b="0" i="0">
+                <a:latin typeface="Courier"/>
+              </a:rPr>
+              <a:t> 245    Y= 20.87-16.51j mS     lengte=8.51 cm</a:t>
+            </a:r>
+            <a:endParaRPr sz="2400" b="0" i="0">
+              <a:latin typeface="Courier"/>
+            </a:endParaRPr>
+          </a:p>
+          <a:p>
+            <a:pPr>
+              <a:lnSpc>
+                <a:spcPts val="2400"/>
+              </a:lnSpc>
+              <a:defRPr>
+                <a:solidFill>
+                  <a:srgbClr val="000000"/>
+                </a:solidFill>
+              </a:defRPr>
+            </a:pPr>
+            <a:r>
+              <a:rPr sz="2400" b="0" i="0">
+                <a:latin typeface="Courier"/>
+              </a:rPr>
+              <a:t> 246    Y= 20.57-16.40j mS     lengte=8.54 cm</a:t>
+            </a:r>
+            <a:endParaRPr sz="2400" b="0" i="0">
+              <a:latin typeface="Courier"/>
+            </a:endParaRPr>
+          </a:p>
+          <a:p>
+            <a:pPr>
+              <a:lnSpc>
+                <a:spcPts val="2400"/>
+              </a:lnSpc>
+              <a:defRPr>
+                <a:solidFill>
+                  <a:srgbClr val="000000"/>
+                </a:solidFill>
+              </a:defRPr>
+            </a:pPr>
+            <a:r>
+              <a:rPr sz="2400" b="0" i="0">
+                <a:latin typeface="Courier"/>
+              </a:rPr>
+              <a:t> 247    Y= 20.28-16.29j mS     lengte=8.58 cm</a:t>
+            </a:r>
+            <a:endParaRPr sz="2400" b="0" i="0">
+              <a:latin typeface="Courier"/>
+            </a:endParaRPr>
+          </a:p>
+          <a:p>
+            <a:pPr>
+              <a:lnSpc>
+                <a:spcPts val="2400"/>
+              </a:lnSpc>
+              <a:defRPr>
+                <a:solidFill>
+                  <a:srgbClr val="000000"/>
+                </a:solidFill>
+              </a:defRPr>
+            </a:pPr>
+            <a:r>
+              <a:rPr sz="2400" b="0" i="0">
+                <a:latin typeface="Courier"/>
+              </a:rPr>
+              <a:t> 248    Y= 19.99-16.18j mS     lengte=8.61 cm</a:t>
+            </a:r>
+            <a:endParaRPr sz="2400" b="0" i="0">
+              <a:latin typeface="Courier"/>
+            </a:endParaRPr>
+          </a:p>
+          <a:p>
+            <a:pPr>
+              <a:lnSpc>
+                <a:spcPts val="2400"/>
+              </a:lnSpc>
+              <a:defRPr>
+                <a:solidFill>
+                  <a:srgbClr val="000000"/>
+                </a:solidFill>
+              </a:defRPr>
+            </a:pPr>
+            <a:endParaRPr sz="2400" b="0" i="0">
+              <a:latin typeface="Courier"/>
+            </a:endParaRPr>
+          </a:p>
+        </p:txBody>
+      </p:sp>
+      <p:sp>
+        <p:nvSpPr>
+          <p:cNvPr id="3" name="Title 2"/>
+          <p:cNvSpPr>
+            <a:spLocks noGrp="1"/>
+          </p:cNvSpPr>
+          <p:nvPr>
+            <p:ph type="title"/>
+          </p:nvPr>
+        </p:nvSpPr>
+        <p:spPr/>
+        <p:txBody>
+          <a:bodyPr/>
+          <a:lstStyle/>
+          <a:p/>
+        </p:txBody>
+      </p:sp>
     </p:spTree>
   </p:cSld>
   <p:clrMapOvr>
@@ -6778,6 +7499,735 @@
         <p:nvPr/>
       </p:nvGrpSpPr>
       <p:grpSpPr/>
+      <p:sp>
+        <p:nvSpPr>
+          <p:cNvPr id="2" name="Content Placeholder 1"/>
+          <p:cNvSpPr>
+            <a:spLocks noGrp="1"/>
+          </p:cNvSpPr>
+          <p:nvPr>
+            <p:ph idx="1"/>
+          </p:nvPr>
+        </p:nvSpPr>
+        <p:spPr/>
+        <p:txBody>
+          <a:bodyPr wrap="square">
+            <a:noAutofit/>
+          </a:bodyPr>
+          <a:lstStyle/>
+          <a:p>
+            <a:pPr>
+              <a:lnSpc>
+                <a:spcPts val="2400"/>
+              </a:lnSpc>
+              <a:defRPr>
+                <a:solidFill>
+                  <a:srgbClr val="000000"/>
+                </a:solidFill>
+              </a:defRPr>
+            </a:pPr>
+            <a:r>
+              <a:rPr sz="2400" b="0" i="0">
+                <a:latin typeface="Courier"/>
+              </a:rPr>
+              <a:t>hoek    admitantie (Siemens)     lengte coax (cm)</a:t>
+            </a:r>
+            <a:endParaRPr sz="2400" b="0" i="0">
+              <a:latin typeface="Courier"/>
+            </a:endParaRPr>
+          </a:p>
+          <a:p>
+            <a:pPr>
+              <a:lnSpc>
+                <a:spcPts val="2400"/>
+              </a:lnSpc>
+              <a:defRPr>
+                <a:solidFill>
+                  <a:srgbClr val="000000"/>
+                </a:solidFill>
+              </a:defRPr>
+            </a:pPr>
+            <a:r>
+              <a:rPr sz="2400" b="0" i="0">
+                <a:latin typeface="Courier"/>
+              </a:rPr>
+              <a:t> 255       Y= +15.35j mS     lengte=8.85 cm</a:t>
+            </a:r>
+            <a:endParaRPr sz="2400" b="0" i="0">
+              <a:latin typeface="Courier"/>
+            </a:endParaRPr>
+          </a:p>
+          <a:p>
+            <a:pPr>
+              <a:lnSpc>
+                <a:spcPts val="2400"/>
+              </a:lnSpc>
+              <a:defRPr>
+                <a:solidFill>
+                  <a:srgbClr val="000000"/>
+                </a:solidFill>
+              </a:defRPr>
+            </a:pPr>
+            <a:r>
+              <a:rPr sz="2400" b="0" i="0">
+                <a:latin typeface="Courier"/>
+              </a:rPr>
+              <a:t> 256       Y= +15.63j mS     lengte=8.89 cm</a:t>
+            </a:r>
+            <a:endParaRPr sz="2400" b="0" i="0">
+              <a:latin typeface="Courier"/>
+            </a:endParaRPr>
+          </a:p>
+          <a:p>
+            <a:pPr>
+              <a:lnSpc>
+                <a:spcPts val="2400"/>
+              </a:lnSpc>
+              <a:defRPr>
+                <a:solidFill>
+                  <a:srgbClr val="000000"/>
+                </a:solidFill>
+              </a:defRPr>
+            </a:pPr>
+            <a:r>
+              <a:rPr sz="2400" b="0" i="0">
+                <a:latin typeface="Courier"/>
+              </a:rPr>
+              <a:t> 257       Y= +15.91j mS     lengte=8.92 cm</a:t>
+            </a:r>
+            <a:endParaRPr sz="2400" b="0" i="0">
+              <a:latin typeface="Courier"/>
+            </a:endParaRPr>
+          </a:p>
+          <a:p>
+            <a:pPr>
+              <a:lnSpc>
+                <a:spcPts val="2400"/>
+              </a:lnSpc>
+              <a:defRPr>
+                <a:solidFill>
+                  <a:srgbClr val="000000"/>
+                </a:solidFill>
+              </a:defRPr>
+            </a:pPr>
+            <a:r>
+              <a:rPr sz="2400" b="0" i="0">
+                <a:latin typeface="Courier"/>
+              </a:rPr>
+              <a:t> 258       Y= +16.20j mS     lengte=8.96 cm</a:t>
+            </a:r>
+            <a:endParaRPr sz="2400" b="0" i="0">
+              <a:latin typeface="Courier"/>
+            </a:endParaRPr>
+          </a:p>
+          <a:p>
+            <a:pPr>
+              <a:lnSpc>
+                <a:spcPts val="2400"/>
+              </a:lnSpc>
+              <a:defRPr>
+                <a:solidFill>
+                  <a:srgbClr val="000000"/>
+                </a:solidFill>
+              </a:defRPr>
+            </a:pPr>
+            <a:r>
+              <a:rPr sz="2400" b="0" i="0">
+                <a:latin typeface="Courier"/>
+              </a:rPr>
+              <a:t> 259       Y= +16.49j mS     lengte=8.99 cm</a:t>
+            </a:r>
+            <a:endParaRPr sz="2400" b="0" i="0">
+              <a:latin typeface="Courier"/>
+            </a:endParaRPr>
+          </a:p>
+          <a:p>
+            <a:pPr>
+              <a:lnSpc>
+                <a:spcPts val="2400"/>
+              </a:lnSpc>
+              <a:defRPr>
+                <a:solidFill>
+                  <a:srgbClr val="000000"/>
+                </a:solidFill>
+              </a:defRPr>
+            </a:pPr>
+            <a:endParaRPr sz="2400" b="0" i="0">
+              <a:latin typeface="Courier"/>
+            </a:endParaRPr>
+          </a:p>
+        </p:txBody>
+      </p:sp>
+      <p:sp>
+        <p:nvSpPr>
+          <p:cNvPr id="3" name="Title 2"/>
+          <p:cNvSpPr>
+            <a:spLocks noGrp="1"/>
+          </p:cNvSpPr>
+          <p:nvPr>
+            <p:ph type="title"/>
+          </p:nvPr>
+        </p:nvSpPr>
+        <p:spPr/>
+        <p:txBody>
+          <a:bodyPr/>
+          <a:lstStyle/>
+          <a:p/>
+        </p:txBody>
+      </p:sp>
+    </p:spTree>
+  </p:cSld>
+  <p:clrMapOvr>
+    <a:masterClrMapping/>
+  </p:clrMapOvr>
+</p:sld>
+</file>
+
+<file path=ppt/slides/slide26.xml><?xml version="1.0" encoding="utf-8"?>
+<p:sld xmlns:a="http://schemas.openxmlformats.org/drawingml/2006/main" xmlns:p="http://schemas.openxmlformats.org/presentationml/2006/main" xmlns:r="http://schemas.openxmlformats.org/officeDocument/2006/relationships">
+  <p:cSld>
+    <p:spTree>
+      <p:nvGrpSpPr>
+        <p:cNvPr id="1" name=""/>
+        <p:cNvGrpSpPr/>
+        <p:nvPr/>
+      </p:nvGrpSpPr>
+      <p:grpSpPr/>
+      <p:sp>
+        <p:nvSpPr>
+          <p:cNvPr id="2" name="Content Placeholder 1"/>
+          <p:cNvSpPr>
+            <a:spLocks noGrp="1"/>
+          </p:cNvSpPr>
+          <p:nvPr>
+            <p:ph idx="1"/>
+          </p:nvPr>
+        </p:nvSpPr>
+        <p:spPr/>
+        <p:txBody>
+          <a:bodyPr/>
+          <a:lstStyle/>
+          <a:p/>
+        </p:txBody>
+      </p:sp>
+      <p:sp>
+        <p:nvSpPr>
+          <p:cNvPr id="3" name="Title 2"/>
+          <p:cNvSpPr>
+            <a:spLocks noGrp="1"/>
+          </p:cNvSpPr>
+          <p:nvPr>
+            <p:ph type="title"/>
+          </p:nvPr>
+        </p:nvSpPr>
+        <p:spPr/>
+        <p:txBody>
+          <a:bodyPr/>
+          <a:lstStyle/>
+          <a:p/>
+        </p:txBody>
+      </p:sp>
+      <p:sp>
+        <p:nvSpPr>
+          <p:cNvPr id="2" name="Content Placeholder 1"/>
+          <p:cNvSpPr>
+            <a:spLocks noGrp="1"/>
+          </p:cNvSpPr>
+          <p:nvPr>
+            <p:ph idx="1"/>
+          </p:nvPr>
+        </p:nvSpPr>
+        <p:spPr>
+          <a:xfrm>
+            <a:off x="914400" y="566928"/>
+            <a:ext cx="10820400" cy="5669280"/>
+          </a:xfrm>
+        </p:spPr>
+        <p:txBody>
+          <a:bodyPr>
+            <a:spAutoFit/>
+          </a:bodyPr>
+          <a:lstStyle/>
+          <a:p/>
+          <a:p>
+            <a:pPr/>
+            <a:r>
+              <a:t>&lt;p class="alert alert-success"&gt;</a:t>
+            </a:r>
+          </a:p>
+          <a:p>
+            <a:pPr/>
+            <a:r>
+              <a:t>Het stukje kortgesloten coax dat we moeten voorzien ter vervanging van de condensator is dus: 8.96 cm</a:t>
+            </a:r>
+          </a:p>
+          <a:p>
+            <a:pPr/>
+            <a:r>
+              <a:t>&lt;/p&gt;</a:t>
+            </a:r>
+          </a:p>
+        </p:txBody>
+      </p:sp>
+    </p:spTree>
+  </p:cSld>
+  <p:clrMapOvr>
+    <a:masterClrMapping/>
+  </p:clrMapOvr>
+</p:sld>
+</file>
+
+<file path=ppt/slides/slide27.xml><?xml version="1.0" encoding="utf-8"?>
+<p:sld xmlns:a="http://schemas.openxmlformats.org/drawingml/2006/main" xmlns:p="http://schemas.openxmlformats.org/presentationml/2006/main" xmlns:r="http://schemas.openxmlformats.org/officeDocument/2006/relationships">
+  <p:cSld>
+    <p:spTree>
+      <p:nvGrpSpPr>
+        <p:cNvPr id="1" name=""/>
+        <p:cNvGrpSpPr/>
+        <p:nvPr/>
+      </p:nvGrpSpPr>
+      <p:grpSpPr/>
+      <p:sp>
+        <p:nvSpPr>
+          <p:cNvPr id="2" name="Title 1"/>
+          <p:cNvSpPr>
+            <a:spLocks noGrp="1"/>
+          </p:cNvSpPr>
+          <p:nvPr>
+            <p:ph type="title"/>
+          </p:nvPr>
+        </p:nvSpPr>
+        <p:spPr/>
+        <p:txBody>
+          <a:bodyPr wrap="square">
+            <a:noAutofit/>
+          </a:bodyPr>
+          <a:lstStyle/>
+          <a:p>
+            <a:r>
+              <a:rPr sz="3200" b="1" i="0">
+                <a:latin typeface="Arial"/>
+              </a:rPr>
+              <a:t>Smith kaart van de zevende oplossing</a:t>
+            </a:r>
+            <a:endParaRPr sz="3200" b="1" i="0">
+              <a:latin typeface="Arial"/>
+            </a:endParaRPr>
+          </a:p>
+        </p:txBody>
+      </p:sp>
+      <p:pic>
+        <p:nvPicPr>
+          <p:cNvPr id="3" name="Picture 2" descr="image.png"/>
+          <p:cNvPicPr>
+            <a:picLocks noChangeAspect="1"/>
+          </p:cNvPicPr>
+          <p:nvPr/>
+        </p:nvPicPr>
+        <p:blipFill>
+          <a:blip r:embed="rId2"/>
+          <a:stretch>
+            <a:fillRect/>
+          </a:stretch>
+        </p:blipFill>
+        <p:spPr>
+          <a:xfrm>
+            <a:off x="3261360" y="566928"/>
+            <a:ext cx="5669280" cy="5669280"/>
+          </a:xfrm>
+          <a:prstGeom prst="rect">
+            <a:avLst/>
+          </a:prstGeom>
+        </p:spPr>
+      </p:pic>
+    </p:spTree>
+  </p:cSld>
+  <p:clrMapOvr>
+    <a:masterClrMapping/>
+  </p:clrMapOvr>
+</p:sld>
+</file>
+
+<file path=ppt/slides/slide28.xml><?xml version="1.0" encoding="utf-8"?>
+<p:sld xmlns:a="http://schemas.openxmlformats.org/drawingml/2006/main" xmlns:p="http://schemas.openxmlformats.org/presentationml/2006/main" xmlns:r="http://schemas.openxmlformats.org/officeDocument/2006/relationships">
+  <p:cSld>
+    <p:spTree>
+      <p:nvGrpSpPr>
+        <p:cNvPr id="1" name=""/>
+        <p:cNvGrpSpPr/>
+        <p:nvPr/>
+      </p:nvGrpSpPr>
+      <p:grpSpPr/>
+      <p:sp>
+        <p:nvSpPr>
+          <p:cNvPr id="2" name="Content Placeholder 1"/>
+          <p:cNvSpPr>
+            <a:spLocks noGrp="1"/>
+          </p:cNvSpPr>
+          <p:nvPr>
+            <p:ph idx="1"/>
+          </p:nvPr>
+        </p:nvSpPr>
+        <p:spPr/>
+        <p:txBody>
+          <a:bodyPr wrap="square">
+            <a:noAutofit/>
+          </a:bodyPr>
+          <a:lstStyle/>
+          <a:p>
+            <a:pPr>
+              <a:lnSpc>
+                <a:spcPts val="2400"/>
+              </a:lnSpc>
+              <a:defRPr>
+                <a:solidFill>
+                  <a:srgbClr val="000000"/>
+                </a:solidFill>
+              </a:defRPr>
+            </a:pPr>
+            <a:r>
+              <a:rPr sz="2400" b="0" i="0">
+                <a:latin typeface="Courier"/>
+              </a:rPr>
+              <a:t>hoek    admitantie (Siemens)     lengte coax (cm)</a:t>
+            </a:r>
+            <a:endParaRPr sz="2400" b="0" i="0">
+              <a:latin typeface="Courier"/>
+            </a:endParaRPr>
+          </a:p>
+          <a:p>
+            <a:pPr>
+              <a:lnSpc>
+                <a:spcPts val="2400"/>
+              </a:lnSpc>
+              <a:defRPr>
+                <a:solidFill>
+                  <a:srgbClr val="000000"/>
+                </a:solidFill>
+              </a:defRPr>
+            </a:pPr>
+            <a:r>
+              <a:rPr sz="2400" b="0" i="0">
+                <a:latin typeface="Courier"/>
+              </a:rPr>
+              <a:t> 110    Y= 19.44+15.94j mS     lengte=3.82 cm</a:t>
+            </a:r>
+            <a:endParaRPr sz="2400" b="0" i="0">
+              <a:latin typeface="Courier"/>
+            </a:endParaRPr>
+          </a:p>
+          <a:p>
+            <a:pPr>
+              <a:lnSpc>
+                <a:spcPts val="2400"/>
+              </a:lnSpc>
+              <a:defRPr>
+                <a:solidFill>
+                  <a:srgbClr val="000000"/>
+                </a:solidFill>
+              </a:defRPr>
+            </a:pPr>
+            <a:r>
+              <a:rPr sz="2400" b="0" i="0">
+                <a:latin typeface="Courier"/>
+              </a:rPr>
+              <a:t> 111    Y= 19.71+16.06j mS     lengte=3.85 cm</a:t>
+            </a:r>
+            <a:endParaRPr sz="2400" b="0" i="0">
+              <a:latin typeface="Courier"/>
+            </a:endParaRPr>
+          </a:p>
+          <a:p>
+            <a:pPr>
+              <a:lnSpc>
+                <a:spcPts val="2400"/>
+              </a:lnSpc>
+              <a:defRPr>
+                <a:solidFill>
+                  <a:srgbClr val="000000"/>
+                </a:solidFill>
+              </a:defRPr>
+            </a:pPr>
+            <a:r>
+              <a:rPr sz="2400" b="0" i="0">
+                <a:latin typeface="Courier"/>
+              </a:rPr>
+              <a:t> 112    Y= 19.99+16.18j mS     lengte=3.89 cm</a:t>
+            </a:r>
+            <a:endParaRPr sz="2400" b="0" i="0">
+              <a:latin typeface="Courier"/>
+            </a:endParaRPr>
+          </a:p>
+          <a:p>
+            <a:pPr>
+              <a:lnSpc>
+                <a:spcPts val="2400"/>
+              </a:lnSpc>
+              <a:defRPr>
+                <a:solidFill>
+                  <a:srgbClr val="000000"/>
+                </a:solidFill>
+              </a:defRPr>
+            </a:pPr>
+            <a:r>
+              <a:rPr sz="2400" b="0" i="0">
+                <a:latin typeface="Courier"/>
+              </a:rPr>
+              <a:t> 113    Y= 20.28+16.29j mS     lengte=3.92 cm</a:t>
+            </a:r>
+            <a:endParaRPr sz="2400" b="0" i="0">
+              <a:latin typeface="Courier"/>
+            </a:endParaRPr>
+          </a:p>
+          <a:p>
+            <a:pPr>
+              <a:lnSpc>
+                <a:spcPts val="2400"/>
+              </a:lnSpc>
+              <a:defRPr>
+                <a:solidFill>
+                  <a:srgbClr val="000000"/>
+                </a:solidFill>
+              </a:defRPr>
+            </a:pPr>
+            <a:r>
+              <a:rPr sz="2400" b="0" i="0">
+                <a:latin typeface="Courier"/>
+              </a:rPr>
+              <a:t> 114    Y= 20.57+16.40j mS     lengte=3.96 cm</a:t>
+            </a:r>
+            <a:endParaRPr sz="2400" b="0" i="0">
+              <a:latin typeface="Courier"/>
+            </a:endParaRPr>
+          </a:p>
+          <a:p>
+            <a:pPr>
+              <a:lnSpc>
+                <a:spcPts val="2400"/>
+              </a:lnSpc>
+              <a:defRPr>
+                <a:solidFill>
+                  <a:srgbClr val="000000"/>
+                </a:solidFill>
+              </a:defRPr>
+            </a:pPr>
+            <a:endParaRPr sz="2400" b="0" i="0">
+              <a:latin typeface="Courier"/>
+            </a:endParaRPr>
+          </a:p>
+        </p:txBody>
+      </p:sp>
+      <p:sp>
+        <p:nvSpPr>
+          <p:cNvPr id="3" name="Title 2"/>
+          <p:cNvSpPr>
+            <a:spLocks noGrp="1"/>
+          </p:cNvSpPr>
+          <p:nvPr>
+            <p:ph type="title"/>
+          </p:nvPr>
+        </p:nvSpPr>
+        <p:spPr/>
+        <p:txBody>
+          <a:bodyPr/>
+          <a:lstStyle/>
+          <a:p/>
+        </p:txBody>
+      </p:sp>
+    </p:spTree>
+  </p:cSld>
+  <p:clrMapOvr>
+    <a:masterClrMapping/>
+  </p:clrMapOvr>
+</p:sld>
+</file>
+
+<file path=ppt/slides/slide29.xml><?xml version="1.0" encoding="utf-8"?>
+<p:sld xmlns:a="http://schemas.openxmlformats.org/drawingml/2006/main" xmlns:p="http://schemas.openxmlformats.org/presentationml/2006/main" xmlns:r="http://schemas.openxmlformats.org/officeDocument/2006/relationships">
+  <p:cSld>
+    <p:spTree>
+      <p:nvGrpSpPr>
+        <p:cNvPr id="1" name=""/>
+        <p:cNvGrpSpPr/>
+        <p:nvPr/>
+      </p:nvGrpSpPr>
+      <p:grpSpPr/>
+      <p:sp>
+        <p:nvSpPr>
+          <p:cNvPr id="2" name="Content Placeholder 1"/>
+          <p:cNvSpPr>
+            <a:spLocks noGrp="1"/>
+          </p:cNvSpPr>
+          <p:nvPr>
+            <p:ph idx="1"/>
+          </p:nvPr>
+        </p:nvSpPr>
+        <p:spPr/>
+        <p:txBody>
+          <a:bodyPr wrap="square">
+            <a:noAutofit/>
+          </a:bodyPr>
+          <a:lstStyle/>
+          <a:p>
+            <a:pPr>
+              <a:lnSpc>
+                <a:spcPts val="2400"/>
+              </a:lnSpc>
+              <a:defRPr>
+                <a:solidFill>
+                  <a:srgbClr val="000000"/>
+                </a:solidFill>
+              </a:defRPr>
+            </a:pPr>
+            <a:r>
+              <a:rPr sz="2400" b="0" i="0">
+                <a:latin typeface="Courier"/>
+              </a:rPr>
+              <a:t>hoek    admitantie (Siemens)     lengte coax (cm)</a:t>
+            </a:r>
+            <a:endParaRPr sz="2400" b="0" i="0">
+              <a:latin typeface="Courier"/>
+            </a:endParaRPr>
+          </a:p>
+          <a:p>
+            <a:pPr>
+              <a:lnSpc>
+                <a:spcPts val="2400"/>
+              </a:lnSpc>
+              <a:defRPr>
+                <a:solidFill>
+                  <a:srgbClr val="000000"/>
+                </a:solidFill>
+              </a:defRPr>
+            </a:pPr>
+            <a:r>
+              <a:rPr sz="2400" b="0" i="0">
+                <a:latin typeface="Courier"/>
+              </a:rPr>
+              <a:t> 280       Y= -16.78j mS     lengte=9.72 cm</a:t>
+            </a:r>
+            <a:endParaRPr sz="2400" b="0" i="0">
+              <a:latin typeface="Courier"/>
+            </a:endParaRPr>
+          </a:p>
+          <a:p>
+            <a:pPr>
+              <a:lnSpc>
+                <a:spcPts val="2400"/>
+              </a:lnSpc>
+              <a:defRPr>
+                <a:solidFill>
+                  <a:srgbClr val="000000"/>
+                </a:solidFill>
+              </a:defRPr>
+            </a:pPr>
+            <a:r>
+              <a:rPr sz="2400" b="0" i="0">
+                <a:latin typeface="Courier"/>
+              </a:rPr>
+              <a:t> 281       Y= -16.49j mS     lengte=9.76 cm</a:t>
+            </a:r>
+            <a:endParaRPr sz="2400" b="0" i="0">
+              <a:latin typeface="Courier"/>
+            </a:endParaRPr>
+          </a:p>
+          <a:p>
+            <a:pPr>
+              <a:lnSpc>
+                <a:spcPts val="2400"/>
+              </a:lnSpc>
+              <a:defRPr>
+                <a:solidFill>
+                  <a:srgbClr val="000000"/>
+                </a:solidFill>
+              </a:defRPr>
+            </a:pPr>
+            <a:r>
+              <a:rPr sz="2400" b="0" i="0">
+                <a:latin typeface="Courier"/>
+              </a:rPr>
+              <a:t> 282       Y= -16.20j mS     lengte=9.79 cm</a:t>
+            </a:r>
+            <a:endParaRPr sz="2400" b="0" i="0">
+              <a:latin typeface="Courier"/>
+            </a:endParaRPr>
+          </a:p>
+          <a:p>
+            <a:pPr>
+              <a:lnSpc>
+                <a:spcPts val="2400"/>
+              </a:lnSpc>
+              <a:defRPr>
+                <a:solidFill>
+                  <a:srgbClr val="000000"/>
+                </a:solidFill>
+              </a:defRPr>
+            </a:pPr>
+            <a:r>
+              <a:rPr sz="2400" b="0" i="0">
+                <a:latin typeface="Courier"/>
+              </a:rPr>
+              <a:t> 283       Y= -15.91j mS     lengte=9.83 cm</a:t>
+            </a:r>
+            <a:endParaRPr sz="2400" b="0" i="0">
+              <a:latin typeface="Courier"/>
+            </a:endParaRPr>
+          </a:p>
+          <a:p>
+            <a:pPr>
+              <a:lnSpc>
+                <a:spcPts val="2400"/>
+              </a:lnSpc>
+              <a:defRPr>
+                <a:solidFill>
+                  <a:srgbClr val="000000"/>
+                </a:solidFill>
+              </a:defRPr>
+            </a:pPr>
+            <a:r>
+              <a:rPr sz="2400" b="0" i="0">
+                <a:latin typeface="Courier"/>
+              </a:rPr>
+              <a:t> 284       Y= -15.63j mS     lengte=9.86 cm</a:t>
+            </a:r>
+            <a:endParaRPr sz="2400" b="0" i="0">
+              <a:latin typeface="Courier"/>
+            </a:endParaRPr>
+          </a:p>
+          <a:p>
+            <a:pPr>
+              <a:lnSpc>
+                <a:spcPts val="2400"/>
+              </a:lnSpc>
+              <a:defRPr>
+                <a:solidFill>
+                  <a:srgbClr val="000000"/>
+                </a:solidFill>
+              </a:defRPr>
+            </a:pPr>
+            <a:endParaRPr sz="2400" b="0" i="0">
+              <a:latin typeface="Courier"/>
+            </a:endParaRPr>
+          </a:p>
+        </p:txBody>
+      </p:sp>
+      <p:sp>
+        <p:nvSpPr>
+          <p:cNvPr id="3" name="Title 2"/>
+          <p:cNvSpPr>
+            <a:spLocks noGrp="1"/>
+          </p:cNvSpPr>
+          <p:nvPr>
+            <p:ph type="title"/>
+          </p:nvPr>
+        </p:nvSpPr>
+        <p:spPr/>
+        <p:txBody>
+          <a:bodyPr/>
+          <a:lstStyle/>
+          <a:p/>
+        </p:txBody>
+      </p:sp>
     </p:spTree>
   </p:cSld>
   <p:clrMapOvr>
@@ -6798,12 +8248,12 @@
       <p:grpSpPr/>
       <p:sp>
         <p:nvSpPr>
-          <p:cNvPr id="2" name="Title 1"/>
-          <p:cNvSpPr>
-            <a:spLocks noGrp="1"/>
-          </p:cNvSpPr>
-          <p:nvPr>
-            <p:ph type="title"/>
+          <p:cNvPr id="2" name="Content Placeholder 1"/>
+          <p:cNvSpPr>
+            <a:spLocks noGrp="1"/>
+          </p:cNvSpPr>
+          <p:nvPr>
+            <p:ph idx="1"/>
           </p:nvPr>
         </p:nvSpPr>
         <p:spPr/>
@@ -6813,11 +8263,196 @@
           </a:bodyPr>
           <a:lstStyle/>
           <a:p>
+            <a:pPr>
+              <a:lnSpc>
+                <a:spcPts val="2400"/>
+              </a:lnSpc>
+              <a:defRPr>
+                <a:solidFill>
+                  <a:srgbClr val="000000"/>
+                </a:solidFill>
+              </a:defRPr>
+            </a:pPr>
+            <a:r>
+              <a:rPr sz="2400" b="0" i="0">
+                <a:latin typeface="Courier"/>
+              </a:rPr>
+              <a:t>hoek    impedantie (Ohm)     lengte coax (cm)</a:t>
+            </a:r>
+            <a:endParaRPr sz="2400" b="0" i="0">
+              <a:latin typeface="Courier"/>
+            </a:endParaRPr>
+          </a:p>
+          <a:p>
+            <a:pPr>
+              <a:lnSpc>
+                <a:spcPts val="2400"/>
+              </a:lnSpc>
+              <a:defRPr>
+                <a:solidFill>
+                  <a:srgbClr val="000000"/>
+                </a:solidFill>
+              </a:defRPr>
+            </a:pPr>
+            <a:r>
+              <a:rPr sz="2400" b="0" i="0">
+                <a:latin typeface="Courier"/>
+              </a:rPr>
+              <a:t> 290  Z= 48.60+39.86j Ohm     lengte=10.07 cm</a:t>
+            </a:r>
+            <a:endParaRPr sz="2400" b="0" i="0">
+              <a:latin typeface="Courier"/>
+            </a:endParaRPr>
+          </a:p>
+          <a:p>
+            <a:pPr>
+              <a:lnSpc>
+                <a:spcPts val="2400"/>
+              </a:lnSpc>
+              <a:defRPr>
+                <a:solidFill>
+                  <a:srgbClr val="000000"/>
+                </a:solidFill>
+              </a:defRPr>
+            </a:pPr>
+            <a:r>
+              <a:rPr sz="2400" b="0" i="0">
+                <a:latin typeface="Courier"/>
+              </a:rPr>
+              <a:t> 291  Z= 49.28+40.16j Ohm     lengte=10.10 cm</a:t>
+            </a:r>
+            <a:endParaRPr sz="2400" b="0" i="0">
+              <a:latin typeface="Courier"/>
+            </a:endParaRPr>
+          </a:p>
+          <a:p>
+            <a:pPr>
+              <a:lnSpc>
+                <a:spcPts val="2400"/>
+              </a:lnSpc>
+              <a:defRPr>
+                <a:solidFill>
+                  <a:srgbClr val="000000"/>
+                </a:solidFill>
+              </a:defRPr>
+            </a:pPr>
+            <a:r>
+              <a:rPr sz="2400" b="0" i="0">
+                <a:latin typeface="Courier"/>
+              </a:rPr>
+              <a:t> 292  Z= 49.98+40.45j Ohm     lengte=10.14 cm</a:t>
+            </a:r>
+            <a:endParaRPr sz="2400" b="0" i="0">
+              <a:latin typeface="Courier"/>
+            </a:endParaRPr>
+          </a:p>
+          <a:p>
+            <a:pPr>
+              <a:lnSpc>
+                <a:spcPts val="2400"/>
+              </a:lnSpc>
+              <a:defRPr>
+                <a:solidFill>
+                  <a:srgbClr val="000000"/>
+                </a:solidFill>
+              </a:defRPr>
+            </a:pPr>
+            <a:r>
+              <a:rPr sz="2400" b="0" i="0">
+                <a:latin typeface="Courier"/>
+              </a:rPr>
+              <a:t> 293  Z= 50.70+40.73j Ohm     lengte=10.17 cm</a:t>
+            </a:r>
+            <a:endParaRPr sz="2400" b="0" i="0">
+              <a:latin typeface="Courier"/>
+            </a:endParaRPr>
+          </a:p>
+          <a:p>
+            <a:pPr>
+              <a:lnSpc>
+                <a:spcPts val="2400"/>
+              </a:lnSpc>
+              <a:defRPr>
+                <a:solidFill>
+                  <a:srgbClr val="000000"/>
+                </a:solidFill>
+              </a:defRPr>
+            </a:pPr>
+            <a:endParaRPr sz="2400" b="0" i="0">
+              <a:latin typeface="Courier"/>
+            </a:endParaRPr>
+          </a:p>
+        </p:txBody>
+      </p:sp>
+      <p:sp>
+        <p:nvSpPr>
+          <p:cNvPr id="3" name="Title 2"/>
+          <p:cNvSpPr>
+            <a:spLocks noGrp="1"/>
+          </p:cNvSpPr>
+          <p:nvPr>
+            <p:ph type="title"/>
+          </p:nvPr>
+        </p:nvSpPr>
+        <p:spPr/>
+        <p:txBody>
+          <a:bodyPr wrap="square">
+            <a:noAutofit/>
+          </a:bodyPr>
+          <a:lstStyle/>
+          <a:p>
             <a:r>
               <a:rPr sz="3200" b="1" i="0">
                 <a:latin typeface="Arial"/>
               </a:rPr>
-              <a:t>Circuit van de eerste oplossing</a:t>
+              <a:t>Berekening impedantie voor verschillende lengtes</a:t>
+            </a:r>
+            <a:endParaRPr sz="3200" b="1" i="0">
+              <a:latin typeface="Arial"/>
+            </a:endParaRPr>
+          </a:p>
+        </p:txBody>
+      </p:sp>
+    </p:spTree>
+  </p:cSld>
+  <p:clrMapOvr>
+    <a:masterClrMapping/>
+  </p:clrMapOvr>
+</p:sld>
+</file>
+
+<file path=ppt/slides/slide30.xml><?xml version="1.0" encoding="utf-8"?>
+<p:sld xmlns:a="http://schemas.openxmlformats.org/drawingml/2006/main" xmlns:p="http://schemas.openxmlformats.org/presentationml/2006/main" xmlns:r="http://schemas.openxmlformats.org/officeDocument/2006/relationships">
+  <p:cSld>
+    <p:spTree>
+      <p:nvGrpSpPr>
+        <p:cNvPr id="1" name=""/>
+        <p:cNvGrpSpPr/>
+        <p:nvPr/>
+      </p:nvGrpSpPr>
+      <p:grpSpPr/>
+      <p:sp>
+        <p:nvSpPr>
+          <p:cNvPr id="2" name="Title 1"/>
+          <p:cNvSpPr>
+            <a:spLocks noGrp="1"/>
+          </p:cNvSpPr>
+          <p:nvPr>
+            <p:ph type="title"/>
+          </p:nvPr>
+        </p:nvSpPr>
+        <p:spPr/>
+        <p:txBody>
+          <a:bodyPr wrap="square">
+            <a:noAutofit/>
+          </a:bodyPr>
+          <a:lstStyle/>
+          <a:p>
+            <a:r>
+              <a:rPr sz="3200" b="1" i="0">
+                <a:latin typeface="Arial"/>
+              </a:rPr>
+              <a:t>Circuit van de zevende oplossing</a:t>
             </a:r>
             <a:endParaRPr sz="3200" b="1" i="0">
               <a:latin typeface="Arial"/>
@@ -6841,14 +8476,677 @@
         </p:blipFill>
         <p:spPr>
           <a:xfrm>
-            <a:off x="0" y="566928"/>
-            <a:ext cx="12192000" cy="5577840"/>
+            <a:off x="445247" y="566928"/>
+            <a:ext cx="11301506" cy="5669280"/>
           </a:xfrm>
           <a:prstGeom prst="rect">
             <a:avLst/>
           </a:prstGeom>
         </p:spPr>
       </p:pic>
+    </p:spTree>
+  </p:cSld>
+  <p:clrMapOvr>
+    <a:masterClrMapping/>
+  </p:clrMapOvr>
+</p:sld>
+</file>
+
+<file path=ppt/slides/slide31.xml><?xml version="1.0" encoding="utf-8"?>
+<p:sld xmlns:a="http://schemas.openxmlformats.org/drawingml/2006/main" xmlns:p="http://schemas.openxmlformats.org/presentationml/2006/main" xmlns:r="http://schemas.openxmlformats.org/officeDocument/2006/relationships">
+  <p:cSld>
+    <p:spTree>
+      <p:nvGrpSpPr>
+        <p:cNvPr id="1" name=""/>
+        <p:cNvGrpSpPr/>
+        <p:nvPr/>
+      </p:nvGrpSpPr>
+      <p:grpSpPr/>
+      <p:sp>
+        <p:nvSpPr>
+          <p:cNvPr id="2" name="Content Placeholder 1"/>
+          <p:cNvSpPr>
+            <a:spLocks noGrp="1"/>
+          </p:cNvSpPr>
+          <p:nvPr>
+            <p:ph idx="1"/>
+          </p:nvPr>
+        </p:nvSpPr>
+        <p:spPr/>
+        <p:txBody>
+          <a:bodyPr/>
+          <a:lstStyle/>
+          <a:p/>
+        </p:txBody>
+      </p:sp>
+      <p:sp>
+        <p:nvSpPr>
+          <p:cNvPr id="3" name="Title 2"/>
+          <p:cNvSpPr>
+            <a:spLocks noGrp="1"/>
+          </p:cNvSpPr>
+          <p:nvPr>
+            <p:ph type="title"/>
+          </p:nvPr>
+        </p:nvSpPr>
+        <p:spPr/>
+        <p:txBody>
+          <a:bodyPr/>
+          <a:lstStyle/>
+          <a:p/>
+        </p:txBody>
+      </p:sp>
+      <p:sp>
+        <p:nvSpPr>
+          <p:cNvPr id="2" name="Content Placeholder 1"/>
+          <p:cNvSpPr>
+            <a:spLocks noGrp="1"/>
+          </p:cNvSpPr>
+          <p:nvPr>
+            <p:ph idx="1"/>
+          </p:nvPr>
+        </p:nvSpPr>
+        <p:spPr>
+          <a:xfrm>
+            <a:off x="914400" y="566928"/>
+            <a:ext cx="10820400" cy="5669280"/>
+          </a:xfrm>
+        </p:spPr>
+        <p:txBody>
+          <a:bodyPr>
+            <a:spAutoFit/>
+          </a:bodyPr>
+          <a:lstStyle/>
+          <a:p/>
+          <a:p>
+            <a:pPr/>
+            <a:r>
+              <a:t>### Oplossing 8: Oplossing 4 waarbij het spoel vervangen is door een kortgesloten transmissielijn</a:t>
+            </a:r>
+          </a:p>
+          <a:p>
+            <a:pPr/>
+          </a:p>
+          <a:p>
+            <a:pPr/>
+            <a:r>
+              <a:t>De y = 1 + j 0.85 compenseren we door -j 0.85 vertrekkende vanuit g=</a:t>
+            </a:r>
+            <a:r>
+              <a:t>∞</a:t>
+            </a:r>
+            <a:r>
+              <a:t>.</a:t>
+            </a:r>
+          </a:p>
+        </p:txBody>
+      </p:sp>
+    </p:spTree>
+  </p:cSld>
+  <p:clrMapOvr>
+    <a:masterClrMapping/>
+  </p:clrMapOvr>
+</p:sld>
+</file>
+
+<file path=ppt/slides/slide32.xml><?xml version="1.0" encoding="utf-8"?>
+<p:sld xmlns:a="http://schemas.openxmlformats.org/drawingml/2006/main" xmlns:p="http://schemas.openxmlformats.org/presentationml/2006/main" xmlns:r="http://schemas.openxmlformats.org/officeDocument/2006/relationships">
+  <p:cSld>
+    <p:spTree>
+      <p:nvGrpSpPr>
+        <p:cNvPr id="1" name=""/>
+        <p:cNvGrpSpPr/>
+        <p:nvPr/>
+      </p:nvGrpSpPr>
+      <p:grpSpPr/>
+      <p:sp>
+        <p:nvSpPr>
+          <p:cNvPr id="2" name="Title 1"/>
+          <p:cNvSpPr>
+            <a:spLocks noGrp="1"/>
+          </p:cNvSpPr>
+          <p:nvPr>
+            <p:ph type="title"/>
+          </p:nvPr>
+        </p:nvSpPr>
+        <p:spPr/>
+        <p:txBody>
+          <a:bodyPr wrap="square">
+            <a:noAutofit/>
+          </a:bodyPr>
+          <a:lstStyle/>
+          <a:p>
+            <a:r>
+              <a:rPr sz="3200" b="1" i="0">
+                <a:latin typeface="Arial"/>
+              </a:rPr>
+              <a:t>Smith kaart van de achtste oplossing</a:t>
+            </a:r>
+            <a:endParaRPr sz="3200" b="1" i="0">
+              <a:latin typeface="Arial"/>
+            </a:endParaRPr>
+          </a:p>
+        </p:txBody>
+      </p:sp>
+      <p:pic>
+        <p:nvPicPr>
+          <p:cNvPr id="3" name="Picture 2" descr="image.png"/>
+          <p:cNvPicPr>
+            <a:picLocks noChangeAspect="1"/>
+          </p:cNvPicPr>
+          <p:nvPr/>
+        </p:nvPicPr>
+        <p:blipFill>
+          <a:blip r:embed="rId2"/>
+          <a:stretch>
+            <a:fillRect/>
+          </a:stretch>
+        </p:blipFill>
+        <p:spPr>
+          <a:xfrm>
+            <a:off x="3261360" y="566928"/>
+            <a:ext cx="5669280" cy="5669280"/>
+          </a:xfrm>
+          <a:prstGeom prst="rect">
+            <a:avLst/>
+          </a:prstGeom>
+        </p:spPr>
+      </p:pic>
+    </p:spTree>
+  </p:cSld>
+  <p:clrMapOvr>
+    <a:masterClrMapping/>
+  </p:clrMapOvr>
+</p:sld>
+</file>
+
+<file path=ppt/slides/slide33.xml><?xml version="1.0" encoding="utf-8"?>
+<p:sld xmlns:a="http://schemas.openxmlformats.org/drawingml/2006/main" xmlns:p="http://schemas.openxmlformats.org/presentationml/2006/main" xmlns:r="http://schemas.openxmlformats.org/officeDocument/2006/relationships">
+  <p:cSld>
+    <p:spTree>
+      <p:nvGrpSpPr>
+        <p:cNvPr id="1" name=""/>
+        <p:cNvGrpSpPr/>
+        <p:nvPr/>
+      </p:nvGrpSpPr>
+      <p:grpSpPr/>
+      <p:sp>
+        <p:nvSpPr>
+          <p:cNvPr id="2" name="Content Placeholder 1"/>
+          <p:cNvSpPr>
+            <a:spLocks noGrp="1"/>
+          </p:cNvSpPr>
+          <p:nvPr>
+            <p:ph idx="1"/>
+          </p:nvPr>
+        </p:nvSpPr>
+        <p:spPr/>
+        <p:txBody>
+          <a:bodyPr wrap="square">
+            <a:noAutofit/>
+          </a:bodyPr>
+          <a:lstStyle/>
+          <a:p>
+            <a:pPr>
+              <a:lnSpc>
+                <a:spcPts val="2400"/>
+              </a:lnSpc>
+              <a:defRPr>
+                <a:solidFill>
+                  <a:srgbClr val="000000"/>
+                </a:solidFill>
+              </a:defRPr>
+            </a:pPr>
+            <a:r>
+              <a:rPr sz="2400" b="0" i="0">
+                <a:latin typeface="Courier"/>
+              </a:rPr>
+              <a:t>hoek    admitantie (Siemens)     lengte coax (cm)</a:t>
+            </a:r>
+            <a:endParaRPr sz="2400" b="0" i="0">
+              <a:latin typeface="Courier"/>
+            </a:endParaRPr>
+          </a:p>
+          <a:p>
+            <a:pPr>
+              <a:lnSpc>
+                <a:spcPts val="2400"/>
+              </a:lnSpc>
+              <a:defRPr>
+                <a:solidFill>
+                  <a:srgbClr val="000000"/>
+                </a:solidFill>
+              </a:defRPr>
+            </a:pPr>
+            <a:r>
+              <a:rPr sz="2400" b="0" i="0">
+                <a:latin typeface="Courier"/>
+              </a:rPr>
+              <a:t> 110    Y= 19.44+15.94j mS     lengte=3.82 cm</a:t>
+            </a:r>
+            <a:endParaRPr sz="2400" b="0" i="0">
+              <a:latin typeface="Courier"/>
+            </a:endParaRPr>
+          </a:p>
+          <a:p>
+            <a:pPr>
+              <a:lnSpc>
+                <a:spcPts val="2400"/>
+              </a:lnSpc>
+              <a:defRPr>
+                <a:solidFill>
+                  <a:srgbClr val="000000"/>
+                </a:solidFill>
+              </a:defRPr>
+            </a:pPr>
+            <a:r>
+              <a:rPr sz="2400" b="0" i="0">
+                <a:latin typeface="Courier"/>
+              </a:rPr>
+              <a:t> 111    Y= 19.71+16.06j mS     lengte=3.85 cm</a:t>
+            </a:r>
+            <a:endParaRPr sz="2400" b="0" i="0">
+              <a:latin typeface="Courier"/>
+            </a:endParaRPr>
+          </a:p>
+          <a:p>
+            <a:pPr>
+              <a:lnSpc>
+                <a:spcPts val="2400"/>
+              </a:lnSpc>
+              <a:defRPr>
+                <a:solidFill>
+                  <a:srgbClr val="000000"/>
+                </a:solidFill>
+              </a:defRPr>
+            </a:pPr>
+            <a:r>
+              <a:rPr sz="2400" b="0" i="0">
+                <a:latin typeface="Courier"/>
+              </a:rPr>
+              <a:t> 112    Y= 19.99+16.18j mS     lengte=3.89 cm</a:t>
+            </a:r>
+            <a:endParaRPr sz="2400" b="0" i="0">
+              <a:latin typeface="Courier"/>
+            </a:endParaRPr>
+          </a:p>
+          <a:p>
+            <a:pPr>
+              <a:lnSpc>
+                <a:spcPts val="2400"/>
+              </a:lnSpc>
+              <a:defRPr>
+                <a:solidFill>
+                  <a:srgbClr val="000000"/>
+                </a:solidFill>
+              </a:defRPr>
+            </a:pPr>
+            <a:r>
+              <a:rPr sz="2400" b="0" i="0">
+                <a:latin typeface="Courier"/>
+              </a:rPr>
+              <a:t> 113    Y= 20.28+16.29j mS     lengte=3.92 cm</a:t>
+            </a:r>
+            <a:endParaRPr sz="2400" b="0" i="0">
+              <a:latin typeface="Courier"/>
+            </a:endParaRPr>
+          </a:p>
+          <a:p>
+            <a:pPr>
+              <a:lnSpc>
+                <a:spcPts val="2400"/>
+              </a:lnSpc>
+              <a:defRPr>
+                <a:solidFill>
+                  <a:srgbClr val="000000"/>
+                </a:solidFill>
+              </a:defRPr>
+            </a:pPr>
+            <a:r>
+              <a:rPr sz="2400" b="0" i="0">
+                <a:latin typeface="Courier"/>
+              </a:rPr>
+              <a:t> 114    Y= 20.57+16.40j mS     lengte=3.96 cm</a:t>
+            </a:r>
+            <a:endParaRPr sz="2400" b="0" i="0">
+              <a:latin typeface="Courier"/>
+            </a:endParaRPr>
+          </a:p>
+          <a:p>
+            <a:pPr>
+              <a:lnSpc>
+                <a:spcPts val="2400"/>
+              </a:lnSpc>
+              <a:defRPr>
+                <a:solidFill>
+                  <a:srgbClr val="000000"/>
+                </a:solidFill>
+              </a:defRPr>
+            </a:pPr>
+            <a:endParaRPr sz="2400" b="0" i="0">
+              <a:latin typeface="Courier"/>
+            </a:endParaRPr>
+          </a:p>
+        </p:txBody>
+      </p:sp>
+      <p:sp>
+        <p:nvSpPr>
+          <p:cNvPr id="3" name="Title 2"/>
+          <p:cNvSpPr>
+            <a:spLocks noGrp="1"/>
+          </p:cNvSpPr>
+          <p:nvPr>
+            <p:ph type="title"/>
+          </p:nvPr>
+        </p:nvSpPr>
+        <p:spPr/>
+        <p:txBody>
+          <a:bodyPr/>
+          <a:lstStyle/>
+          <a:p/>
+        </p:txBody>
+      </p:sp>
+    </p:spTree>
+  </p:cSld>
+  <p:clrMapOvr>
+    <a:masterClrMapping/>
+  </p:clrMapOvr>
+</p:sld>
+</file>
+
+<file path=ppt/slides/slide34.xml><?xml version="1.0" encoding="utf-8"?>
+<p:sld xmlns:a="http://schemas.openxmlformats.org/drawingml/2006/main" xmlns:p="http://schemas.openxmlformats.org/presentationml/2006/main" xmlns:r="http://schemas.openxmlformats.org/officeDocument/2006/relationships">
+  <p:cSld>
+    <p:spTree>
+      <p:nvGrpSpPr>
+        <p:cNvPr id="1" name=""/>
+        <p:cNvGrpSpPr/>
+        <p:nvPr/>
+      </p:nvGrpSpPr>
+      <p:grpSpPr/>
+      <p:sp>
+        <p:nvSpPr>
+          <p:cNvPr id="2" name="Content Placeholder 1"/>
+          <p:cNvSpPr>
+            <a:spLocks noGrp="1"/>
+          </p:cNvSpPr>
+          <p:nvPr>
+            <p:ph idx="1"/>
+          </p:nvPr>
+        </p:nvSpPr>
+        <p:spPr/>
+        <p:txBody>
+          <a:bodyPr wrap="square">
+            <a:noAutofit/>
+          </a:bodyPr>
+          <a:lstStyle/>
+          <a:p>
+            <a:pPr>
+              <a:lnSpc>
+                <a:spcPts val="2400"/>
+              </a:lnSpc>
+              <a:defRPr>
+                <a:solidFill>
+                  <a:srgbClr val="000000"/>
+                </a:solidFill>
+              </a:defRPr>
+            </a:pPr>
+            <a:r>
+              <a:rPr sz="2400" b="0" i="0">
+                <a:latin typeface="Courier"/>
+              </a:rPr>
+              <a:t>hoek    admitantie (Siemens)     lengte coax (cm)</a:t>
+            </a:r>
+            <a:endParaRPr sz="2400" b="0" i="0">
+              <a:latin typeface="Courier"/>
+            </a:endParaRPr>
+          </a:p>
+          <a:p>
+            <a:pPr>
+              <a:lnSpc>
+                <a:spcPts val="2400"/>
+              </a:lnSpc>
+              <a:defRPr>
+                <a:solidFill>
+                  <a:srgbClr val="000000"/>
+                </a:solidFill>
+              </a:defRPr>
+            </a:pPr>
+            <a:r>
+              <a:rPr sz="2400" b="0" i="0">
+                <a:latin typeface="Courier"/>
+              </a:rPr>
+              <a:t> 100       Y= -16.78j mS     lengte=3.47 cm</a:t>
+            </a:r>
+            <a:endParaRPr sz="2400" b="0" i="0">
+              <a:latin typeface="Courier"/>
+            </a:endParaRPr>
+          </a:p>
+          <a:p>
+            <a:pPr>
+              <a:lnSpc>
+                <a:spcPts val="2400"/>
+              </a:lnSpc>
+              <a:defRPr>
+                <a:solidFill>
+                  <a:srgbClr val="000000"/>
+                </a:solidFill>
+              </a:defRPr>
+            </a:pPr>
+            <a:r>
+              <a:rPr sz="2400" b="0" i="0">
+                <a:latin typeface="Courier"/>
+              </a:rPr>
+              <a:t> 101       Y= -16.49j mS     lengte=3.51 cm</a:t>
+            </a:r>
+            <a:endParaRPr sz="2400" b="0" i="0">
+              <a:latin typeface="Courier"/>
+            </a:endParaRPr>
+          </a:p>
+          <a:p>
+            <a:pPr>
+              <a:lnSpc>
+                <a:spcPts val="2400"/>
+              </a:lnSpc>
+              <a:defRPr>
+                <a:solidFill>
+                  <a:srgbClr val="000000"/>
+                </a:solidFill>
+              </a:defRPr>
+            </a:pPr>
+            <a:r>
+              <a:rPr sz="2400" b="0" i="0">
+                <a:latin typeface="Courier"/>
+              </a:rPr>
+              <a:t> 102       Y= -16.20j mS     lengte=3.54 cm</a:t>
+            </a:r>
+            <a:endParaRPr sz="2400" b="0" i="0">
+              <a:latin typeface="Courier"/>
+            </a:endParaRPr>
+          </a:p>
+          <a:p>
+            <a:pPr>
+              <a:lnSpc>
+                <a:spcPts val="2400"/>
+              </a:lnSpc>
+              <a:defRPr>
+                <a:solidFill>
+                  <a:srgbClr val="000000"/>
+                </a:solidFill>
+              </a:defRPr>
+            </a:pPr>
+            <a:r>
+              <a:rPr sz="2400" b="0" i="0">
+                <a:latin typeface="Courier"/>
+              </a:rPr>
+              <a:t> 103       Y= -15.91j mS     lengte=3.58 cm</a:t>
+            </a:r>
+            <a:endParaRPr sz="2400" b="0" i="0">
+              <a:latin typeface="Courier"/>
+            </a:endParaRPr>
+          </a:p>
+          <a:p>
+            <a:pPr>
+              <a:lnSpc>
+                <a:spcPts val="2400"/>
+              </a:lnSpc>
+              <a:defRPr>
+                <a:solidFill>
+                  <a:srgbClr val="000000"/>
+                </a:solidFill>
+              </a:defRPr>
+            </a:pPr>
+            <a:r>
+              <a:rPr sz="2400" b="0" i="0">
+                <a:latin typeface="Courier"/>
+              </a:rPr>
+              <a:t> 104       Y= -15.63j mS     lengte=3.61 cm</a:t>
+            </a:r>
+            <a:endParaRPr sz="2400" b="0" i="0">
+              <a:latin typeface="Courier"/>
+            </a:endParaRPr>
+          </a:p>
+          <a:p>
+            <a:pPr>
+              <a:lnSpc>
+                <a:spcPts val="2400"/>
+              </a:lnSpc>
+              <a:defRPr>
+                <a:solidFill>
+                  <a:srgbClr val="000000"/>
+                </a:solidFill>
+              </a:defRPr>
+            </a:pPr>
+            <a:endParaRPr sz="2400" b="0" i="0">
+              <a:latin typeface="Courier"/>
+            </a:endParaRPr>
+          </a:p>
+        </p:txBody>
+      </p:sp>
+      <p:sp>
+        <p:nvSpPr>
+          <p:cNvPr id="3" name="Title 2"/>
+          <p:cNvSpPr>
+            <a:spLocks noGrp="1"/>
+          </p:cNvSpPr>
+          <p:nvPr>
+            <p:ph type="title"/>
+          </p:nvPr>
+        </p:nvSpPr>
+        <p:spPr/>
+        <p:txBody>
+          <a:bodyPr/>
+          <a:lstStyle/>
+          <a:p/>
+        </p:txBody>
+      </p:sp>
+    </p:spTree>
+  </p:cSld>
+  <p:clrMapOvr>
+    <a:masterClrMapping/>
+  </p:clrMapOvr>
+</p:sld>
+</file>
+
+<file path=ppt/slides/slide35.xml><?xml version="1.0" encoding="utf-8"?>
+<p:sld xmlns:a="http://schemas.openxmlformats.org/drawingml/2006/main" xmlns:p="http://schemas.openxmlformats.org/presentationml/2006/main" xmlns:r="http://schemas.openxmlformats.org/officeDocument/2006/relationships">
+  <p:cSld>
+    <p:spTree>
+      <p:nvGrpSpPr>
+        <p:cNvPr id="1" name=""/>
+        <p:cNvGrpSpPr/>
+        <p:nvPr/>
+      </p:nvGrpSpPr>
+      <p:grpSpPr/>
+      <p:sp>
+        <p:nvSpPr>
+          <p:cNvPr id="2" name="Title 1"/>
+          <p:cNvSpPr>
+            <a:spLocks noGrp="1"/>
+          </p:cNvSpPr>
+          <p:nvPr>
+            <p:ph type="title"/>
+          </p:nvPr>
+        </p:nvSpPr>
+        <p:spPr/>
+        <p:txBody>
+          <a:bodyPr wrap="square">
+            <a:noAutofit/>
+          </a:bodyPr>
+          <a:lstStyle/>
+          <a:p>
+            <a:r>
+              <a:rPr sz="3200" b="1" i="0">
+                <a:latin typeface="Arial"/>
+              </a:rPr>
+              <a:t>circuit van de achtste oplossing</a:t>
+            </a:r>
+            <a:endParaRPr sz="3200" b="1" i="0">
+              <a:latin typeface="Arial"/>
+            </a:endParaRPr>
+          </a:p>
+        </p:txBody>
+      </p:sp>
+      <p:pic>
+        <p:nvPicPr>
+          <p:cNvPr id="3" name="Picture 2" descr="image.png"/>
+          <p:cNvPicPr>
+            <a:picLocks noChangeAspect="1"/>
+          </p:cNvPicPr>
+          <p:nvPr/>
+        </p:nvPicPr>
+        <p:blipFill>
+          <a:blip r:embed="rId2"/>
+          <a:stretch>
+            <a:fillRect/>
+          </a:stretch>
+        </p:blipFill>
+        <p:spPr>
+          <a:xfrm>
+            <a:off x="445247" y="566928"/>
+            <a:ext cx="11301506" cy="5669280"/>
+          </a:xfrm>
+          <a:prstGeom prst="rect">
+            <a:avLst/>
+          </a:prstGeom>
+        </p:spPr>
+      </p:pic>
+    </p:spTree>
+  </p:cSld>
+  <p:clrMapOvr>
+    <a:masterClrMapping/>
+  </p:clrMapOvr>
+</p:sld>
+</file>
+
+<file path=ppt/slides/slide36.xml><?xml version="1.0" encoding="utf-8"?>
+<p:sld xmlns:a="http://schemas.openxmlformats.org/drawingml/2006/main" xmlns:p="http://schemas.openxmlformats.org/presentationml/2006/main" xmlns:r="http://schemas.openxmlformats.org/officeDocument/2006/relationships">
+  <p:cSld>
+    <p:spTree>
+      <p:nvGrpSpPr>
+        <p:cNvPr id="1" name=""/>
+        <p:cNvGrpSpPr/>
+        <p:nvPr/>
+      </p:nvGrpSpPr>
+      <p:grpSpPr/>
+    </p:spTree>
+  </p:cSld>
+  <p:clrMapOvr>
+    <a:masterClrMapping/>
+  </p:clrMapOvr>
+</p:sld>
+</file>
+
+<file path=ppt/slides/slide37.xml><?xml version="1.0" encoding="utf-8"?>
+<p:sld xmlns:a="http://schemas.openxmlformats.org/drawingml/2006/main" xmlns:p="http://schemas.openxmlformats.org/presentationml/2006/main" xmlns:r="http://schemas.openxmlformats.org/officeDocument/2006/relationships">
+  <p:cSld>
+    <p:spTree>
+      <p:nvGrpSpPr>
+        <p:cNvPr id="1" name=""/>
+        <p:cNvGrpSpPr/>
+        <p:nvPr/>
+      </p:nvGrpSpPr>
+      <p:grpSpPr/>
     </p:spTree>
   </p:cSld>
   <p:clrMapOvr>
@@ -6869,59 +9167,57 @@
       <p:grpSpPr/>
       <p:sp>
         <p:nvSpPr>
-          <p:cNvPr id="2" name="Content Placeholder 1"/>
-          <p:cNvSpPr>
-            <a:spLocks noGrp="1"/>
-          </p:cNvSpPr>
-          <p:nvPr>
-            <p:ph idx="1"/>
+          <p:cNvPr id="2" name="Title 1"/>
+          <p:cNvSpPr>
+            <a:spLocks noGrp="1"/>
+          </p:cNvSpPr>
+          <p:nvPr>
+            <p:ph type="title"/>
           </p:nvPr>
         </p:nvSpPr>
         <p:spPr/>
         <p:txBody>
-          <a:bodyPr/>
-          <a:lstStyle/>
-          <a:p/>
-          <a:p>
-            <a:pPr/>
-            <a:r>
-              <a:t>### Oplossing 2: Bijplaatsen van een inductantie in serie</a:t>
-            </a:r>
-          </a:p>
-          <a:p>
-            <a:pPr/>
-          </a:p>
-          <a:p>
-            <a:pPr/>
-            <a:r>
-              <a:t>We plaatsen </a:t>
-            </a:r>
-            <a:r>
-              <a:t>\frac{Z_L}{Z₀}=2.2</a:t>
-            </a:r>
-            <a:r>
-              <a:t> op de Smith kaart en we zoeken waar we de r=1 cirkel snijden in het onderste deel van de kaart.</a:t>
-            </a:r>
-          </a:p>
-        </p:txBody>
-      </p:sp>
-      <p:sp>
-        <p:nvSpPr>
-          <p:cNvPr id="3" name="Title 2"/>
-          <p:cNvSpPr>
-            <a:spLocks noGrp="1"/>
-          </p:cNvSpPr>
-          <p:nvPr>
-            <p:ph type="title"/>
-          </p:nvPr>
-        </p:nvSpPr>
-        <p:spPr/>
-        <p:txBody>
-          <a:bodyPr/>
-          <a:lstStyle/>
-          <a:p/>
-        </p:txBody>
-      </p:sp>
+          <a:bodyPr wrap="square">
+            <a:noAutofit/>
+          </a:bodyPr>
+          <a:lstStyle/>
+          <a:p>
+            <a:r>
+              <a:rPr sz="3200" b="1" i="0">
+                <a:latin typeface="Arial"/>
+              </a:rPr>
+              <a:t>Circuit van de eerste oplossing</a:t>
+            </a:r>
+            <a:endParaRPr sz="3200" b="1" i="0">
+              <a:latin typeface="Arial"/>
+            </a:endParaRPr>
+          </a:p>
+        </p:txBody>
+      </p:sp>
+      <p:pic>
+        <p:nvPicPr>
+          <p:cNvPr id="3" name="Picture 2" descr="image.png"/>
+          <p:cNvPicPr>
+            <a:picLocks noChangeAspect="1"/>
+          </p:cNvPicPr>
+          <p:nvPr/>
+        </p:nvPicPr>
+        <p:blipFill>
+          <a:blip r:embed="rId2"/>
+          <a:stretch>
+            <a:fillRect/>
+          </a:stretch>
+        </p:blipFill>
+        <p:spPr>
+          <a:xfrm>
+            <a:off x="0" y="566928"/>
+            <a:ext cx="12192000" cy="5669280"/>
+          </a:xfrm>
+          <a:prstGeom prst="rect">
+            <a:avLst/>
+          </a:prstGeom>
+        </p:spPr>
+      </p:pic>
     </p:spTree>
   </p:cSld>
   <p:clrMapOvr>
@@ -6942,7 +9238,24 @@
       <p:grpSpPr/>
       <p:sp>
         <p:nvSpPr>
-          <p:cNvPr id="2" name="Title 1"/>
+          <p:cNvPr id="2" name="Content Placeholder 1"/>
+          <p:cNvSpPr>
+            <a:spLocks noGrp="1"/>
+          </p:cNvSpPr>
+          <p:nvPr>
+            <p:ph idx="1"/>
+          </p:nvPr>
+        </p:nvSpPr>
+        <p:spPr/>
+        <p:txBody>
+          <a:bodyPr/>
+          <a:lstStyle/>
+          <a:p/>
+        </p:txBody>
+      </p:sp>
+      <p:sp>
+        <p:nvSpPr>
+          <p:cNvPr id="3" name="Title 2"/>
           <p:cNvSpPr>
             <a:spLocks noGrp="1"/>
           </p:cNvSpPr>
@@ -6952,47 +9265,56 @@
         </p:nvSpPr>
         <p:spPr/>
         <p:txBody>
-          <a:bodyPr wrap="square">
-            <a:noAutofit/>
-          </a:bodyPr>
-          <a:lstStyle/>
-          <a:p>
-            <a:r>
-              <a:rPr sz="3200" b="1" i="0">
-                <a:latin typeface="Arial"/>
-              </a:rPr>
-              <a:t>Smith kaart van de tweede oplossing</a:t>
-            </a:r>
-            <a:endParaRPr sz="3200" b="1" i="0">
-              <a:latin typeface="Arial"/>
-            </a:endParaRPr>
-          </a:p>
-        </p:txBody>
-      </p:sp>
-      <p:pic>
-        <p:nvPicPr>
-          <p:cNvPr id="3" name="Picture 2" descr="image.png"/>
-          <p:cNvPicPr>
-            <a:picLocks noChangeAspect="1"/>
-          </p:cNvPicPr>
-          <p:nvPr/>
-        </p:nvPicPr>
-        <p:blipFill>
-          <a:blip r:embed="rId2"/>
-          <a:stretch>
-            <a:fillRect/>
-          </a:stretch>
-        </p:blipFill>
+          <a:bodyPr/>
+          <a:lstStyle/>
+          <a:p/>
+        </p:txBody>
+      </p:sp>
+      <p:sp>
+        <p:nvSpPr>
+          <p:cNvPr id="2" name="Content Placeholder 1"/>
+          <p:cNvSpPr>
+            <a:spLocks noGrp="1"/>
+          </p:cNvSpPr>
+          <p:nvPr>
+            <p:ph idx="1"/>
+          </p:nvPr>
+        </p:nvSpPr>
         <p:spPr>
           <a:xfrm>
-            <a:off x="3307080" y="566928"/>
-            <a:ext cx="5577840" cy="5577840"/>
+            <a:off x="914400" y="566928"/>
+            <a:ext cx="10820400" cy="5669280"/>
           </a:xfrm>
-          <a:prstGeom prst="rect">
-            <a:avLst/>
-          </a:prstGeom>
         </p:spPr>
-      </p:pic>
+        <p:txBody>
+          <a:bodyPr>
+            <a:spAutoFit/>
+          </a:bodyPr>
+          <a:lstStyle/>
+          <a:p/>
+          <a:p>
+            <a:pPr/>
+            <a:r>
+              <a:t>### Oplossing 2: Bijplaatsen van een inductantie in serie</a:t>
+            </a:r>
+          </a:p>
+          <a:p>
+            <a:pPr/>
+          </a:p>
+          <a:p>
+            <a:pPr/>
+            <a:r>
+              <a:t>We plaatsen </a:t>
+            </a:r>
+            <a:r>
+              <a:t>\frac{Z_L}{Z₀}=2.2</a:t>
+            </a:r>
+            <a:r>
+              <a:t> op de Smith kaart en we zoeken waar we de r=1 cirkel snijden in het onderste deel van de kaart.</a:t>
+            </a:r>
+          </a:p>
+        </p:txBody>
+      </p:sp>
     </p:spTree>
   </p:cSld>
   <p:clrMapOvr>
@@ -7032,7 +9354,7 @@
               <a:rPr sz="3200" b="1" i="0">
                 <a:latin typeface="Arial"/>
               </a:rPr>
-              <a:t>Circuit van de tweede oplossing</a:t>
+              <a:t>Smith kaart van de tweede oplossing</a:t>
             </a:r>
             <a:endParaRPr sz="3200" b="1" i="0">
               <a:latin typeface="Arial"/>
@@ -7056,8 +9378,8 @@
         </p:blipFill>
         <p:spPr>
           <a:xfrm>
-            <a:off x="0" y="566928"/>
-            <a:ext cx="12192000" cy="5577840"/>
+            <a:off x="3261360" y="566928"/>
+            <a:ext cx="5669280" cy="5669280"/>
           </a:xfrm>
           <a:prstGeom prst="rect">
             <a:avLst/>
@@ -7084,12 +9406,12 @@
       <p:grpSpPr/>
       <p:sp>
         <p:nvSpPr>
-          <p:cNvPr id="2" name="Title 1"/>
-          <p:cNvSpPr>
-            <a:spLocks noGrp="1"/>
-          </p:cNvSpPr>
-          <p:nvPr>
-            <p:ph type="title"/>
+          <p:cNvPr id="2" name="Content Placeholder 1"/>
+          <p:cNvSpPr>
+            <a:spLocks noGrp="1"/>
+          </p:cNvSpPr>
+          <p:nvPr>
+            <p:ph idx="1"/>
           </p:nvPr>
         </p:nvSpPr>
         <p:spPr/>
@@ -7099,42 +9421,165 @@
           </a:bodyPr>
           <a:lstStyle/>
           <a:p>
-            <a:r>
-              <a:rPr sz="3200" b="1" i="0">
-                <a:latin typeface="Arial"/>
+            <a:pPr>
+              <a:lnSpc>
+                <a:spcPts val="2400"/>
+              </a:lnSpc>
+              <a:defRPr>
+                <a:solidFill>
+                  <a:srgbClr val="000000"/>
+                </a:solidFill>
+              </a:defRPr>
+            </a:pPr>
+            <a:r>
+              <a:rPr sz="2400" b="0" i="0">
+                <a:latin typeface="Courier"/>
               </a:rPr>
-              <a:t>Smith kaart van de derde oplossing</a:t>
-            </a:r>
-            <a:endParaRPr sz="3200" b="1" i="0">
-              <a:latin typeface="Arial"/>
+              <a:t>hoek    impedantie (Ohm)     lengte coax (cm)</a:t>
+            </a:r>
+            <a:endParaRPr sz="2400" b="0" i="0">
+              <a:latin typeface="Courier"/>
             </a:endParaRPr>
           </a:p>
-        </p:txBody>
-      </p:sp>
-      <p:pic>
-        <p:nvPicPr>
-          <p:cNvPr id="3" name="Picture 2" descr="image.png"/>
-          <p:cNvPicPr>
-            <a:picLocks noChangeAspect="1"/>
-          </p:cNvPicPr>
-          <p:nvPr/>
-        </p:nvPicPr>
-        <p:blipFill>
-          <a:blip r:embed="rId2"/>
-          <a:stretch>
-            <a:fillRect/>
-          </a:stretch>
-        </p:blipFill>
-        <p:spPr>
-          <a:xfrm>
-            <a:off x="3307080" y="566928"/>
-            <a:ext cx="5577840" cy="5577840"/>
-          </a:xfrm>
-          <a:prstGeom prst="rect">
-            <a:avLst/>
-          </a:prstGeom>
-        </p:spPr>
-      </p:pic>
+          <a:p>
+            <a:pPr>
+              <a:lnSpc>
+                <a:spcPts val="2400"/>
+              </a:lnSpc>
+              <a:defRPr>
+                <a:solidFill>
+                  <a:srgbClr val="000000"/>
+                </a:solidFill>
+              </a:defRPr>
+            </a:pPr>
+            <a:r>
+              <a:rPr sz="2400" b="0" i="0">
+                <a:latin typeface="Courier"/>
+              </a:rPr>
+              <a:t>  65  Z= 52.17-41.26j Ohm     lengte=2.26 cm</a:t>
+            </a:r>
+            <a:endParaRPr sz="2400" b="0" i="0">
+              <a:latin typeface="Courier"/>
+            </a:endParaRPr>
+          </a:p>
+          <a:p>
+            <a:pPr>
+              <a:lnSpc>
+                <a:spcPts val="2400"/>
+              </a:lnSpc>
+              <a:defRPr>
+                <a:solidFill>
+                  <a:srgbClr val="000000"/>
+                </a:solidFill>
+              </a:defRPr>
+            </a:pPr>
+            <a:r>
+              <a:rPr sz="2400" b="0" i="0">
+                <a:latin typeface="Courier"/>
+              </a:rPr>
+              <a:t>  66  Z= 51.42-41.00j Ohm     lengte=2.29 cm</a:t>
+            </a:r>
+            <a:endParaRPr sz="2400" b="0" i="0">
+              <a:latin typeface="Courier"/>
+            </a:endParaRPr>
+          </a:p>
+          <a:p>
+            <a:pPr>
+              <a:lnSpc>
+                <a:spcPts val="2400"/>
+              </a:lnSpc>
+              <a:defRPr>
+                <a:solidFill>
+                  <a:srgbClr val="000000"/>
+                </a:solidFill>
+              </a:defRPr>
+            </a:pPr>
+            <a:r>
+              <a:rPr sz="2400" b="0" i="0">
+                <a:latin typeface="Courier"/>
+              </a:rPr>
+              <a:t>  67  Z= 50.70-40.73j Ohm     lengte=2.33 cm</a:t>
+            </a:r>
+            <a:endParaRPr sz="2400" b="0" i="0">
+              <a:latin typeface="Courier"/>
+            </a:endParaRPr>
+          </a:p>
+          <a:p>
+            <a:pPr>
+              <a:lnSpc>
+                <a:spcPts val="2400"/>
+              </a:lnSpc>
+              <a:defRPr>
+                <a:solidFill>
+                  <a:srgbClr val="000000"/>
+                </a:solidFill>
+              </a:defRPr>
+            </a:pPr>
+            <a:r>
+              <a:rPr sz="2400" b="0" i="0">
+                <a:latin typeface="Courier"/>
+              </a:rPr>
+              <a:t>  68  Z= 49.98-40.45j Ohm     lengte=2.36 cm</a:t>
+            </a:r>
+            <a:endParaRPr sz="2400" b="0" i="0">
+              <a:latin typeface="Courier"/>
+            </a:endParaRPr>
+          </a:p>
+          <a:p>
+            <a:pPr>
+              <a:lnSpc>
+                <a:spcPts val="2400"/>
+              </a:lnSpc>
+              <a:defRPr>
+                <a:solidFill>
+                  <a:srgbClr val="000000"/>
+                </a:solidFill>
+              </a:defRPr>
+            </a:pPr>
+            <a:r>
+              <a:rPr sz="2400" b="0" i="0">
+                <a:latin typeface="Courier"/>
+              </a:rPr>
+              <a:t>  69  Z= 49.28-40.16j Ohm     lengte=2.40 cm</a:t>
+            </a:r>
+            <a:endParaRPr sz="2400" b="0" i="0">
+              <a:latin typeface="Courier"/>
+            </a:endParaRPr>
+          </a:p>
+          <a:p>
+            <a:pPr>
+              <a:lnSpc>
+                <a:spcPts val="2400"/>
+              </a:lnSpc>
+              <a:defRPr>
+                <a:solidFill>
+                  <a:srgbClr val="000000"/>
+                </a:solidFill>
+              </a:defRPr>
+            </a:pPr>
+            <a:endParaRPr sz="2400" b="0" i="0">
+              <a:latin typeface="Courier"/>
+            </a:endParaRPr>
+          </a:p>
+        </p:txBody>
+      </p:sp>
+      <p:sp>
+        <p:nvSpPr>
+          <p:cNvPr id="3" name="Title 2"/>
+          <p:cNvSpPr>
+            <a:spLocks noGrp="1"/>
+          </p:cNvSpPr>
+          <p:nvPr>
+            <p:ph type="title"/>
+          </p:nvPr>
+        </p:nvSpPr>
+        <p:spPr/>
+        <p:txBody>
+          <a:bodyPr/>
+          <a:lstStyle/>
+          <a:p/>
+        </p:txBody>
+      </p:sp>
     </p:spTree>
   </p:cSld>
   <p:clrMapOvr>
@@ -7174,7 +9619,7 @@
               <a:rPr sz="3200" b="1" i="0">
                 <a:latin typeface="Arial"/>
               </a:rPr>
-              <a:t>Smith kaart van de derde oplossing als admitantie</a:t>
+              <a:t>Circuit van de tweede oplossing</a:t>
             </a:r>
             <a:endParaRPr sz="3200" b="1" i="0">
               <a:latin typeface="Arial"/>
@@ -7198,8 +9643,8 @@
         </p:blipFill>
         <p:spPr>
           <a:xfrm>
-            <a:off x="3307080" y="566928"/>
-            <a:ext cx="5577840" cy="5577840"/>
+            <a:off x="0" y="566928"/>
+            <a:ext cx="12192000" cy="5669280"/>
           </a:xfrm>
           <a:prstGeom prst="rect">
             <a:avLst/>
@@ -7245,7 +9690,7 @@
               <a:rPr sz="3200" b="1" i="0">
                 <a:latin typeface="Arial"/>
               </a:rPr>
-              <a:t>Circuit van de derde oplossing</a:t>
+              <a:t>Smith kaart van de derde oplossing</a:t>
             </a:r>
             <a:endParaRPr sz="3200" b="1" i="0">
               <a:latin typeface="Arial"/>
@@ -7269,8 +9714,8 @@
         </p:blipFill>
         <p:spPr>
           <a:xfrm>
-            <a:off x="0" y="566928"/>
-            <a:ext cx="12192000" cy="5577840"/>
+            <a:off x="3261360" y="566928"/>
+            <a:ext cx="5669280" cy="5669280"/>
           </a:xfrm>
           <a:prstGeom prst="rect">
             <a:avLst/>

--- a/ToegepasteAnalogeElektronica/PowerPoint/SmithKaartOefening5.pptx
+++ b/ToegepasteAnalogeElektronica/PowerPoint/SmithKaartOefening5.pptx
@@ -6045,45 +6045,6 @@
         </p:nvSpPr>
         <p:spPr/>
         <p:txBody>
-          <a:bodyPr/>
-          <a:lstStyle/>
-          <a:p/>
-        </p:txBody>
-      </p:sp>
-      <p:sp>
-        <p:nvSpPr>
-          <p:cNvPr id="3" name="Title 2"/>
-          <p:cNvSpPr>
-            <a:spLocks noGrp="1"/>
-          </p:cNvSpPr>
-          <p:nvPr>
-            <p:ph type="title"/>
-          </p:nvPr>
-        </p:nvSpPr>
-        <p:spPr/>
-        <p:txBody>
-          <a:bodyPr/>
-          <a:lstStyle/>
-          <a:p/>
-        </p:txBody>
-      </p:sp>
-      <p:sp>
-        <p:nvSpPr>
-          <p:cNvPr id="2" name="Content Placeholder 1"/>
-          <p:cNvSpPr>
-            <a:spLocks noGrp="1"/>
-          </p:cNvSpPr>
-          <p:nvPr>
-            <p:ph idx="1"/>
-          </p:nvPr>
-        </p:nvSpPr>
-        <p:spPr>
-          <a:xfrm>
-            <a:off x="914400" y="566928"/>
-            <a:ext cx="10820400" cy="5669280"/>
-          </a:xfrm>
-        </p:spPr>
-        <p:txBody>
           <a:bodyPr>
             <a:spAutoFit/>
           </a:bodyPr>
@@ -6110,6 +6071,23 @@
               <a:t> op de Smith kaart en we zoeken waar we de y=1 cirkel snijden in het bovenste deel van de kaart.</a:t>
             </a:r>
           </a:p>
+        </p:txBody>
+      </p:sp>
+      <p:sp>
+        <p:nvSpPr>
+          <p:cNvPr id="3" name="Title 2"/>
+          <p:cNvSpPr>
+            <a:spLocks noGrp="1"/>
+          </p:cNvSpPr>
+          <p:nvPr>
+            <p:ph type="title"/>
+          </p:nvPr>
+        </p:nvSpPr>
+        <p:spPr/>
+        <p:txBody>
+          <a:bodyPr/>
+          <a:lstStyle/>
+          <a:p/>
         </p:txBody>
       </p:sp>
     </p:spTree>
@@ -6478,45 +6456,6 @@
         </p:nvSpPr>
         <p:spPr/>
         <p:txBody>
-          <a:bodyPr/>
-          <a:lstStyle/>
-          <a:p/>
-        </p:txBody>
-      </p:sp>
-      <p:sp>
-        <p:nvSpPr>
-          <p:cNvPr id="3" name="Title 2"/>
-          <p:cNvSpPr>
-            <a:spLocks noGrp="1"/>
-          </p:cNvSpPr>
-          <p:nvPr>
-            <p:ph type="title"/>
-          </p:nvPr>
-        </p:nvSpPr>
-        <p:spPr/>
-        <p:txBody>
-          <a:bodyPr/>
-          <a:lstStyle/>
-          <a:p/>
-        </p:txBody>
-      </p:sp>
-      <p:sp>
-        <p:nvSpPr>
-          <p:cNvPr id="2" name="Content Placeholder 1"/>
-          <p:cNvSpPr>
-            <a:spLocks noGrp="1"/>
-          </p:cNvSpPr>
-          <p:nvPr>
-            <p:ph idx="1"/>
-          </p:nvPr>
-        </p:nvSpPr>
-        <p:spPr>
-          <a:xfrm>
-            <a:off x="914400" y="566928"/>
-            <a:ext cx="10820400" cy="5669280"/>
-          </a:xfrm>
-        </p:spPr>
-        <p:txBody>
           <a:bodyPr>
             <a:spAutoFit/>
           </a:bodyPr>
@@ -6537,6 +6476,23 @@
               <a:t>De y = 1 - j 0.85 compenseren we door +j 0.85 vertrekkende vanuit g=0.</a:t>
             </a:r>
           </a:p>
+        </p:txBody>
+      </p:sp>
+      <p:sp>
+        <p:nvSpPr>
+          <p:cNvPr id="3" name="Title 2"/>
+          <p:cNvSpPr>
+            <a:spLocks noGrp="1"/>
+          </p:cNvSpPr>
+          <p:nvPr>
+            <p:ph type="title"/>
+          </p:nvPr>
+        </p:nvSpPr>
+        <p:spPr/>
+        <p:txBody>
+          <a:bodyPr/>
+          <a:lstStyle/>
+          <a:p/>
         </p:txBody>
       </p:sp>
     </p:spTree>
@@ -7170,45 +7126,6 @@
         </p:nvSpPr>
         <p:spPr/>
         <p:txBody>
-          <a:bodyPr/>
-          <a:lstStyle/>
-          <a:p/>
-        </p:txBody>
-      </p:sp>
-      <p:sp>
-        <p:nvSpPr>
-          <p:cNvPr id="3" name="Title 2"/>
-          <p:cNvSpPr>
-            <a:spLocks noGrp="1"/>
-          </p:cNvSpPr>
-          <p:nvPr>
-            <p:ph type="title"/>
-          </p:nvPr>
-        </p:nvSpPr>
-        <p:spPr/>
-        <p:txBody>
-          <a:bodyPr/>
-          <a:lstStyle/>
-          <a:p/>
-        </p:txBody>
-      </p:sp>
-      <p:sp>
-        <p:nvSpPr>
-          <p:cNvPr id="2" name="Content Placeholder 1"/>
-          <p:cNvSpPr>
-            <a:spLocks noGrp="1"/>
-          </p:cNvSpPr>
-          <p:nvPr>
-            <p:ph idx="1"/>
-          </p:nvPr>
-        </p:nvSpPr>
-        <p:spPr>
-          <a:xfrm>
-            <a:off x="914400" y="566928"/>
-            <a:ext cx="10820400" cy="5669280"/>
-          </a:xfrm>
-        </p:spPr>
-        <p:txBody>
           <a:bodyPr>
             <a:spAutoFit/>
           </a:bodyPr>
@@ -7235,6 +7152,23 @@
               <a:t>.</a:t>
             </a:r>
           </a:p>
+        </p:txBody>
+      </p:sp>
+      <p:sp>
+        <p:nvSpPr>
+          <p:cNvPr id="3" name="Title 2"/>
+          <p:cNvSpPr>
+            <a:spLocks noGrp="1"/>
+          </p:cNvSpPr>
+          <p:nvPr>
+            <p:ph type="title"/>
+          </p:nvPr>
+        </p:nvSpPr>
+        <p:spPr/>
+        <p:txBody>
+          <a:bodyPr/>
+          <a:lstStyle/>
+          <a:p/>
         </p:txBody>
       </p:sp>
     </p:spTree>
@@ -7705,45 +7639,6 @@
         </p:nvSpPr>
         <p:spPr/>
         <p:txBody>
-          <a:bodyPr/>
-          <a:lstStyle/>
-          <a:p/>
-        </p:txBody>
-      </p:sp>
-      <p:sp>
-        <p:nvSpPr>
-          <p:cNvPr id="3" name="Title 2"/>
-          <p:cNvSpPr>
-            <a:spLocks noGrp="1"/>
-          </p:cNvSpPr>
-          <p:nvPr>
-            <p:ph type="title"/>
-          </p:nvPr>
-        </p:nvSpPr>
-        <p:spPr/>
-        <p:txBody>
-          <a:bodyPr/>
-          <a:lstStyle/>
-          <a:p/>
-        </p:txBody>
-      </p:sp>
-      <p:sp>
-        <p:nvSpPr>
-          <p:cNvPr id="2" name="Content Placeholder 1"/>
-          <p:cNvSpPr>
-            <a:spLocks noGrp="1"/>
-          </p:cNvSpPr>
-          <p:nvPr>
-            <p:ph idx="1"/>
-          </p:nvPr>
-        </p:nvSpPr>
-        <p:spPr>
-          <a:xfrm>
-            <a:off x="914400" y="566928"/>
-            <a:ext cx="10820400" cy="5669280"/>
-          </a:xfrm>
-        </p:spPr>
-        <p:txBody>
           <a:bodyPr>
             <a:spAutoFit/>
           </a:bodyPr>
@@ -7767,6 +7662,23 @@
               <a:t>&lt;/p&gt;</a:t>
             </a:r>
           </a:p>
+        </p:txBody>
+      </p:sp>
+      <p:sp>
+        <p:nvSpPr>
+          <p:cNvPr id="3" name="Title 2"/>
+          <p:cNvSpPr>
+            <a:spLocks noGrp="1"/>
+          </p:cNvSpPr>
+          <p:nvPr>
+            <p:ph type="title"/>
+          </p:nvPr>
+        </p:nvSpPr>
+        <p:spPr/>
+        <p:txBody>
+          <a:bodyPr/>
+          <a:lstStyle/>
+          <a:p/>
         </p:txBody>
       </p:sp>
     </p:spTree>
@@ -8514,45 +8426,6 @@
         </p:nvSpPr>
         <p:spPr/>
         <p:txBody>
-          <a:bodyPr/>
-          <a:lstStyle/>
-          <a:p/>
-        </p:txBody>
-      </p:sp>
-      <p:sp>
-        <p:nvSpPr>
-          <p:cNvPr id="3" name="Title 2"/>
-          <p:cNvSpPr>
-            <a:spLocks noGrp="1"/>
-          </p:cNvSpPr>
-          <p:nvPr>
-            <p:ph type="title"/>
-          </p:nvPr>
-        </p:nvSpPr>
-        <p:spPr/>
-        <p:txBody>
-          <a:bodyPr/>
-          <a:lstStyle/>
-          <a:p/>
-        </p:txBody>
-      </p:sp>
-      <p:sp>
-        <p:nvSpPr>
-          <p:cNvPr id="2" name="Content Placeholder 1"/>
-          <p:cNvSpPr>
-            <a:spLocks noGrp="1"/>
-          </p:cNvSpPr>
-          <p:nvPr>
-            <p:ph idx="1"/>
-          </p:nvPr>
-        </p:nvSpPr>
-        <p:spPr>
-          <a:xfrm>
-            <a:off x="914400" y="566928"/>
-            <a:ext cx="10820400" cy="5669280"/>
-          </a:xfrm>
-        </p:spPr>
-        <p:txBody>
           <a:bodyPr>
             <a:spAutoFit/>
           </a:bodyPr>
@@ -8579,6 +8452,23 @@
               <a:t>.</a:t>
             </a:r>
           </a:p>
+        </p:txBody>
+      </p:sp>
+      <p:sp>
+        <p:nvSpPr>
+          <p:cNvPr id="3" name="Title 2"/>
+          <p:cNvSpPr>
+            <a:spLocks noGrp="1"/>
+          </p:cNvSpPr>
+          <p:nvPr>
+            <p:ph type="title"/>
+          </p:nvPr>
+        </p:nvSpPr>
+        <p:spPr/>
+        <p:txBody>
+          <a:bodyPr/>
+          <a:lstStyle/>
+          <a:p/>
         </p:txBody>
       </p:sp>
     </p:spTree>
@@ -9248,45 +9138,6 @@
         </p:nvSpPr>
         <p:spPr/>
         <p:txBody>
-          <a:bodyPr/>
-          <a:lstStyle/>
-          <a:p/>
-        </p:txBody>
-      </p:sp>
-      <p:sp>
-        <p:nvSpPr>
-          <p:cNvPr id="3" name="Title 2"/>
-          <p:cNvSpPr>
-            <a:spLocks noGrp="1"/>
-          </p:cNvSpPr>
-          <p:nvPr>
-            <p:ph type="title"/>
-          </p:nvPr>
-        </p:nvSpPr>
-        <p:spPr/>
-        <p:txBody>
-          <a:bodyPr/>
-          <a:lstStyle/>
-          <a:p/>
-        </p:txBody>
-      </p:sp>
-      <p:sp>
-        <p:nvSpPr>
-          <p:cNvPr id="2" name="Content Placeholder 1"/>
-          <p:cNvSpPr>
-            <a:spLocks noGrp="1"/>
-          </p:cNvSpPr>
-          <p:nvPr>
-            <p:ph idx="1"/>
-          </p:nvPr>
-        </p:nvSpPr>
-        <p:spPr>
-          <a:xfrm>
-            <a:off x="914400" y="566928"/>
-            <a:ext cx="10820400" cy="5669280"/>
-          </a:xfrm>
-        </p:spPr>
-        <p:txBody>
           <a:bodyPr>
             <a:spAutoFit/>
           </a:bodyPr>
@@ -9313,6 +9164,23 @@
               <a:t> op de Smith kaart en we zoeken waar we de r=1 cirkel snijden in het onderste deel van de kaart.</a:t>
             </a:r>
           </a:p>
+        </p:txBody>
+      </p:sp>
+      <p:sp>
+        <p:nvSpPr>
+          <p:cNvPr id="3" name="Title 2"/>
+          <p:cNvSpPr>
+            <a:spLocks noGrp="1"/>
+          </p:cNvSpPr>
+          <p:nvPr>
+            <p:ph type="title"/>
+          </p:nvPr>
+        </p:nvSpPr>
+        <p:spPr/>
+        <p:txBody>
+          <a:bodyPr/>
+          <a:lstStyle/>
+          <a:p/>
         </p:txBody>
       </p:sp>
     </p:spTree>
